--- a/_GitUpstreamFetchMerge/HowToFetchMergeUpstream.pptx
+++ b/_GitUpstreamFetchMerge/HowToFetchMergeUpstream.pptx
@@ -6,27 +6,32 @@
   </p:sldMasterIdLst>
   <p:sldIdLst>
     <p:sldId id="256" r:id="rId2"/>
-    <p:sldId id="257" r:id="rId3"/>
-    <p:sldId id="258" r:id="rId4"/>
-    <p:sldId id="259" r:id="rId5"/>
-    <p:sldId id="260" r:id="rId6"/>
-    <p:sldId id="261" r:id="rId7"/>
-    <p:sldId id="262" r:id="rId8"/>
-    <p:sldId id="263" r:id="rId9"/>
-    <p:sldId id="264" r:id="rId10"/>
-    <p:sldId id="265" r:id="rId11"/>
-    <p:sldId id="266" r:id="rId12"/>
-    <p:sldId id="267" r:id="rId13"/>
-    <p:sldId id="268" r:id="rId14"/>
-    <p:sldId id="269" r:id="rId15"/>
-    <p:sldId id="270" r:id="rId16"/>
-    <p:sldId id="271" r:id="rId17"/>
-    <p:sldId id="272" r:id="rId18"/>
-    <p:sldId id="273" r:id="rId19"/>
-    <p:sldId id="274" r:id="rId20"/>
-    <p:sldId id="275" r:id="rId21"/>
-    <p:sldId id="276" r:id="rId22"/>
-    <p:sldId id="277" r:id="rId23"/>
+    <p:sldId id="278" r:id="rId3"/>
+    <p:sldId id="257" r:id="rId4"/>
+    <p:sldId id="258" r:id="rId5"/>
+    <p:sldId id="279" r:id="rId6"/>
+    <p:sldId id="259" r:id="rId7"/>
+    <p:sldId id="260" r:id="rId8"/>
+    <p:sldId id="261" r:id="rId9"/>
+    <p:sldId id="262" r:id="rId10"/>
+    <p:sldId id="263" r:id="rId11"/>
+    <p:sldId id="264" r:id="rId12"/>
+    <p:sldId id="265" r:id="rId13"/>
+    <p:sldId id="266" r:id="rId14"/>
+    <p:sldId id="267" r:id="rId15"/>
+    <p:sldId id="268" r:id="rId16"/>
+    <p:sldId id="269" r:id="rId17"/>
+    <p:sldId id="270" r:id="rId18"/>
+    <p:sldId id="271" r:id="rId19"/>
+    <p:sldId id="272" r:id="rId20"/>
+    <p:sldId id="273" r:id="rId21"/>
+    <p:sldId id="274" r:id="rId22"/>
+    <p:sldId id="275" r:id="rId23"/>
+    <p:sldId id="276" r:id="rId24"/>
+    <p:sldId id="277" r:id="rId25"/>
+    <p:sldId id="280" r:id="rId26"/>
+    <p:sldId id="281" r:id="rId27"/>
+    <p:sldId id="282" r:id="rId28"/>
   </p:sldIdLst>
   <p:sldSz cx="12192000" cy="6858000"/>
   <p:notesSz cx="6858000" cy="9144000"/>
@@ -282,7 +287,7 @@
           <a:p>
             <a:fld id="{D8761AD7-7DBB-44DB-85AD-C38F739D5450}" type="datetimeFigureOut">
               <a:rPr kumimoji="1" lang="ja-JP" altLang="en-US" smtClean="0"/>
-              <a:t>2019/1/16</a:t>
+              <a:t>2019/1/22</a:t>
             </a:fld>
             <a:endParaRPr kumimoji="1" lang="ja-JP" altLang="en-US"/>
           </a:p>
@@ -482,7 +487,7 @@
           <a:p>
             <a:fld id="{D8761AD7-7DBB-44DB-85AD-C38F739D5450}" type="datetimeFigureOut">
               <a:rPr kumimoji="1" lang="ja-JP" altLang="en-US" smtClean="0"/>
-              <a:t>2019/1/16</a:t>
+              <a:t>2019/1/22</a:t>
             </a:fld>
             <a:endParaRPr kumimoji="1" lang="ja-JP" altLang="en-US"/>
           </a:p>
@@ -692,7 +697,7 @@
           <a:p>
             <a:fld id="{D8761AD7-7DBB-44DB-85AD-C38F739D5450}" type="datetimeFigureOut">
               <a:rPr kumimoji="1" lang="ja-JP" altLang="en-US" smtClean="0"/>
-              <a:t>2019/1/16</a:t>
+              <a:t>2019/1/22</a:t>
             </a:fld>
             <a:endParaRPr kumimoji="1" lang="ja-JP" altLang="en-US"/>
           </a:p>
@@ -892,7 +897,7 @@
           <a:p>
             <a:fld id="{D8761AD7-7DBB-44DB-85AD-C38F739D5450}" type="datetimeFigureOut">
               <a:rPr kumimoji="1" lang="ja-JP" altLang="en-US" smtClean="0"/>
-              <a:t>2019/1/16</a:t>
+              <a:t>2019/1/22</a:t>
             </a:fld>
             <a:endParaRPr kumimoji="1" lang="ja-JP" altLang="en-US"/>
           </a:p>
@@ -1168,7 +1173,7 @@
           <a:p>
             <a:fld id="{D8761AD7-7DBB-44DB-85AD-C38F739D5450}" type="datetimeFigureOut">
               <a:rPr kumimoji="1" lang="ja-JP" altLang="en-US" smtClean="0"/>
-              <a:t>2019/1/16</a:t>
+              <a:t>2019/1/22</a:t>
             </a:fld>
             <a:endParaRPr kumimoji="1" lang="ja-JP" altLang="en-US"/>
           </a:p>
@@ -1436,7 +1441,7 @@
           <a:p>
             <a:fld id="{D8761AD7-7DBB-44DB-85AD-C38F739D5450}" type="datetimeFigureOut">
               <a:rPr kumimoji="1" lang="ja-JP" altLang="en-US" smtClean="0"/>
-              <a:t>2019/1/16</a:t>
+              <a:t>2019/1/22</a:t>
             </a:fld>
             <a:endParaRPr kumimoji="1" lang="ja-JP" altLang="en-US"/>
           </a:p>
@@ -1851,7 +1856,7 @@
           <a:p>
             <a:fld id="{D8761AD7-7DBB-44DB-85AD-C38F739D5450}" type="datetimeFigureOut">
               <a:rPr kumimoji="1" lang="ja-JP" altLang="en-US" smtClean="0"/>
-              <a:t>2019/1/16</a:t>
+              <a:t>2019/1/22</a:t>
             </a:fld>
             <a:endParaRPr kumimoji="1" lang="ja-JP" altLang="en-US"/>
           </a:p>
@@ -1993,7 +1998,7 @@
           <a:p>
             <a:fld id="{D8761AD7-7DBB-44DB-85AD-C38F739D5450}" type="datetimeFigureOut">
               <a:rPr kumimoji="1" lang="ja-JP" altLang="en-US" smtClean="0"/>
-              <a:t>2019/1/16</a:t>
+              <a:t>2019/1/22</a:t>
             </a:fld>
             <a:endParaRPr kumimoji="1" lang="ja-JP" altLang="en-US"/>
           </a:p>
@@ -2106,7 +2111,7 @@
           <a:p>
             <a:fld id="{D8761AD7-7DBB-44DB-85AD-C38F739D5450}" type="datetimeFigureOut">
               <a:rPr kumimoji="1" lang="ja-JP" altLang="en-US" smtClean="0"/>
-              <a:t>2019/1/16</a:t>
+              <a:t>2019/1/22</a:t>
             </a:fld>
             <a:endParaRPr kumimoji="1" lang="ja-JP" altLang="en-US"/>
           </a:p>
@@ -2419,7 +2424,7 @@
           <a:p>
             <a:fld id="{D8761AD7-7DBB-44DB-85AD-C38F739D5450}" type="datetimeFigureOut">
               <a:rPr kumimoji="1" lang="ja-JP" altLang="en-US" smtClean="0"/>
-              <a:t>2019/1/16</a:t>
+              <a:t>2019/1/22</a:t>
             </a:fld>
             <a:endParaRPr kumimoji="1" lang="ja-JP" altLang="en-US"/>
           </a:p>
@@ -2708,7 +2713,7 @@
           <a:p>
             <a:fld id="{D8761AD7-7DBB-44DB-85AD-C38F739D5450}" type="datetimeFigureOut">
               <a:rPr kumimoji="1" lang="ja-JP" altLang="en-US" smtClean="0"/>
-              <a:t>2019/1/16</a:t>
+              <a:t>2019/1/22</a:t>
             </a:fld>
             <a:endParaRPr kumimoji="1" lang="ja-JP" altLang="en-US"/>
           </a:p>
@@ -2951,7 +2956,7 @@
           <a:p>
             <a:fld id="{D8761AD7-7DBB-44DB-85AD-C38F739D5450}" type="datetimeFigureOut">
               <a:rPr kumimoji="1" lang="ja-JP" altLang="en-US" smtClean="0"/>
-              <a:t>2019/1/16</a:t>
+              <a:t>2019/1/22</a:t>
             </a:fld>
             <a:endParaRPr kumimoji="1" lang="ja-JP" altLang="en-US"/>
           </a:p>
@@ -3564,10 +3569,10 @@
       </p:grpSpPr>
       <p:pic>
         <p:nvPicPr>
-          <p:cNvPr id="3" name="Picture 2">
-            <a:extLst>
-              <a:ext uri="{FF2B5EF4-FFF2-40B4-BE49-F238E27FC236}">
-                <a16:creationId xmlns:a16="http://schemas.microsoft.com/office/drawing/2014/main" id="{3A7B26CF-E88F-44F6-9BD9-03FBD3560E62}"/>
+          <p:cNvPr id="2" name="Picture 1">
+            <a:extLst>
+              <a:ext uri="{FF2B5EF4-FFF2-40B4-BE49-F238E27FC236}">
+                <a16:creationId xmlns:a16="http://schemas.microsoft.com/office/drawing/2014/main" id="{8E871EE2-D546-4030-A549-72A53F54260D}"/>
               </a:ext>
             </a:extLst>
           </p:cNvPr>
@@ -3584,8 +3589,8 @@
         </p:blipFill>
         <p:spPr>
           <a:xfrm>
-            <a:off x="273540" y="741667"/>
-            <a:ext cx="8667335" cy="4444787"/>
+            <a:off x="304848" y="946206"/>
+            <a:ext cx="8026352" cy="2251689"/>
           </a:xfrm>
           <a:prstGeom prst="rect">
             <a:avLst/>
@@ -3594,10 +3599,10 @@
       </p:pic>
       <p:sp>
         <p:nvSpPr>
-          <p:cNvPr id="5" name="TextBox 4">
-            <a:extLst>
-              <a:ext uri="{FF2B5EF4-FFF2-40B4-BE49-F238E27FC236}">
-                <a16:creationId xmlns:a16="http://schemas.microsoft.com/office/drawing/2014/main" id="{85D5AAB3-67DA-42F3-A02D-9525A5EDFEA1}"/>
+          <p:cNvPr id="3" name="TextBox 2">
+            <a:extLst>
+              <a:ext uri="{FF2B5EF4-FFF2-40B4-BE49-F238E27FC236}">
+                <a16:creationId xmlns:a16="http://schemas.microsoft.com/office/drawing/2014/main" id="{03949BDC-3F0A-4652-8934-8310CFD9CF3B}"/>
               </a:ext>
             </a:extLst>
           </p:cNvPr>
@@ -3606,8 +3611,8 @@
         </p:nvSpPr>
         <p:spPr>
           <a:xfrm>
-            <a:off x="250092" y="93785"/>
-            <a:ext cx="11754339" cy="646331"/>
+            <a:off x="148492" y="273538"/>
+            <a:ext cx="11324493" cy="646331"/>
           </a:xfrm>
           <a:prstGeom prst="rect">
             <a:avLst/>
@@ -3625,7 +3630,19 @@
               <a:rPr kumimoji="1" lang="en-US" altLang="ja-JP" dirty="0">
                 <a:latin typeface="Verdana" panose="020B0604030504040204" pitchFamily="34" charset="0"/>
               </a:rPr>
-              <a:t>Regarding “Text.js”, it is necessary to merge my own changes (surrounded by the red square) to the change of upstream.</a:t>
+              <a:t>Regarding, </a:t>
+            </a:r>
+            <a:r>
+              <a:rPr kumimoji="1" lang="en-US" altLang="ja-JP" dirty="0" err="1">
+                <a:latin typeface="Verdana" panose="020B0604030504040204" pitchFamily="34" charset="0"/>
+              </a:rPr>
+              <a:t>package.json</a:t>
+            </a:r>
+            <a:r>
+              <a:rPr kumimoji="1" lang="en-US" altLang="ja-JP" dirty="0">
+                <a:latin typeface="Verdana" panose="020B0604030504040204" pitchFamily="34" charset="0"/>
+              </a:rPr>
+              <a:t>, delete unnecessary lines and change the version to 1.2.3 as in the upstream version.</a:t>
             </a:r>
             <a:endParaRPr kumimoji="1" lang="ja-JP" altLang="en-US" dirty="0">
               <a:latin typeface="Verdana" panose="020B0604030504040204" pitchFamily="34" charset="0"/>
@@ -3633,121 +3650,72 @@
           </a:p>
         </p:txBody>
       </p:sp>
-      <p:sp>
-        <p:nvSpPr>
-          <p:cNvPr id="6" name="Rectangle: Rounded Corners 5">
-            <a:extLst>
-              <a:ext uri="{FF2B5EF4-FFF2-40B4-BE49-F238E27FC236}">
-                <a16:creationId xmlns:a16="http://schemas.microsoft.com/office/drawing/2014/main" id="{F70CC1D0-8573-47EB-A7B5-4ADFBA48111B}"/>
-              </a:ext>
-            </a:extLst>
-          </p:cNvPr>
-          <p:cNvSpPr/>
-          <p:nvPr/>
-        </p:nvSpPr>
-        <p:spPr>
-          <a:xfrm>
-            <a:off x="3032369" y="828431"/>
-            <a:ext cx="5236308" cy="312615"/>
-          </a:xfrm>
-          <a:prstGeom prst="roundRect">
-            <a:avLst/>
-          </a:prstGeom>
-          <a:noFill/>
-          <a:ln w="31750">
-            <a:solidFill>
-              <a:srgbClr val="FF0000"/>
-            </a:solidFill>
-          </a:ln>
-        </p:spPr>
-        <p:style>
-          <a:lnRef idx="2">
-            <a:schemeClr val="accent1">
-              <a:shade val="50000"/>
-            </a:schemeClr>
-          </a:lnRef>
-          <a:fillRef idx="1">
-            <a:schemeClr val="accent1"/>
-          </a:fillRef>
-          <a:effectRef idx="0">
-            <a:schemeClr val="accent1"/>
-          </a:effectRef>
-          <a:fontRef idx="minor">
-            <a:schemeClr val="lt1"/>
-          </a:fontRef>
-        </p:style>
-        <p:txBody>
-          <a:bodyPr rtlCol="0" anchor="ctr"/>
-          <a:lstStyle/>
-          <a:p>
-            <a:pPr algn="ctr"/>
-            <a:endParaRPr kumimoji="1" lang="ja-JP" altLang="en-US"/>
-          </a:p>
-        </p:txBody>
-      </p:sp>
-      <p:sp>
-        <p:nvSpPr>
-          <p:cNvPr id="7" name="Rectangle: Rounded Corners 6">
-            <a:extLst>
-              <a:ext uri="{FF2B5EF4-FFF2-40B4-BE49-F238E27FC236}">
-                <a16:creationId xmlns:a16="http://schemas.microsoft.com/office/drawing/2014/main" id="{771AE1F2-2857-482D-9CF8-F4F48A19DC74}"/>
-              </a:ext>
-            </a:extLst>
-          </p:cNvPr>
-          <p:cNvSpPr/>
-          <p:nvPr/>
-        </p:nvSpPr>
-        <p:spPr>
-          <a:xfrm>
-            <a:off x="273540" y="4267200"/>
-            <a:ext cx="4603260" cy="375138"/>
-          </a:xfrm>
-          <a:prstGeom prst="roundRect">
-            <a:avLst/>
-          </a:prstGeom>
-          <a:noFill/>
-          <a:ln w="31750">
-            <a:solidFill>
-              <a:schemeClr val="accent1"/>
-            </a:solidFill>
-          </a:ln>
-        </p:spPr>
-        <p:style>
-          <a:lnRef idx="2">
-            <a:schemeClr val="accent1">
-              <a:shade val="50000"/>
-            </a:schemeClr>
-          </a:lnRef>
-          <a:fillRef idx="1">
-            <a:schemeClr val="accent1"/>
-          </a:fillRef>
-          <a:effectRef idx="0">
-            <a:schemeClr val="accent1"/>
-          </a:effectRef>
-          <a:fontRef idx="minor">
-            <a:schemeClr val="lt1"/>
-          </a:fontRef>
-        </p:style>
-        <p:txBody>
-          <a:bodyPr rot="0" spcFirstLastPara="0" vertOverflow="overflow" horzOverflow="overflow" vert="horz" wrap="square" lIns="91440" tIns="45720" rIns="91440" bIns="45720" numCol="1" spcCol="0" rtlCol="0" fromWordArt="0" anchor="ctr" anchorCtr="0" forceAA="0" compatLnSpc="1">
-            <a:prstTxWarp prst="textNoShape">
-              <a:avLst/>
-            </a:prstTxWarp>
-            <a:noAutofit/>
-          </a:bodyPr>
-          <a:lstStyle/>
-          <a:p>
-            <a:pPr algn="ctr"/>
-            <a:endParaRPr kumimoji="1" lang="ja-JP" altLang="en-US"/>
-          </a:p>
-        </p:txBody>
-      </p:sp>
-      <p:sp>
-        <p:nvSpPr>
-          <p:cNvPr id="8" name="TextBox 7">
-            <a:extLst>
-              <a:ext uri="{FF2B5EF4-FFF2-40B4-BE49-F238E27FC236}">
-                <a16:creationId xmlns:a16="http://schemas.microsoft.com/office/drawing/2014/main" id="{1BA85A34-2269-48A2-83EB-9AC3B600AA14}"/>
+      <p:pic>
+        <p:nvPicPr>
+          <p:cNvPr id="4" name="Picture 3">
+            <a:extLst>
+              <a:ext uri="{FF2B5EF4-FFF2-40B4-BE49-F238E27FC236}">
+                <a16:creationId xmlns:a16="http://schemas.microsoft.com/office/drawing/2014/main" id="{19FE019A-45B4-45FC-AB8C-5CD9800545E7}"/>
+              </a:ext>
+            </a:extLst>
+          </p:cNvPr>
+          <p:cNvPicPr>
+            <a:picLocks noChangeAspect="1"/>
+          </p:cNvPicPr>
+          <p:nvPr/>
+        </p:nvPicPr>
+        <p:blipFill>
+          <a:blip r:embed="rId3"/>
+          <a:stretch>
+            <a:fillRect/>
+          </a:stretch>
+        </p:blipFill>
+        <p:spPr>
+          <a:xfrm>
+            <a:off x="304848" y="3224232"/>
+            <a:ext cx="4295775" cy="1238250"/>
+          </a:xfrm>
+          <a:prstGeom prst="rect">
+            <a:avLst/>
+          </a:prstGeom>
+        </p:spPr>
+      </p:pic>
+      <p:pic>
+        <p:nvPicPr>
+          <p:cNvPr id="5" name="Picture 4">
+            <a:extLst>
+              <a:ext uri="{FF2B5EF4-FFF2-40B4-BE49-F238E27FC236}">
+                <a16:creationId xmlns:a16="http://schemas.microsoft.com/office/drawing/2014/main" id="{D94BC19E-800D-472F-B0D9-72C655902FEA}"/>
+              </a:ext>
+            </a:extLst>
+          </p:cNvPr>
+          <p:cNvPicPr>
+            <a:picLocks noChangeAspect="1"/>
+          </p:cNvPicPr>
+          <p:nvPr/>
+        </p:nvPicPr>
+        <p:blipFill>
+          <a:blip r:embed="rId4"/>
+          <a:stretch>
+            <a:fillRect/>
+          </a:stretch>
+        </p:blipFill>
+        <p:spPr>
+          <a:xfrm>
+            <a:off x="304847" y="4488819"/>
+            <a:ext cx="8026351" cy="1874611"/>
+          </a:xfrm>
+          <a:prstGeom prst="rect">
+            <a:avLst/>
+          </a:prstGeom>
+        </p:spPr>
+      </p:pic>
+      <p:sp>
+        <p:nvSpPr>
+          <p:cNvPr id="6" name="TextBox 5">
+            <a:extLst>
+              <a:ext uri="{FF2B5EF4-FFF2-40B4-BE49-F238E27FC236}">
+                <a16:creationId xmlns:a16="http://schemas.microsoft.com/office/drawing/2014/main" id="{A4F78977-599D-4B85-B1DA-695758CBAC70}"/>
               </a:ext>
             </a:extLst>
           </p:cNvPr>
@@ -3756,8 +3724,8 @@
         </p:nvSpPr>
         <p:spPr>
           <a:xfrm>
-            <a:off x="5048738" y="4118708"/>
-            <a:ext cx="6619631" cy="369332"/>
+            <a:off x="5345723" y="3696677"/>
+            <a:ext cx="6541429" cy="646331"/>
           </a:xfrm>
           <a:prstGeom prst="rect">
             <a:avLst/>
@@ -3775,7 +3743,7 @@
               <a:rPr kumimoji="1" lang="en-US" altLang="ja-JP" dirty="0">
                 <a:latin typeface="Verdana" panose="020B0604030504040204" pitchFamily="34" charset="0"/>
               </a:rPr>
-              <a:t>This part is already implemented automatically by git.</a:t>
+              <a:t>I could not delete the line “version”: “1.2.1”, so deleted it in the editor.</a:t>
             </a:r>
             <a:endParaRPr kumimoji="1" lang="ja-JP" altLang="en-US" dirty="0">
               <a:latin typeface="Verdana" panose="020B0604030504040204" pitchFamily="34" charset="0"/>
@@ -3786,7 +3754,7 @@
     </p:spTree>
     <p:extLst>
       <p:ext uri="{BB962C8B-B14F-4D97-AF65-F5344CB8AC3E}">
-        <p14:creationId xmlns:p14="http://schemas.microsoft.com/office/powerpoint/2010/main" val="702876513"/>
+        <p14:creationId xmlns:p14="http://schemas.microsoft.com/office/powerpoint/2010/main" val="452749272"/>
       </p:ext>
     </p:extLst>
   </p:cSld>
@@ -3813,53 +3781,12 @@
           <a:chExt cx="0" cy="0"/>
         </a:xfrm>
       </p:grpSpPr>
-      <p:sp>
-        <p:nvSpPr>
-          <p:cNvPr id="2" name="TextBox 1">
-            <a:extLst>
-              <a:ext uri="{FF2B5EF4-FFF2-40B4-BE49-F238E27FC236}">
-                <a16:creationId xmlns:a16="http://schemas.microsoft.com/office/drawing/2014/main" id="{5173A879-3413-498F-8DD7-9DE04E47EF04}"/>
-              </a:ext>
-            </a:extLst>
-          </p:cNvPr>
-          <p:cNvSpPr txBox="1"/>
-          <p:nvPr/>
-        </p:nvSpPr>
-        <p:spPr>
-          <a:xfrm>
-            <a:off x="289169" y="390769"/>
-            <a:ext cx="11684000" cy="369332"/>
-          </a:xfrm>
-          <a:prstGeom prst="rect">
-            <a:avLst/>
-          </a:prstGeom>
-          <a:noFill/>
-        </p:spPr>
-        <p:txBody>
-          <a:bodyPr wrap="square" rtlCol="0">
-            <a:spAutoFit/>
-          </a:bodyPr>
-          <a:lstStyle/>
-          <a:p>
-            <a:pPr algn="l"/>
-            <a:r>
-              <a:rPr kumimoji="1" lang="en-US" altLang="ja-JP" dirty="0">
-                <a:latin typeface="Verdana" panose="020B0604030504040204" pitchFamily="34" charset="0"/>
-              </a:rPr>
-              <a:t>So I edited the code in the editor and the result is as follow.</a:t>
-            </a:r>
-            <a:endParaRPr kumimoji="1" lang="ja-JP" altLang="en-US" dirty="0">
-              <a:latin typeface="Verdana" panose="020B0604030504040204" pitchFamily="34" charset="0"/>
-            </a:endParaRPr>
-          </a:p>
-        </p:txBody>
-      </p:sp>
       <p:pic>
         <p:nvPicPr>
-          <p:cNvPr id="4" name="Picture 3">
-            <a:extLst>
-              <a:ext uri="{FF2B5EF4-FFF2-40B4-BE49-F238E27FC236}">
-                <a16:creationId xmlns:a16="http://schemas.microsoft.com/office/drawing/2014/main" id="{CFA3D752-7B0E-47D8-9825-0CC2A7D35119}"/>
+          <p:cNvPr id="2" name="Picture 1">
+            <a:extLst>
+              <a:ext uri="{FF2B5EF4-FFF2-40B4-BE49-F238E27FC236}">
+                <a16:creationId xmlns:a16="http://schemas.microsoft.com/office/drawing/2014/main" id="{CDEBF417-693F-4905-B0CD-F8AD82A43A12}"/>
               </a:ext>
             </a:extLst>
           </p:cNvPr>
@@ -3876,131 +3803,48 @@
         </p:blipFill>
         <p:spPr>
           <a:xfrm>
-            <a:off x="385562" y="945662"/>
-            <a:ext cx="9516530" cy="3667605"/>
+            <a:off x="385331" y="411281"/>
+            <a:ext cx="3725614" cy="1636349"/>
           </a:xfrm>
           <a:prstGeom prst="rect">
             <a:avLst/>
           </a:prstGeom>
         </p:spPr>
       </p:pic>
-      <p:sp>
-        <p:nvSpPr>
-          <p:cNvPr id="5" name="Rectangle: Rounded Corners 4">
-            <a:extLst>
-              <a:ext uri="{FF2B5EF4-FFF2-40B4-BE49-F238E27FC236}">
-                <a16:creationId xmlns:a16="http://schemas.microsoft.com/office/drawing/2014/main" id="{35DCA4C8-EEC5-4C7F-9897-0C0C91D21831}"/>
-              </a:ext>
-            </a:extLst>
-          </p:cNvPr>
-          <p:cNvSpPr/>
-          <p:nvPr/>
-        </p:nvSpPr>
-        <p:spPr>
-          <a:xfrm>
-            <a:off x="3259015" y="1000369"/>
-            <a:ext cx="5869354" cy="312616"/>
-          </a:xfrm>
-          <a:prstGeom prst="roundRect">
-            <a:avLst/>
-          </a:prstGeom>
-          <a:noFill/>
-          <a:ln w="31750">
-            <a:solidFill>
-              <a:srgbClr val="66FFFF"/>
-            </a:solidFill>
-          </a:ln>
-        </p:spPr>
-        <p:style>
-          <a:lnRef idx="2">
-            <a:schemeClr val="accent1">
-              <a:shade val="50000"/>
-            </a:schemeClr>
-          </a:lnRef>
-          <a:fillRef idx="1">
-            <a:schemeClr val="accent1"/>
-          </a:fillRef>
-          <a:effectRef idx="0">
-            <a:schemeClr val="accent1"/>
-          </a:effectRef>
-          <a:fontRef idx="minor">
-            <a:schemeClr val="lt1"/>
-          </a:fontRef>
-        </p:style>
-        <p:txBody>
-          <a:bodyPr rot="0" spcFirstLastPara="0" vertOverflow="overflow" horzOverflow="overflow" vert="horz" wrap="square" lIns="91440" tIns="45720" rIns="91440" bIns="45720" numCol="1" spcCol="0" rtlCol="0" fromWordArt="0" anchor="ctr" anchorCtr="0" forceAA="0" compatLnSpc="1">
-            <a:prstTxWarp prst="textNoShape">
-              <a:avLst/>
-            </a:prstTxWarp>
-            <a:noAutofit/>
-          </a:bodyPr>
-          <a:lstStyle/>
-          <a:p>
-            <a:pPr algn="ctr"/>
-            <a:endParaRPr kumimoji="1" lang="ja-JP" altLang="en-US"/>
-          </a:p>
-        </p:txBody>
-      </p:sp>
-      <p:sp>
-        <p:nvSpPr>
-          <p:cNvPr id="6" name="TextBox 5">
-            <a:extLst>
-              <a:ext uri="{FF2B5EF4-FFF2-40B4-BE49-F238E27FC236}">
-                <a16:creationId xmlns:a16="http://schemas.microsoft.com/office/drawing/2014/main" id="{1765F23C-1D1B-4B85-A75E-2270CB562A4E}"/>
-              </a:ext>
-            </a:extLst>
-          </p:cNvPr>
-          <p:cNvSpPr txBox="1"/>
-          <p:nvPr/>
-        </p:nvSpPr>
-        <p:spPr>
-          <a:xfrm>
-            <a:off x="6260123" y="1313880"/>
-            <a:ext cx="5111262" cy="369332"/>
+      <p:pic>
+        <p:nvPicPr>
+          <p:cNvPr id="3" name="Picture 2">
+            <a:extLst>
+              <a:ext uri="{FF2B5EF4-FFF2-40B4-BE49-F238E27FC236}">
+                <a16:creationId xmlns:a16="http://schemas.microsoft.com/office/drawing/2014/main" id="{A48A9918-3930-4356-BD4D-0FBF4C005EFD}"/>
+              </a:ext>
+            </a:extLst>
+          </p:cNvPr>
+          <p:cNvPicPr>
+            <a:picLocks noChangeAspect="1"/>
+          </p:cNvPicPr>
+          <p:nvPr/>
+        </p:nvPicPr>
+        <p:blipFill>
+          <a:blip r:embed="rId3"/>
+          <a:stretch>
+            <a:fillRect/>
+          </a:stretch>
+        </p:blipFill>
+        <p:spPr>
+          <a:xfrm>
+            <a:off x="385331" y="2404755"/>
+            <a:ext cx="8665926" cy="1870260"/>
           </a:xfrm>
           <a:prstGeom prst="rect">
             <a:avLst/>
           </a:prstGeom>
-          <a:noFill/>
-        </p:spPr>
-        <p:txBody>
-          <a:bodyPr wrap="square" rtlCol="0">
-            <a:spAutoFit/>
-          </a:bodyPr>
-          <a:lstStyle/>
-          <a:p>
-            <a:pPr algn="l"/>
-            <a:r>
-              <a:rPr kumimoji="1" lang="en-US" altLang="ja-JP" dirty="0">
-                <a:solidFill>
-                  <a:srgbClr val="66FFFF"/>
-                </a:solidFill>
-                <a:latin typeface="Verdana" panose="020B0604030504040204" pitchFamily="34" charset="0"/>
-              </a:rPr>
-              <a:t>This part is pasted</a:t>
-            </a:r>
-            <a:r>
-              <a:rPr lang="en-US" altLang="ja-JP" dirty="0">
-                <a:solidFill>
-                  <a:srgbClr val="66FFFF"/>
-                </a:solidFill>
-                <a:latin typeface="Verdana" panose="020B0604030504040204" pitchFamily="34" charset="0"/>
-              </a:rPr>
-              <a:t>.</a:t>
-            </a:r>
-            <a:endParaRPr kumimoji="1" lang="ja-JP" altLang="en-US" dirty="0">
-              <a:solidFill>
-                <a:srgbClr val="66FFFF"/>
-              </a:solidFill>
-              <a:latin typeface="Verdana" panose="020B0604030504040204" pitchFamily="34" charset="0"/>
-            </a:endParaRPr>
-          </a:p>
-        </p:txBody>
-      </p:sp>
+        </p:spPr>
+      </p:pic>
     </p:spTree>
     <p:extLst>
       <p:ext uri="{BB962C8B-B14F-4D97-AF65-F5344CB8AC3E}">
-        <p14:creationId xmlns:p14="http://schemas.microsoft.com/office/powerpoint/2010/main" val="2941555645"/>
+        <p14:creationId xmlns:p14="http://schemas.microsoft.com/office/powerpoint/2010/main" val="3768931349"/>
       </p:ext>
     </p:extLst>
   </p:cSld>
@@ -4029,10 +3873,10 @@
       </p:grpSpPr>
       <p:pic>
         <p:nvPicPr>
-          <p:cNvPr id="2" name="Picture 1">
-            <a:extLst>
-              <a:ext uri="{FF2B5EF4-FFF2-40B4-BE49-F238E27FC236}">
-                <a16:creationId xmlns:a16="http://schemas.microsoft.com/office/drawing/2014/main" id="{FFBD9BE0-DDE4-4692-A3F4-09DDCC3889A1}"/>
+          <p:cNvPr id="3" name="Picture 2">
+            <a:extLst>
+              <a:ext uri="{FF2B5EF4-FFF2-40B4-BE49-F238E27FC236}">
+                <a16:creationId xmlns:a16="http://schemas.microsoft.com/office/drawing/2014/main" id="{3A7B26CF-E88F-44F6-9BD9-03FBD3560E62}"/>
               </a:ext>
             </a:extLst>
           </p:cNvPr>
@@ -4049,8 +3893,8 @@
         </p:blipFill>
         <p:spPr>
           <a:xfrm>
-            <a:off x="398584" y="871993"/>
-            <a:ext cx="8647679" cy="4481546"/>
+            <a:off x="273540" y="741667"/>
+            <a:ext cx="8667335" cy="4444787"/>
           </a:xfrm>
           <a:prstGeom prst="rect">
             <a:avLst/>
@@ -4059,10 +3903,10 @@
       </p:pic>
       <p:sp>
         <p:nvSpPr>
-          <p:cNvPr id="3" name="TextBox 2">
-            <a:extLst>
-              <a:ext uri="{FF2B5EF4-FFF2-40B4-BE49-F238E27FC236}">
-                <a16:creationId xmlns:a16="http://schemas.microsoft.com/office/drawing/2014/main" id="{9C7E57B7-255D-41AC-832C-F60DCE822A62}"/>
+          <p:cNvPr id="5" name="TextBox 4">
+            <a:extLst>
+              <a:ext uri="{FF2B5EF4-FFF2-40B4-BE49-F238E27FC236}">
+                <a16:creationId xmlns:a16="http://schemas.microsoft.com/office/drawing/2014/main" id="{85D5AAB3-67DA-42F3-A02D-9525A5EDFEA1}"/>
               </a:ext>
             </a:extLst>
           </p:cNvPr>
@@ -4071,8 +3915,8 @@
         </p:nvSpPr>
         <p:spPr>
           <a:xfrm>
-            <a:off x="375138" y="312615"/>
-            <a:ext cx="11472985" cy="369332"/>
+            <a:off x="250092" y="93785"/>
+            <a:ext cx="11754339" cy="646331"/>
           </a:xfrm>
           <a:prstGeom prst="rect">
             <a:avLst/>
@@ -4090,7 +3934,7 @@
               <a:rPr kumimoji="1" lang="en-US" altLang="ja-JP" dirty="0">
                 <a:latin typeface="Verdana" panose="020B0604030504040204" pitchFamily="34" charset="0"/>
               </a:rPr>
-              <a:t>Here is the result of screen in the source tree.</a:t>
+              <a:t>Regarding “Text.js”, it is necessary to merge my own changes (surrounded by the red square) to the change of upstream.</a:t>
             </a:r>
             <a:endParaRPr kumimoji="1" lang="ja-JP" altLang="en-US" dirty="0">
               <a:latin typeface="Verdana" panose="020B0604030504040204" pitchFamily="34" charset="0"/>
@@ -4098,10 +3942,160 @@
           </a:p>
         </p:txBody>
       </p:sp>
+      <p:sp>
+        <p:nvSpPr>
+          <p:cNvPr id="6" name="Rectangle: Rounded Corners 5">
+            <a:extLst>
+              <a:ext uri="{FF2B5EF4-FFF2-40B4-BE49-F238E27FC236}">
+                <a16:creationId xmlns:a16="http://schemas.microsoft.com/office/drawing/2014/main" id="{F70CC1D0-8573-47EB-A7B5-4ADFBA48111B}"/>
+              </a:ext>
+            </a:extLst>
+          </p:cNvPr>
+          <p:cNvSpPr/>
+          <p:nvPr/>
+        </p:nvSpPr>
+        <p:spPr>
+          <a:xfrm>
+            <a:off x="3032369" y="828431"/>
+            <a:ext cx="5236308" cy="312615"/>
+          </a:xfrm>
+          <a:prstGeom prst="roundRect">
+            <a:avLst/>
+          </a:prstGeom>
+          <a:noFill/>
+          <a:ln w="31750">
+            <a:solidFill>
+              <a:srgbClr val="FF0000"/>
+            </a:solidFill>
+          </a:ln>
+        </p:spPr>
+        <p:style>
+          <a:lnRef idx="2">
+            <a:schemeClr val="accent1">
+              <a:shade val="50000"/>
+            </a:schemeClr>
+          </a:lnRef>
+          <a:fillRef idx="1">
+            <a:schemeClr val="accent1"/>
+          </a:fillRef>
+          <a:effectRef idx="0">
+            <a:schemeClr val="accent1"/>
+          </a:effectRef>
+          <a:fontRef idx="minor">
+            <a:schemeClr val="lt1"/>
+          </a:fontRef>
+        </p:style>
+        <p:txBody>
+          <a:bodyPr rtlCol="0" anchor="ctr"/>
+          <a:lstStyle/>
+          <a:p>
+            <a:pPr algn="ctr"/>
+            <a:endParaRPr kumimoji="1" lang="ja-JP" altLang="en-US"/>
+          </a:p>
+        </p:txBody>
+      </p:sp>
+      <p:sp>
+        <p:nvSpPr>
+          <p:cNvPr id="7" name="Rectangle: Rounded Corners 6">
+            <a:extLst>
+              <a:ext uri="{FF2B5EF4-FFF2-40B4-BE49-F238E27FC236}">
+                <a16:creationId xmlns:a16="http://schemas.microsoft.com/office/drawing/2014/main" id="{771AE1F2-2857-482D-9CF8-F4F48A19DC74}"/>
+              </a:ext>
+            </a:extLst>
+          </p:cNvPr>
+          <p:cNvSpPr/>
+          <p:nvPr/>
+        </p:nvSpPr>
+        <p:spPr>
+          <a:xfrm>
+            <a:off x="273540" y="4267200"/>
+            <a:ext cx="4603260" cy="375138"/>
+          </a:xfrm>
+          <a:prstGeom prst="roundRect">
+            <a:avLst/>
+          </a:prstGeom>
+          <a:noFill/>
+          <a:ln w="31750">
+            <a:solidFill>
+              <a:schemeClr val="accent1"/>
+            </a:solidFill>
+          </a:ln>
+        </p:spPr>
+        <p:style>
+          <a:lnRef idx="2">
+            <a:schemeClr val="accent1">
+              <a:shade val="50000"/>
+            </a:schemeClr>
+          </a:lnRef>
+          <a:fillRef idx="1">
+            <a:schemeClr val="accent1"/>
+          </a:fillRef>
+          <a:effectRef idx="0">
+            <a:schemeClr val="accent1"/>
+          </a:effectRef>
+          <a:fontRef idx="minor">
+            <a:schemeClr val="lt1"/>
+          </a:fontRef>
+        </p:style>
+        <p:txBody>
+          <a:bodyPr rot="0" spcFirstLastPara="0" vertOverflow="overflow" horzOverflow="overflow" vert="horz" wrap="square" lIns="91440" tIns="45720" rIns="91440" bIns="45720" numCol="1" spcCol="0" rtlCol="0" fromWordArt="0" anchor="ctr" anchorCtr="0" forceAA="0" compatLnSpc="1">
+            <a:prstTxWarp prst="textNoShape">
+              <a:avLst/>
+            </a:prstTxWarp>
+            <a:noAutofit/>
+          </a:bodyPr>
+          <a:lstStyle/>
+          <a:p>
+            <a:pPr algn="ctr"/>
+            <a:endParaRPr kumimoji="1" lang="ja-JP" altLang="en-US"/>
+          </a:p>
+        </p:txBody>
+      </p:sp>
+      <p:sp>
+        <p:nvSpPr>
+          <p:cNvPr id="8" name="TextBox 7">
+            <a:extLst>
+              <a:ext uri="{FF2B5EF4-FFF2-40B4-BE49-F238E27FC236}">
+                <a16:creationId xmlns:a16="http://schemas.microsoft.com/office/drawing/2014/main" id="{1BA85A34-2269-48A2-83EB-9AC3B600AA14}"/>
+              </a:ext>
+            </a:extLst>
+          </p:cNvPr>
+          <p:cNvSpPr txBox="1"/>
+          <p:nvPr/>
+        </p:nvSpPr>
+        <p:spPr>
+          <a:xfrm>
+            <a:off x="5048738" y="4118708"/>
+            <a:ext cx="6619631" cy="369332"/>
+          </a:xfrm>
+          <a:prstGeom prst="rect">
+            <a:avLst/>
+          </a:prstGeom>
+          <a:noFill/>
+        </p:spPr>
+        <p:txBody>
+          <a:bodyPr wrap="square" rtlCol="0">
+            <a:spAutoFit/>
+          </a:bodyPr>
+          <a:lstStyle/>
+          <a:p>
+            <a:pPr algn="l"/>
+            <a:r>
+              <a:rPr kumimoji="1" lang="en-US" altLang="ja-JP" dirty="0">
+                <a:latin typeface="Verdana" panose="020B0604030504040204" pitchFamily="34" charset="0"/>
+              </a:rPr>
+              <a:t>This part is already implemented automatically by git.</a:t>
+            </a:r>
+            <a:endParaRPr kumimoji="1" lang="ja-JP" altLang="en-US" dirty="0">
+              <a:latin typeface="Verdana" panose="020B0604030504040204" pitchFamily="34" charset="0"/>
+            </a:endParaRPr>
+          </a:p>
+        </p:txBody>
+      </p:sp>
     </p:spTree>
     <p:extLst>
       <p:ext uri="{BB962C8B-B14F-4D97-AF65-F5344CB8AC3E}">
-        <p14:creationId xmlns:p14="http://schemas.microsoft.com/office/powerpoint/2010/main" val="4179542112"/>
+        <p14:creationId xmlns:p14="http://schemas.microsoft.com/office/powerpoint/2010/main" val="702876513"/>
       </p:ext>
     </p:extLst>
   </p:cSld>
@@ -4133,7 +4127,7 @@
           <p:cNvPr id="2" name="TextBox 1">
             <a:extLst>
               <a:ext uri="{FF2B5EF4-FFF2-40B4-BE49-F238E27FC236}">
-                <a16:creationId xmlns:a16="http://schemas.microsoft.com/office/drawing/2014/main" id="{AE1DE608-CD92-4BC3-888C-2E7EF1E64904}"/>
+                <a16:creationId xmlns:a16="http://schemas.microsoft.com/office/drawing/2014/main" id="{5173A879-3413-498F-8DD7-9DE04E47EF04}"/>
               </a:ext>
             </a:extLst>
           </p:cNvPr>
@@ -4142,8 +4136,8 @@
         </p:nvSpPr>
         <p:spPr>
           <a:xfrm>
-            <a:off x="375138" y="445477"/>
-            <a:ext cx="11129108" cy="369332"/>
+            <a:off x="289169" y="390769"/>
+            <a:ext cx="11684000" cy="369332"/>
           </a:xfrm>
           <a:prstGeom prst="rect">
             <a:avLst/>
@@ -4161,21 +4155,152 @@
               <a:rPr kumimoji="1" lang="en-US" altLang="ja-JP" dirty="0">
                 <a:latin typeface="Verdana" panose="020B0604030504040204" pitchFamily="34" charset="0"/>
               </a:rPr>
-              <a:t>Stage all changes and </a:t>
-            </a:r>
-            <a:r>
-              <a:rPr kumimoji="1" lang="en-US" altLang="ja-JP" dirty="0" err="1">
+              <a:t>So I edited the code in the editor and the result is as follow.</a:t>
+            </a:r>
+            <a:endParaRPr kumimoji="1" lang="ja-JP" altLang="en-US" dirty="0">
+              <a:latin typeface="Verdana" panose="020B0604030504040204" pitchFamily="34" charset="0"/>
+            </a:endParaRPr>
+          </a:p>
+        </p:txBody>
+      </p:sp>
+      <p:pic>
+        <p:nvPicPr>
+          <p:cNvPr id="4" name="Picture 3">
+            <a:extLst>
+              <a:ext uri="{FF2B5EF4-FFF2-40B4-BE49-F238E27FC236}">
+                <a16:creationId xmlns:a16="http://schemas.microsoft.com/office/drawing/2014/main" id="{CFA3D752-7B0E-47D8-9825-0CC2A7D35119}"/>
+              </a:ext>
+            </a:extLst>
+          </p:cNvPr>
+          <p:cNvPicPr>
+            <a:picLocks noChangeAspect="1"/>
+          </p:cNvPicPr>
+          <p:nvPr/>
+        </p:nvPicPr>
+        <p:blipFill>
+          <a:blip r:embed="rId2"/>
+          <a:stretch>
+            <a:fillRect/>
+          </a:stretch>
+        </p:blipFill>
+        <p:spPr>
+          <a:xfrm>
+            <a:off x="385562" y="945662"/>
+            <a:ext cx="9516530" cy="3667605"/>
+          </a:xfrm>
+          <a:prstGeom prst="rect">
+            <a:avLst/>
+          </a:prstGeom>
+        </p:spPr>
+      </p:pic>
+      <p:sp>
+        <p:nvSpPr>
+          <p:cNvPr id="5" name="Rectangle: Rounded Corners 4">
+            <a:extLst>
+              <a:ext uri="{FF2B5EF4-FFF2-40B4-BE49-F238E27FC236}">
+                <a16:creationId xmlns:a16="http://schemas.microsoft.com/office/drawing/2014/main" id="{35DCA4C8-EEC5-4C7F-9897-0C0C91D21831}"/>
+              </a:ext>
+            </a:extLst>
+          </p:cNvPr>
+          <p:cNvSpPr/>
+          <p:nvPr/>
+        </p:nvSpPr>
+        <p:spPr>
+          <a:xfrm>
+            <a:off x="3259015" y="1000369"/>
+            <a:ext cx="5869354" cy="312616"/>
+          </a:xfrm>
+          <a:prstGeom prst="roundRect">
+            <a:avLst/>
+          </a:prstGeom>
+          <a:noFill/>
+          <a:ln w="31750">
+            <a:solidFill>
+              <a:srgbClr val="66FFFF"/>
+            </a:solidFill>
+          </a:ln>
+        </p:spPr>
+        <p:style>
+          <a:lnRef idx="2">
+            <a:schemeClr val="accent1">
+              <a:shade val="50000"/>
+            </a:schemeClr>
+          </a:lnRef>
+          <a:fillRef idx="1">
+            <a:schemeClr val="accent1"/>
+          </a:fillRef>
+          <a:effectRef idx="0">
+            <a:schemeClr val="accent1"/>
+          </a:effectRef>
+          <a:fontRef idx="minor">
+            <a:schemeClr val="lt1"/>
+          </a:fontRef>
+        </p:style>
+        <p:txBody>
+          <a:bodyPr rot="0" spcFirstLastPara="0" vertOverflow="overflow" horzOverflow="overflow" vert="horz" wrap="square" lIns="91440" tIns="45720" rIns="91440" bIns="45720" numCol="1" spcCol="0" rtlCol="0" fromWordArt="0" anchor="ctr" anchorCtr="0" forceAA="0" compatLnSpc="1">
+            <a:prstTxWarp prst="textNoShape">
+              <a:avLst/>
+            </a:prstTxWarp>
+            <a:noAutofit/>
+          </a:bodyPr>
+          <a:lstStyle/>
+          <a:p>
+            <a:pPr algn="ctr"/>
+            <a:endParaRPr kumimoji="1" lang="ja-JP" altLang="en-US"/>
+          </a:p>
+        </p:txBody>
+      </p:sp>
+      <p:sp>
+        <p:nvSpPr>
+          <p:cNvPr id="6" name="TextBox 5">
+            <a:extLst>
+              <a:ext uri="{FF2B5EF4-FFF2-40B4-BE49-F238E27FC236}">
+                <a16:creationId xmlns:a16="http://schemas.microsoft.com/office/drawing/2014/main" id="{1765F23C-1D1B-4B85-A75E-2270CB562A4E}"/>
+              </a:ext>
+            </a:extLst>
+          </p:cNvPr>
+          <p:cNvSpPr txBox="1"/>
+          <p:nvPr/>
+        </p:nvSpPr>
+        <p:spPr>
+          <a:xfrm>
+            <a:off x="6260123" y="1313880"/>
+            <a:ext cx="5111262" cy="369332"/>
+          </a:xfrm>
+          <a:prstGeom prst="rect">
+            <a:avLst/>
+          </a:prstGeom>
+          <a:noFill/>
+        </p:spPr>
+        <p:txBody>
+          <a:bodyPr wrap="square" rtlCol="0">
+            <a:spAutoFit/>
+          </a:bodyPr>
+          <a:lstStyle/>
+          <a:p>
+            <a:pPr algn="l"/>
+            <a:r>
+              <a:rPr kumimoji="1" lang="en-US" altLang="ja-JP" dirty="0">
+                <a:solidFill>
+                  <a:srgbClr val="66FFFF"/>
+                </a:solidFill>
                 <a:latin typeface="Verdana" panose="020B0604030504040204" pitchFamily="34" charset="0"/>
               </a:rPr>
-              <a:t>push&amp;commit</a:t>
-            </a:r>
-            <a:r>
-              <a:rPr kumimoji="1" lang="en-US" altLang="ja-JP" dirty="0">
+              <a:t>This part is pasted</a:t>
+            </a:r>
+            <a:r>
+              <a:rPr lang="en-US" altLang="ja-JP" dirty="0">
+                <a:solidFill>
+                  <a:srgbClr val="66FFFF"/>
+                </a:solidFill>
                 <a:latin typeface="Verdana" panose="020B0604030504040204" pitchFamily="34" charset="0"/>
               </a:rPr>
               <a:t>.</a:t>
             </a:r>
             <a:endParaRPr kumimoji="1" lang="ja-JP" altLang="en-US" dirty="0">
+              <a:solidFill>
+                <a:srgbClr val="66FFFF"/>
+              </a:solidFill>
               <a:latin typeface="Verdana" panose="020B0604030504040204" pitchFamily="34" charset="0"/>
             </a:endParaRPr>
           </a:p>
@@ -4184,7 +4309,7 @@
     </p:spTree>
     <p:extLst>
       <p:ext uri="{BB962C8B-B14F-4D97-AF65-F5344CB8AC3E}">
-        <p14:creationId xmlns:p14="http://schemas.microsoft.com/office/powerpoint/2010/main" val="405882544"/>
+        <p14:creationId xmlns:p14="http://schemas.microsoft.com/office/powerpoint/2010/main" val="2941555645"/>
       </p:ext>
     </p:extLst>
   </p:cSld>
@@ -4211,89 +4336,73 @@
           <a:chExt cx="0" cy="0"/>
         </a:xfrm>
       </p:grpSpPr>
-      <p:sp>
-        <p:nvSpPr>
-          <p:cNvPr id="3" name="Rectangle 2">
-            <a:extLst>
-              <a:ext uri="{FF2B5EF4-FFF2-40B4-BE49-F238E27FC236}">
-                <a16:creationId xmlns:a16="http://schemas.microsoft.com/office/drawing/2014/main" id="{F31B890F-96A6-45B2-9032-5548D88DE91B}"/>
-              </a:ext>
-            </a:extLst>
-          </p:cNvPr>
-          <p:cNvSpPr/>
-          <p:nvPr/>
-        </p:nvSpPr>
-        <p:spPr>
-          <a:xfrm>
-            <a:off x="4384632" y="2967335"/>
-            <a:ext cx="3422732" cy="923330"/>
+      <p:pic>
+        <p:nvPicPr>
+          <p:cNvPr id="2" name="Picture 1">
+            <a:extLst>
+              <a:ext uri="{FF2B5EF4-FFF2-40B4-BE49-F238E27FC236}">
+                <a16:creationId xmlns:a16="http://schemas.microsoft.com/office/drawing/2014/main" id="{FFBD9BE0-DDE4-4692-A3F4-09DDCC3889A1}"/>
+              </a:ext>
+            </a:extLst>
+          </p:cNvPr>
+          <p:cNvPicPr>
+            <a:picLocks noChangeAspect="1"/>
+          </p:cNvPicPr>
+          <p:nvPr/>
+        </p:nvPicPr>
+        <p:blipFill>
+          <a:blip r:embed="rId2"/>
+          <a:stretch>
+            <a:fillRect/>
+          </a:stretch>
+        </p:blipFill>
+        <p:spPr>
+          <a:xfrm>
+            <a:off x="398584" y="871993"/>
+            <a:ext cx="8647679" cy="4481546"/>
           </a:xfrm>
           <a:prstGeom prst="rect">
             <a:avLst/>
           </a:prstGeom>
+        </p:spPr>
+      </p:pic>
+      <p:sp>
+        <p:nvSpPr>
+          <p:cNvPr id="3" name="TextBox 2">
+            <a:extLst>
+              <a:ext uri="{FF2B5EF4-FFF2-40B4-BE49-F238E27FC236}">
+                <a16:creationId xmlns:a16="http://schemas.microsoft.com/office/drawing/2014/main" id="{9C7E57B7-255D-41AC-832C-F60DCE822A62}"/>
+              </a:ext>
+            </a:extLst>
+          </p:cNvPr>
+          <p:cNvSpPr txBox="1"/>
+          <p:nvPr/>
+        </p:nvSpPr>
+        <p:spPr>
+          <a:xfrm>
+            <a:off x="375138" y="312615"/>
+            <a:ext cx="11472985" cy="369332"/>
+          </a:xfrm>
+          <a:prstGeom prst="rect">
+            <a:avLst/>
+          </a:prstGeom>
           <a:noFill/>
         </p:spPr>
         <p:txBody>
-          <a:bodyPr wrap="none" lIns="91440" tIns="45720" rIns="91440" bIns="45720">
+          <a:bodyPr wrap="square" rtlCol="0">
             <a:spAutoFit/>
           </a:bodyPr>
           <a:lstStyle/>
           <a:p>
-            <a:pPr algn="ctr"/>
-            <a:r>
-              <a:rPr lang="en-US" altLang="ja-JP" sz="5400" b="1" dirty="0">
-                <a:ln w="22225">
-                  <a:solidFill>
-                    <a:schemeClr val="accent2"/>
-                  </a:solidFill>
-                  <a:prstDash val="solid"/>
-                </a:ln>
-                <a:solidFill>
-                  <a:schemeClr val="accent2">
-                    <a:lumMod val="40000"/>
-                    <a:lumOff val="60000"/>
-                  </a:schemeClr>
-                </a:solidFill>
-                <a:latin typeface="メイリオ" panose="020B0604030504040204" pitchFamily="50" charset="-128"/>
-                <a:ea typeface="メイリオ" panose="020B0604030504040204" pitchFamily="50" charset="-128"/>
+            <a:pPr algn="l"/>
+            <a:r>
+              <a:rPr kumimoji="1" lang="en-US" altLang="ja-JP" dirty="0">
+                <a:latin typeface="Verdana" panose="020B0604030504040204" pitchFamily="34" charset="0"/>
               </a:rPr>
-              <a:t>2</a:t>
-            </a:r>
-            <a:r>
-              <a:rPr lang="ja-JP" altLang="en-US" sz="5400" b="1" dirty="0">
-                <a:ln w="22225">
-                  <a:solidFill>
-                    <a:schemeClr val="accent2"/>
-                  </a:solidFill>
-                  <a:prstDash val="solid"/>
-                </a:ln>
-                <a:solidFill>
-                  <a:schemeClr val="accent2">
-                    <a:lumMod val="40000"/>
-                    <a:lumOff val="60000"/>
-                  </a:schemeClr>
-                </a:solidFill>
-                <a:latin typeface="メイリオ" panose="020B0604030504040204" pitchFamily="50" charset="-128"/>
-                <a:ea typeface="メイリオ" panose="020B0604030504040204" pitchFamily="50" charset="-128"/>
-              </a:rPr>
-              <a:t>回目以降</a:t>
-            </a:r>
-            <a:endParaRPr lang="en-US" altLang="ja-JP" sz="5400" b="1" cap="none" spc="0" dirty="0">
-              <a:ln w="22225">
-                <a:solidFill>
-                  <a:schemeClr val="accent2"/>
-                </a:solidFill>
-                <a:prstDash val="solid"/>
-              </a:ln>
-              <a:solidFill>
-                <a:schemeClr val="accent2">
-                  <a:lumMod val="40000"/>
-                  <a:lumOff val="60000"/>
-                </a:schemeClr>
-              </a:solidFill>
-              <a:effectLst/>
-              <a:latin typeface="メイリオ" panose="020B0604030504040204" pitchFamily="50" charset="-128"/>
-              <a:ea typeface="メイリオ" panose="020B0604030504040204" pitchFamily="50" charset="-128"/>
+              <a:t>Here is the result of screen in the source tree.</a:t>
+            </a:r>
+            <a:endParaRPr kumimoji="1" lang="ja-JP" altLang="en-US" dirty="0">
+              <a:latin typeface="Verdana" panose="020B0604030504040204" pitchFamily="34" charset="0"/>
             </a:endParaRPr>
           </a:p>
         </p:txBody>
@@ -4301,7 +4410,7 @@
     </p:spTree>
     <p:extLst>
       <p:ext uri="{BB962C8B-B14F-4D97-AF65-F5344CB8AC3E}">
-        <p14:creationId xmlns:p14="http://schemas.microsoft.com/office/powerpoint/2010/main" val="3155100245"/>
+        <p14:creationId xmlns:p14="http://schemas.microsoft.com/office/powerpoint/2010/main" val="4179542112"/>
       </p:ext>
     </p:extLst>
   </p:cSld>
@@ -4328,42 +4437,12 @@
           <a:chExt cx="0" cy="0"/>
         </a:xfrm>
       </p:grpSpPr>
-      <p:pic>
-        <p:nvPicPr>
-          <p:cNvPr id="2" name="Picture 1">
-            <a:extLst>
-              <a:ext uri="{FF2B5EF4-FFF2-40B4-BE49-F238E27FC236}">
-                <a16:creationId xmlns:a16="http://schemas.microsoft.com/office/drawing/2014/main" id="{16011DEC-CFD5-4ABF-86AE-C77414D23D8E}"/>
-              </a:ext>
-            </a:extLst>
-          </p:cNvPr>
-          <p:cNvPicPr>
-            <a:picLocks noChangeAspect="1"/>
-          </p:cNvPicPr>
-          <p:nvPr/>
-        </p:nvPicPr>
-        <p:blipFill>
-          <a:blip r:embed="rId2"/>
-          <a:stretch>
-            <a:fillRect/>
-          </a:stretch>
-        </p:blipFill>
-        <p:spPr>
-          <a:xfrm>
-            <a:off x="435113" y="686996"/>
-            <a:ext cx="9614229" cy="5408004"/>
-          </a:xfrm>
-          <a:prstGeom prst="rect">
-            <a:avLst/>
-          </a:prstGeom>
-        </p:spPr>
-      </p:pic>
-      <p:sp>
-        <p:nvSpPr>
-          <p:cNvPr id="3" name="TextBox 2">
-            <a:extLst>
-              <a:ext uri="{FF2B5EF4-FFF2-40B4-BE49-F238E27FC236}">
-                <a16:creationId xmlns:a16="http://schemas.microsoft.com/office/drawing/2014/main" id="{06F4CD74-D0ED-4D8A-9328-2EEB256928DA}"/>
+      <p:sp>
+        <p:nvSpPr>
+          <p:cNvPr id="2" name="TextBox 1">
+            <a:extLst>
+              <a:ext uri="{FF2B5EF4-FFF2-40B4-BE49-F238E27FC236}">
+                <a16:creationId xmlns:a16="http://schemas.microsoft.com/office/drawing/2014/main" id="{AE1DE608-CD92-4BC3-888C-2E7EF1E64904}"/>
               </a:ext>
             </a:extLst>
           </p:cNvPr>
@@ -4372,8 +4451,8 @@
         </p:nvSpPr>
         <p:spPr>
           <a:xfrm>
-            <a:off x="524656" y="224852"/>
-            <a:ext cx="5483402" cy="369332"/>
+            <a:off x="375138" y="445477"/>
+            <a:ext cx="11129108" cy="369332"/>
           </a:xfrm>
           <a:prstGeom prst="rect">
             <a:avLst/>
@@ -4391,7 +4470,19 @@
               <a:rPr kumimoji="1" lang="en-US" altLang="ja-JP" dirty="0">
                 <a:latin typeface="Verdana" panose="020B0604030504040204" pitchFamily="34" charset="0"/>
               </a:rPr>
-              <a:t>Before “git fetch upstream”</a:t>
+              <a:t>Stage all changes and </a:t>
+            </a:r>
+            <a:r>
+              <a:rPr kumimoji="1" lang="en-US" altLang="ja-JP" dirty="0" err="1">
+                <a:latin typeface="Verdana" panose="020B0604030504040204" pitchFamily="34" charset="0"/>
+              </a:rPr>
+              <a:t>push&amp;commit</a:t>
+            </a:r>
+            <a:r>
+              <a:rPr kumimoji="1" lang="en-US" altLang="ja-JP" dirty="0">
+                <a:latin typeface="Verdana" panose="020B0604030504040204" pitchFamily="34" charset="0"/>
+              </a:rPr>
+              <a:t>.</a:t>
             </a:r>
             <a:endParaRPr kumimoji="1" lang="ja-JP" altLang="en-US" dirty="0">
               <a:latin typeface="Verdana" panose="020B0604030504040204" pitchFamily="34" charset="0"/>
@@ -4402,7 +4493,7 @@
     </p:spTree>
     <p:extLst>
       <p:ext uri="{BB962C8B-B14F-4D97-AF65-F5344CB8AC3E}">
-        <p14:creationId xmlns:p14="http://schemas.microsoft.com/office/powerpoint/2010/main" val="311757913"/>
+        <p14:creationId xmlns:p14="http://schemas.microsoft.com/office/powerpoint/2010/main" val="405882544"/>
       </p:ext>
     </p:extLst>
   </p:cSld>
@@ -4429,70 +4520,97 @@
           <a:chExt cx="0" cy="0"/>
         </a:xfrm>
       </p:grpSpPr>
-      <p:pic>
-        <p:nvPicPr>
-          <p:cNvPr id="2" name="Picture 1">
-            <a:extLst>
-              <a:ext uri="{FF2B5EF4-FFF2-40B4-BE49-F238E27FC236}">
-                <a16:creationId xmlns:a16="http://schemas.microsoft.com/office/drawing/2014/main" id="{C0264739-80B1-4924-A88E-A3219861CD79}"/>
-              </a:ext>
-            </a:extLst>
-          </p:cNvPr>
-          <p:cNvPicPr>
-            <a:picLocks noChangeAspect="1"/>
-          </p:cNvPicPr>
-          <p:nvPr/>
-        </p:nvPicPr>
-        <p:blipFill>
-          <a:blip r:embed="rId2"/>
-          <a:stretch>
-            <a:fillRect/>
-          </a:stretch>
-        </p:blipFill>
-        <p:spPr>
-          <a:xfrm>
-            <a:off x="505710" y="418290"/>
-            <a:ext cx="7554483" cy="5826868"/>
+      <p:sp>
+        <p:nvSpPr>
+          <p:cNvPr id="3" name="Rectangle 2">
+            <a:extLst>
+              <a:ext uri="{FF2B5EF4-FFF2-40B4-BE49-F238E27FC236}">
+                <a16:creationId xmlns:a16="http://schemas.microsoft.com/office/drawing/2014/main" id="{F31B890F-96A6-45B2-9032-5548D88DE91B}"/>
+              </a:ext>
+            </a:extLst>
+          </p:cNvPr>
+          <p:cNvSpPr/>
+          <p:nvPr/>
+        </p:nvSpPr>
+        <p:spPr>
+          <a:xfrm>
+            <a:off x="4384632" y="2967335"/>
+            <a:ext cx="3422732" cy="923330"/>
           </a:xfrm>
           <a:prstGeom prst="rect">
             <a:avLst/>
           </a:prstGeom>
-        </p:spPr>
-      </p:pic>
-      <p:pic>
-        <p:nvPicPr>
-          <p:cNvPr id="3" name="Picture 2">
-            <a:extLst>
-              <a:ext uri="{FF2B5EF4-FFF2-40B4-BE49-F238E27FC236}">
-                <a16:creationId xmlns:a16="http://schemas.microsoft.com/office/drawing/2014/main" id="{E2B38569-BA50-4ABD-A7BD-43F105800DC6}"/>
-              </a:ext>
-            </a:extLst>
-          </p:cNvPr>
-          <p:cNvPicPr>
-            <a:picLocks noChangeAspect="1"/>
-          </p:cNvPicPr>
-          <p:nvPr/>
-        </p:nvPicPr>
-        <p:blipFill>
-          <a:blip r:embed="rId3"/>
-          <a:stretch>
-            <a:fillRect/>
-          </a:stretch>
-        </p:blipFill>
-        <p:spPr>
-          <a:xfrm>
-            <a:off x="4164227" y="2912265"/>
-            <a:ext cx="6867575" cy="1033470"/>
-          </a:xfrm>
-          <a:prstGeom prst="rect">
-            <a:avLst/>
-          </a:prstGeom>
-        </p:spPr>
-      </p:pic>
+          <a:noFill/>
+        </p:spPr>
+        <p:txBody>
+          <a:bodyPr wrap="none" lIns="91440" tIns="45720" rIns="91440" bIns="45720">
+            <a:spAutoFit/>
+          </a:bodyPr>
+          <a:lstStyle/>
+          <a:p>
+            <a:pPr algn="ctr"/>
+            <a:r>
+              <a:rPr lang="en-US" altLang="ja-JP" sz="5400" b="1" dirty="0">
+                <a:ln w="22225">
+                  <a:solidFill>
+                    <a:schemeClr val="accent2"/>
+                  </a:solidFill>
+                  <a:prstDash val="solid"/>
+                </a:ln>
+                <a:solidFill>
+                  <a:schemeClr val="accent2">
+                    <a:lumMod val="40000"/>
+                    <a:lumOff val="60000"/>
+                  </a:schemeClr>
+                </a:solidFill>
+                <a:latin typeface="メイリオ" panose="020B0604030504040204" pitchFamily="50" charset="-128"/>
+                <a:ea typeface="メイリオ" panose="020B0604030504040204" pitchFamily="50" charset="-128"/>
+              </a:rPr>
+              <a:t>2</a:t>
+            </a:r>
+            <a:r>
+              <a:rPr lang="ja-JP" altLang="en-US" sz="5400" b="1" dirty="0">
+                <a:ln w="22225">
+                  <a:solidFill>
+                    <a:schemeClr val="accent2"/>
+                  </a:solidFill>
+                  <a:prstDash val="solid"/>
+                </a:ln>
+                <a:solidFill>
+                  <a:schemeClr val="accent2">
+                    <a:lumMod val="40000"/>
+                    <a:lumOff val="60000"/>
+                  </a:schemeClr>
+                </a:solidFill>
+                <a:latin typeface="メイリオ" panose="020B0604030504040204" pitchFamily="50" charset="-128"/>
+                <a:ea typeface="メイリオ" panose="020B0604030504040204" pitchFamily="50" charset="-128"/>
+              </a:rPr>
+              <a:t>回目以降</a:t>
+            </a:r>
+            <a:endParaRPr lang="en-US" altLang="ja-JP" sz="5400" b="1" cap="none" spc="0" dirty="0">
+              <a:ln w="22225">
+                <a:solidFill>
+                  <a:schemeClr val="accent2"/>
+                </a:solidFill>
+                <a:prstDash val="solid"/>
+              </a:ln>
+              <a:solidFill>
+                <a:schemeClr val="accent2">
+                  <a:lumMod val="40000"/>
+                  <a:lumOff val="60000"/>
+                </a:schemeClr>
+              </a:solidFill>
+              <a:effectLst/>
+              <a:latin typeface="メイリオ" panose="020B0604030504040204" pitchFamily="50" charset="-128"/>
+              <a:ea typeface="メイリオ" panose="020B0604030504040204" pitchFamily="50" charset="-128"/>
+            </a:endParaRPr>
+          </a:p>
+        </p:txBody>
+      </p:sp>
     </p:spTree>
     <p:extLst>
       <p:ext uri="{BB962C8B-B14F-4D97-AF65-F5344CB8AC3E}">
-        <p14:creationId xmlns:p14="http://schemas.microsoft.com/office/powerpoint/2010/main" val="2380728339"/>
+        <p14:creationId xmlns:p14="http://schemas.microsoft.com/office/powerpoint/2010/main" val="3155100245"/>
       </p:ext>
     </p:extLst>
   </p:cSld>
@@ -4524,7 +4642,7 @@
           <p:cNvPr id="2" name="Picture 1">
             <a:extLst>
               <a:ext uri="{FF2B5EF4-FFF2-40B4-BE49-F238E27FC236}">
-                <a16:creationId xmlns:a16="http://schemas.microsoft.com/office/drawing/2014/main" id="{3BF34C4A-D2BC-47C4-9D4D-A750DDF8F9DE}"/>
+                <a16:creationId xmlns:a16="http://schemas.microsoft.com/office/drawing/2014/main" id="{16011DEC-CFD5-4ABF-86AE-C77414D23D8E}"/>
               </a:ext>
             </a:extLst>
           </p:cNvPr>
@@ -4541,18 +4659,59 @@
         </p:blipFill>
         <p:spPr>
           <a:xfrm>
-            <a:off x="385863" y="244407"/>
-            <a:ext cx="10420127" cy="5861321"/>
+            <a:off x="435113" y="686996"/>
+            <a:ext cx="9614229" cy="5408004"/>
           </a:xfrm>
           <a:prstGeom prst="rect">
             <a:avLst/>
           </a:prstGeom>
         </p:spPr>
       </p:pic>
+      <p:sp>
+        <p:nvSpPr>
+          <p:cNvPr id="3" name="TextBox 2">
+            <a:extLst>
+              <a:ext uri="{FF2B5EF4-FFF2-40B4-BE49-F238E27FC236}">
+                <a16:creationId xmlns:a16="http://schemas.microsoft.com/office/drawing/2014/main" id="{06F4CD74-D0ED-4D8A-9328-2EEB256928DA}"/>
+              </a:ext>
+            </a:extLst>
+          </p:cNvPr>
+          <p:cNvSpPr txBox="1"/>
+          <p:nvPr/>
+        </p:nvSpPr>
+        <p:spPr>
+          <a:xfrm>
+            <a:off x="524656" y="224852"/>
+            <a:ext cx="5483402" cy="369332"/>
+          </a:xfrm>
+          <a:prstGeom prst="rect">
+            <a:avLst/>
+          </a:prstGeom>
+          <a:noFill/>
+        </p:spPr>
+        <p:txBody>
+          <a:bodyPr wrap="square" rtlCol="0">
+            <a:spAutoFit/>
+          </a:bodyPr>
+          <a:lstStyle/>
+          <a:p>
+            <a:pPr algn="l"/>
+            <a:r>
+              <a:rPr kumimoji="1" lang="en-US" altLang="ja-JP" dirty="0">
+                <a:latin typeface="Verdana" panose="020B0604030504040204" pitchFamily="34" charset="0"/>
+              </a:rPr>
+              <a:t>Before “git fetch upstream”</a:t>
+            </a:r>
+            <a:endParaRPr kumimoji="1" lang="ja-JP" altLang="en-US" dirty="0">
+              <a:latin typeface="Verdana" panose="020B0604030504040204" pitchFamily="34" charset="0"/>
+            </a:endParaRPr>
+          </a:p>
+        </p:txBody>
+      </p:sp>
     </p:spTree>
     <p:extLst>
       <p:ext uri="{BB962C8B-B14F-4D97-AF65-F5344CB8AC3E}">
-        <p14:creationId xmlns:p14="http://schemas.microsoft.com/office/powerpoint/2010/main" val="3983569367"/>
+        <p14:creationId xmlns:p14="http://schemas.microsoft.com/office/powerpoint/2010/main" val="311757913"/>
       </p:ext>
     </p:extLst>
   </p:cSld>
@@ -4579,53 +4738,12 @@
           <a:chExt cx="0" cy="0"/>
         </a:xfrm>
       </p:grpSpPr>
-      <p:sp>
-        <p:nvSpPr>
-          <p:cNvPr id="3" name="TextBox 2">
-            <a:extLst>
-              <a:ext uri="{FF2B5EF4-FFF2-40B4-BE49-F238E27FC236}">
-                <a16:creationId xmlns:a16="http://schemas.microsoft.com/office/drawing/2014/main" id="{70089350-1EB3-4C61-AE73-232CD9064D26}"/>
-              </a:ext>
-            </a:extLst>
-          </p:cNvPr>
-          <p:cNvSpPr txBox="1"/>
-          <p:nvPr/>
-        </p:nvSpPr>
-        <p:spPr>
-          <a:xfrm>
-            <a:off x="611599" y="284813"/>
-            <a:ext cx="8721277" cy="369332"/>
-          </a:xfrm>
-          <a:prstGeom prst="rect">
-            <a:avLst/>
-          </a:prstGeom>
-          <a:noFill/>
-        </p:spPr>
-        <p:txBody>
-          <a:bodyPr wrap="square" rtlCol="0">
-            <a:spAutoFit/>
-          </a:bodyPr>
-          <a:lstStyle/>
-          <a:p>
-            <a:pPr algn="l"/>
-            <a:r>
-              <a:rPr kumimoji="1" lang="en-US" altLang="ja-JP" dirty="0">
-                <a:latin typeface="Verdana" panose="020B0604030504040204" pitchFamily="34" charset="0"/>
-              </a:rPr>
-              <a:t>Execute “git merge upstream/master”</a:t>
-            </a:r>
-            <a:endParaRPr kumimoji="1" lang="ja-JP" altLang="en-US" dirty="0">
-              <a:latin typeface="Verdana" panose="020B0604030504040204" pitchFamily="34" charset="0"/>
-            </a:endParaRPr>
-          </a:p>
-        </p:txBody>
-      </p:sp>
       <p:pic>
         <p:nvPicPr>
-          <p:cNvPr id="4" name="Picture 3">
-            <a:extLst>
-              <a:ext uri="{FF2B5EF4-FFF2-40B4-BE49-F238E27FC236}">
-                <a16:creationId xmlns:a16="http://schemas.microsoft.com/office/drawing/2014/main" id="{54570389-B152-44EF-BFB6-740CC14E508F}"/>
+          <p:cNvPr id="2" name="Picture 1">
+            <a:extLst>
+              <a:ext uri="{FF2B5EF4-FFF2-40B4-BE49-F238E27FC236}">
+                <a16:creationId xmlns:a16="http://schemas.microsoft.com/office/drawing/2014/main" id="{C0264739-80B1-4924-A88E-A3219861CD79}"/>
               </a:ext>
             </a:extLst>
           </p:cNvPr>
@@ -4642,8 +4760,38 @@
         </p:blipFill>
         <p:spPr>
           <a:xfrm>
-            <a:off x="1315233" y="917728"/>
-            <a:ext cx="6853288" cy="4581558"/>
+            <a:off x="505710" y="418290"/>
+            <a:ext cx="7554483" cy="5826868"/>
+          </a:xfrm>
+          <a:prstGeom prst="rect">
+            <a:avLst/>
+          </a:prstGeom>
+        </p:spPr>
+      </p:pic>
+      <p:pic>
+        <p:nvPicPr>
+          <p:cNvPr id="3" name="Picture 2">
+            <a:extLst>
+              <a:ext uri="{FF2B5EF4-FFF2-40B4-BE49-F238E27FC236}">
+                <a16:creationId xmlns:a16="http://schemas.microsoft.com/office/drawing/2014/main" id="{E2B38569-BA50-4ABD-A7BD-43F105800DC6}"/>
+              </a:ext>
+            </a:extLst>
+          </p:cNvPr>
+          <p:cNvPicPr>
+            <a:picLocks noChangeAspect="1"/>
+          </p:cNvPicPr>
+          <p:nvPr/>
+        </p:nvPicPr>
+        <p:blipFill>
+          <a:blip r:embed="rId3"/>
+          <a:stretch>
+            <a:fillRect/>
+          </a:stretch>
+        </p:blipFill>
+        <p:spPr>
+          <a:xfrm>
+            <a:off x="4377291" y="3169718"/>
+            <a:ext cx="6867575" cy="1033470"/>
           </a:xfrm>
           <a:prstGeom prst="rect">
             <a:avLst/>
@@ -4653,7 +4801,7 @@
     </p:spTree>
     <p:extLst>
       <p:ext uri="{BB962C8B-B14F-4D97-AF65-F5344CB8AC3E}">
-        <p14:creationId xmlns:p14="http://schemas.microsoft.com/office/powerpoint/2010/main" val="4144964890"/>
+        <p14:creationId xmlns:p14="http://schemas.microsoft.com/office/powerpoint/2010/main" val="2380728339"/>
       </p:ext>
     </p:extLst>
   </p:cSld>
@@ -4685,7 +4833,7 @@
           <p:cNvPr id="2" name="Picture 1">
             <a:extLst>
               <a:ext uri="{FF2B5EF4-FFF2-40B4-BE49-F238E27FC236}">
-                <a16:creationId xmlns:a16="http://schemas.microsoft.com/office/drawing/2014/main" id="{043FE698-B29B-41F6-A48F-1D95C45AEF3F}"/>
+                <a16:creationId xmlns:a16="http://schemas.microsoft.com/office/drawing/2014/main" id="{3BF34C4A-D2BC-47C4-9D4D-A750DDF8F9DE}"/>
               </a:ext>
             </a:extLst>
           </p:cNvPr>
@@ -4702,158 +4850,8 @@
         </p:blipFill>
         <p:spPr>
           <a:xfrm>
-            <a:off x="379422" y="217170"/>
-            <a:ext cx="8887498" cy="4999218"/>
-          </a:xfrm>
-          <a:prstGeom prst="rect">
-            <a:avLst/>
-          </a:prstGeom>
-        </p:spPr>
-      </p:pic>
-      <p:pic>
-        <p:nvPicPr>
-          <p:cNvPr id="3" name="Picture 2">
-            <a:extLst>
-              <a:ext uri="{FF2B5EF4-FFF2-40B4-BE49-F238E27FC236}">
-                <a16:creationId xmlns:a16="http://schemas.microsoft.com/office/drawing/2014/main" id="{D9895D76-A479-43C3-AB2C-C53410BA897A}"/>
-              </a:ext>
-            </a:extLst>
-          </p:cNvPr>
-          <p:cNvPicPr>
-            <a:picLocks noChangeAspect="1"/>
-          </p:cNvPicPr>
-          <p:nvPr/>
-        </p:nvPicPr>
-        <p:blipFill>
-          <a:blip r:embed="rId3"/>
-          <a:stretch>
-            <a:fillRect/>
-          </a:stretch>
-        </p:blipFill>
-        <p:spPr>
-          <a:xfrm>
-            <a:off x="7368304" y="380611"/>
-            <a:ext cx="4476783" cy="1833576"/>
-          </a:xfrm>
-          <a:prstGeom prst="rect">
-            <a:avLst/>
-          </a:prstGeom>
-        </p:spPr>
-      </p:pic>
-      <p:pic>
-        <p:nvPicPr>
-          <p:cNvPr id="4" name="Picture 3">
-            <a:extLst>
-              <a:ext uri="{FF2B5EF4-FFF2-40B4-BE49-F238E27FC236}">
-                <a16:creationId xmlns:a16="http://schemas.microsoft.com/office/drawing/2014/main" id="{4299A870-E752-4256-9D26-E91834038780}"/>
-              </a:ext>
-            </a:extLst>
-          </p:cNvPr>
-          <p:cNvPicPr>
-            <a:picLocks noChangeAspect="1"/>
-          </p:cNvPicPr>
-          <p:nvPr/>
-        </p:nvPicPr>
-        <p:blipFill>
-          <a:blip r:embed="rId4"/>
-          <a:stretch>
-            <a:fillRect/>
-          </a:stretch>
-        </p:blipFill>
-        <p:spPr>
-          <a:xfrm>
-            <a:off x="7420419" y="2408225"/>
-            <a:ext cx="4462495" cy="2095515"/>
-          </a:xfrm>
-          <a:prstGeom prst="rect">
-            <a:avLst/>
-          </a:prstGeom>
-        </p:spPr>
-      </p:pic>
-      <p:pic>
-        <p:nvPicPr>
-          <p:cNvPr id="5" name="Picture 4">
-            <a:extLst>
-              <a:ext uri="{FF2B5EF4-FFF2-40B4-BE49-F238E27FC236}">
-                <a16:creationId xmlns:a16="http://schemas.microsoft.com/office/drawing/2014/main" id="{98E0E891-4CAA-4663-83C7-3A84A8C0B692}"/>
-              </a:ext>
-            </a:extLst>
-          </p:cNvPr>
-          <p:cNvPicPr>
-            <a:picLocks noChangeAspect="1"/>
-          </p:cNvPicPr>
-          <p:nvPr/>
-        </p:nvPicPr>
-        <p:blipFill>
-          <a:blip r:embed="rId5"/>
-          <a:stretch>
-            <a:fillRect/>
-          </a:stretch>
-        </p:blipFill>
-        <p:spPr>
-          <a:xfrm>
-            <a:off x="7420419" y="4539242"/>
-            <a:ext cx="4414870" cy="2066940"/>
-          </a:xfrm>
-          <a:prstGeom prst="rect">
-            <a:avLst/>
-          </a:prstGeom>
-        </p:spPr>
-      </p:pic>
-      <p:pic>
-        <p:nvPicPr>
-          <p:cNvPr id="6" name="Picture 5">
-            <a:extLst>
-              <a:ext uri="{FF2B5EF4-FFF2-40B4-BE49-F238E27FC236}">
-                <a16:creationId xmlns:a16="http://schemas.microsoft.com/office/drawing/2014/main" id="{C410D7C2-9D9E-4DFA-A6D9-17D1DF63A3AD}"/>
-              </a:ext>
-            </a:extLst>
-          </p:cNvPr>
-          <p:cNvPicPr>
-            <a:picLocks noChangeAspect="1"/>
-          </p:cNvPicPr>
-          <p:nvPr/>
-        </p:nvPicPr>
-        <p:blipFill>
-          <a:blip r:embed="rId6"/>
-          <a:stretch>
-            <a:fillRect/>
-          </a:stretch>
-        </p:blipFill>
-        <p:spPr>
-          <a:xfrm>
-            <a:off x="389555" y="4582105"/>
-            <a:ext cx="4414870" cy="1981214"/>
-          </a:xfrm>
-          <a:prstGeom prst="rect">
-            <a:avLst/>
-          </a:prstGeom>
-        </p:spPr>
-      </p:pic>
-      <p:pic>
-        <p:nvPicPr>
-          <p:cNvPr id="7" name="Picture 6">
-            <a:extLst>
-              <a:ext uri="{FF2B5EF4-FFF2-40B4-BE49-F238E27FC236}">
-                <a16:creationId xmlns:a16="http://schemas.microsoft.com/office/drawing/2014/main" id="{1BFAEDE1-92E5-4792-8FAB-4269AECAC48C}"/>
-              </a:ext>
-            </a:extLst>
-          </p:cNvPr>
-          <p:cNvPicPr>
-            <a:picLocks noChangeAspect="1"/>
-          </p:cNvPicPr>
-          <p:nvPr/>
-        </p:nvPicPr>
-        <p:blipFill>
-          <a:blip r:embed="rId7"/>
-          <a:stretch>
-            <a:fillRect/>
-          </a:stretch>
-        </p:blipFill>
-        <p:spPr>
-          <a:xfrm>
-            <a:off x="3414259" y="4211493"/>
-            <a:ext cx="4410107" cy="2009790"/>
+            <a:off x="385863" y="244407"/>
+            <a:ext cx="10420127" cy="5861321"/>
           </a:xfrm>
           <a:prstGeom prst="rect">
             <a:avLst/>
@@ -4863,7 +4861,7 @@
     </p:spTree>
     <p:extLst>
       <p:ext uri="{BB962C8B-B14F-4D97-AF65-F5344CB8AC3E}">
-        <p14:creationId xmlns:p14="http://schemas.microsoft.com/office/powerpoint/2010/main" val="3663649631"/>
+        <p14:creationId xmlns:p14="http://schemas.microsoft.com/office/powerpoint/2010/main" val="3983569367"/>
       </p:ext>
     </p:extLst>
   </p:cSld>
@@ -4892,10 +4890,10 @@
       </p:grpSpPr>
       <p:pic>
         <p:nvPicPr>
-          <p:cNvPr id="2" name="Picture 1">
-            <a:extLst>
-              <a:ext uri="{FF2B5EF4-FFF2-40B4-BE49-F238E27FC236}">
-                <a16:creationId xmlns:a16="http://schemas.microsoft.com/office/drawing/2014/main" id="{497996B7-4C1A-4ADB-9E1C-9803BB2A5302}"/>
+          <p:cNvPr id="4" name="Picture 3">
+            <a:extLst>
+              <a:ext uri="{FF2B5EF4-FFF2-40B4-BE49-F238E27FC236}">
+                <a16:creationId xmlns:a16="http://schemas.microsoft.com/office/drawing/2014/main" id="{AC7E5DC7-E5BB-4E3D-B8BD-26062BCC420C}"/>
               </a:ext>
             </a:extLst>
           </p:cNvPr>
@@ -4912,8 +4910,8 @@
         </p:blipFill>
         <p:spPr>
           <a:xfrm>
-            <a:off x="314062" y="1258277"/>
-            <a:ext cx="11337424" cy="3274645"/>
+            <a:off x="598733" y="1520543"/>
+            <a:ext cx="11119314" cy="4894664"/>
           </a:xfrm>
           <a:prstGeom prst="rect">
             <a:avLst/>
@@ -4922,10 +4920,10 @@
       </p:pic>
       <p:sp>
         <p:nvSpPr>
-          <p:cNvPr id="3" name="TextBox 2">
-            <a:extLst>
-              <a:ext uri="{FF2B5EF4-FFF2-40B4-BE49-F238E27FC236}">
-                <a16:creationId xmlns:a16="http://schemas.microsoft.com/office/drawing/2014/main" id="{E2E2C80F-78E5-4031-B09F-1897D4BAE6E9}"/>
+          <p:cNvPr id="5" name="TextBox 4">
+            <a:extLst>
+              <a:ext uri="{FF2B5EF4-FFF2-40B4-BE49-F238E27FC236}">
+                <a16:creationId xmlns:a16="http://schemas.microsoft.com/office/drawing/2014/main" id="{1D047D07-B94E-4705-B664-49C2D75C0108}"/>
               </a:ext>
             </a:extLst>
           </p:cNvPr>
@@ -4934,8 +4932,8 @@
         </p:nvSpPr>
         <p:spPr>
           <a:xfrm>
-            <a:off x="226646" y="554892"/>
-            <a:ext cx="9691077" cy="369332"/>
+            <a:off x="598733" y="294627"/>
+            <a:ext cx="10463283" cy="369332"/>
           </a:xfrm>
           <a:prstGeom prst="rect">
             <a:avLst/>
@@ -4950,11 +4948,559 @@
           <a:p>
             <a:r>
               <a:rPr lang="en-US" altLang="ja-JP" dirty="0">
+                <a:solidFill>
+                  <a:schemeClr val="accent1"/>
+                </a:solidFill>
+                <a:latin typeface="Verdana" panose="020B0604030504040204" pitchFamily="34" charset="0"/>
+                <a:ea typeface="Verdana" panose="020B0604030504040204" pitchFamily="34" charset="0"/>
+              </a:rPr>
+              <a:t>Reference: https://qiita.com/xtetsuji/items/555a1ef19ed21ee42873</a:t>
+            </a:r>
+            <a:endParaRPr kumimoji="1" lang="ja-JP" altLang="en-US" dirty="0">
+              <a:solidFill>
+                <a:schemeClr val="accent1"/>
+              </a:solidFill>
+              <a:latin typeface="Verdana" panose="020B0604030504040204" pitchFamily="34" charset="0"/>
+            </a:endParaRPr>
+          </a:p>
+        </p:txBody>
+      </p:sp>
+      <p:sp>
+        <p:nvSpPr>
+          <p:cNvPr id="6" name="TextBox 5">
+            <a:extLst>
+              <a:ext uri="{FF2B5EF4-FFF2-40B4-BE49-F238E27FC236}">
+                <a16:creationId xmlns:a16="http://schemas.microsoft.com/office/drawing/2014/main" id="{BB8CE025-228F-478A-A91A-383D736171F7}"/>
+              </a:ext>
+            </a:extLst>
+          </p:cNvPr>
+          <p:cNvSpPr txBox="1"/>
+          <p:nvPr/>
+        </p:nvSpPr>
+        <p:spPr>
+          <a:xfrm>
+            <a:off x="558800" y="825500"/>
+            <a:ext cx="11125200" cy="369332"/>
+          </a:xfrm>
+          <a:prstGeom prst="rect">
+            <a:avLst/>
+          </a:prstGeom>
+          <a:noFill/>
+        </p:spPr>
+        <p:txBody>
+          <a:bodyPr wrap="square" rtlCol="0">
+            <a:spAutoFit/>
+          </a:bodyPr>
+          <a:lstStyle/>
+          <a:p>
+            <a:r>
+              <a:rPr kumimoji="1" lang="ja-JP" altLang="en-US" dirty="0">
+                <a:latin typeface="メイリオ" panose="020B0604030504040204" pitchFamily="50" charset="-128"/>
+                <a:ea typeface="メイリオ" panose="020B0604030504040204" pitchFamily="50" charset="-128"/>
+              </a:rPr>
+              <a:t>本家のリポジトリを “</a:t>
+            </a:r>
+            <a:r>
+              <a:rPr lang="en-US" altLang="ja-JP" dirty="0">
+                <a:latin typeface="メイリオ" panose="020B0604030504040204" pitchFamily="50" charset="-128"/>
+                <a:ea typeface="メイリオ" panose="020B0604030504040204" pitchFamily="50" charset="-128"/>
+              </a:rPr>
+              <a:t>u</a:t>
+            </a:r>
+            <a:r>
+              <a:rPr kumimoji="1" lang="en-US" altLang="ja-JP" dirty="0">
+                <a:latin typeface="メイリオ" panose="020B0604030504040204" pitchFamily="50" charset="-128"/>
+                <a:ea typeface="メイリオ" panose="020B0604030504040204" pitchFamily="50" charset="-128"/>
+              </a:rPr>
+              <a:t>pstream</a:t>
+            </a:r>
+            <a:r>
+              <a:rPr kumimoji="1" lang="ja-JP" altLang="en-US" dirty="0">
+                <a:latin typeface="メイリオ" panose="020B0604030504040204" pitchFamily="50" charset="-128"/>
+                <a:ea typeface="メイリオ" panose="020B0604030504040204" pitchFamily="50" charset="-128"/>
+              </a:rPr>
+              <a:t>” として登録後、</a:t>
+            </a:r>
+            <a:r>
+              <a:rPr kumimoji="1" lang="en-US" altLang="ja-JP" dirty="0">
+                <a:latin typeface="メイリオ" panose="020B0604030504040204" pitchFamily="50" charset="-128"/>
+                <a:ea typeface="メイリオ" panose="020B0604030504040204" pitchFamily="50" charset="-128"/>
+              </a:rPr>
+              <a:t>Fetch</a:t>
+            </a:r>
+            <a:r>
+              <a:rPr kumimoji="1" lang="ja-JP" altLang="en-US" dirty="0">
+                <a:latin typeface="メイリオ" panose="020B0604030504040204" pitchFamily="50" charset="-128"/>
+                <a:ea typeface="メイリオ" panose="020B0604030504040204" pitchFamily="50" charset="-128"/>
+              </a:rPr>
+              <a:t>して、</a:t>
+            </a:r>
+            <a:r>
+              <a:rPr kumimoji="1" lang="en-US" altLang="ja-JP" dirty="0">
+                <a:latin typeface="メイリオ" panose="020B0604030504040204" pitchFamily="50" charset="-128"/>
+                <a:ea typeface="メイリオ" panose="020B0604030504040204" pitchFamily="50" charset="-128"/>
+              </a:rPr>
+              <a:t>Branch</a:t>
+            </a:r>
+            <a:r>
+              <a:rPr kumimoji="1" lang="ja-JP" altLang="en-US" dirty="0">
+                <a:latin typeface="メイリオ" panose="020B0604030504040204" pitchFamily="50" charset="-128"/>
+                <a:ea typeface="メイリオ" panose="020B0604030504040204" pitchFamily="50" charset="-128"/>
+              </a:rPr>
+              <a:t>の確認。</a:t>
+            </a:r>
+          </a:p>
+        </p:txBody>
+      </p:sp>
+      <p:sp>
+        <p:nvSpPr>
+          <p:cNvPr id="2" name="Rectangle: Rounded Corners 1">
+            <a:extLst>
+              <a:ext uri="{FF2B5EF4-FFF2-40B4-BE49-F238E27FC236}">
+                <a16:creationId xmlns:a16="http://schemas.microsoft.com/office/drawing/2014/main" id="{95C540ED-7F5F-4CE7-A98B-8F7B8F969E81}"/>
+              </a:ext>
+            </a:extLst>
+          </p:cNvPr>
+          <p:cNvSpPr/>
+          <p:nvPr/>
+        </p:nvSpPr>
+        <p:spPr>
+          <a:xfrm>
+            <a:off x="9799156" y="1588655"/>
+            <a:ext cx="1884844" cy="212436"/>
+          </a:xfrm>
+          <a:prstGeom prst="roundRect">
+            <a:avLst/>
+          </a:prstGeom>
+          <a:solidFill>
+            <a:schemeClr val="bg1">
+              <a:lumMod val="50000"/>
+            </a:schemeClr>
+          </a:solidFill>
+          <a:ln w="25400">
+            <a:noFill/>
+          </a:ln>
+        </p:spPr>
+        <p:style>
+          <a:lnRef idx="2">
+            <a:schemeClr val="accent1">
+              <a:shade val="50000"/>
+            </a:schemeClr>
+          </a:lnRef>
+          <a:fillRef idx="1">
+            <a:schemeClr val="accent1"/>
+          </a:fillRef>
+          <a:effectRef idx="0">
+            <a:schemeClr val="accent1"/>
+          </a:effectRef>
+          <a:fontRef idx="minor">
+            <a:schemeClr val="lt1"/>
+          </a:fontRef>
+        </p:style>
+        <p:txBody>
+          <a:bodyPr rot="0" spcFirstLastPara="0" vertOverflow="overflow" horzOverflow="overflow" vert="horz" wrap="square" lIns="0" tIns="45720" rIns="0" bIns="45720" numCol="1" spcCol="0" rtlCol="0" fromWordArt="0" anchor="ctr" anchorCtr="0" forceAA="0" compatLnSpc="1">
+            <a:prstTxWarp prst="textNoShape">
+              <a:avLst/>
+            </a:prstTxWarp>
+            <a:noAutofit/>
+          </a:bodyPr>
+          <a:lstStyle/>
+          <a:p>
+            <a:r>
+              <a:rPr lang="en-US" altLang="ja-JP" sz="900" dirty="0">
+                <a:solidFill>
+                  <a:schemeClr val="bg1"/>
+                </a:solidFill>
                 <a:latin typeface="Verdana" panose="020B0604030504040204" pitchFamily="34" charset="0"/>
               </a:rPr>
-              <a:t>Before “git merge upstream/master”.</a:t>
-            </a:r>
-            <a:endParaRPr kumimoji="1" lang="ja-JP" altLang="en-US" dirty="0">
+              <a:t>&lt;Parent </a:t>
+            </a:r>
+            <a:r>
+              <a:rPr lang="en-US" altLang="ja-JP" sz="900" dirty="0" err="1">
+                <a:solidFill>
+                  <a:schemeClr val="bg1"/>
+                </a:solidFill>
+                <a:latin typeface="Verdana" panose="020B0604030504040204" pitchFamily="34" charset="0"/>
+              </a:rPr>
+              <a:t>Github</a:t>
+            </a:r>
+            <a:r>
+              <a:rPr lang="en-US" altLang="ja-JP" sz="900" dirty="0">
+                <a:solidFill>
+                  <a:schemeClr val="bg1"/>
+                </a:solidFill>
+                <a:latin typeface="Verdana" panose="020B0604030504040204" pitchFamily="34" charset="0"/>
+              </a:rPr>
+              <a:t> Repository&gt;.git</a:t>
+            </a:r>
+            <a:endParaRPr lang="ja-JP" altLang="en-US" sz="900" dirty="0">
+              <a:solidFill>
+                <a:schemeClr val="bg1"/>
+              </a:solidFill>
+              <a:latin typeface="Verdana" panose="020B0604030504040204" pitchFamily="34" charset="0"/>
+            </a:endParaRPr>
+          </a:p>
+        </p:txBody>
+      </p:sp>
+      <p:sp>
+        <p:nvSpPr>
+          <p:cNvPr id="7" name="Rectangle: Rounded Corners 6">
+            <a:extLst>
+              <a:ext uri="{FF2B5EF4-FFF2-40B4-BE49-F238E27FC236}">
+                <a16:creationId xmlns:a16="http://schemas.microsoft.com/office/drawing/2014/main" id="{595943D7-BB93-4C26-A285-BE6C57FAA85C}"/>
+              </a:ext>
+            </a:extLst>
+          </p:cNvPr>
+          <p:cNvSpPr/>
+          <p:nvPr/>
+        </p:nvSpPr>
+        <p:spPr>
+          <a:xfrm>
+            <a:off x="1075410" y="1557489"/>
+            <a:ext cx="4558772" cy="212436"/>
+          </a:xfrm>
+          <a:prstGeom prst="roundRect">
+            <a:avLst/>
+          </a:prstGeom>
+          <a:solidFill>
+            <a:schemeClr val="bg1">
+              <a:lumMod val="50000"/>
+            </a:schemeClr>
+          </a:solidFill>
+          <a:ln w="25400">
+            <a:noFill/>
+          </a:ln>
+        </p:spPr>
+        <p:style>
+          <a:lnRef idx="2">
+            <a:schemeClr val="accent1">
+              <a:shade val="50000"/>
+            </a:schemeClr>
+          </a:lnRef>
+          <a:fillRef idx="1">
+            <a:schemeClr val="accent1"/>
+          </a:fillRef>
+          <a:effectRef idx="0">
+            <a:schemeClr val="accent1"/>
+          </a:effectRef>
+          <a:fontRef idx="minor">
+            <a:schemeClr val="lt1"/>
+          </a:fontRef>
+        </p:style>
+        <p:txBody>
+          <a:bodyPr lIns="0" rIns="0" rtlCol="0" anchor="ctr"/>
+          <a:lstStyle/>
+          <a:p>
+            <a:r>
+              <a:rPr kumimoji="1" lang="en-US" altLang="ja-JP" sz="900" dirty="0">
+                <a:solidFill>
+                  <a:schemeClr val="bg1"/>
+                </a:solidFill>
+                <a:latin typeface="Verdana" panose="020B0604030504040204" pitchFamily="34" charset="0"/>
+              </a:rPr>
+              <a:t>&lt;Your local folder path that holds your local repository&gt;</a:t>
+            </a:r>
+            <a:endParaRPr kumimoji="1" lang="ja-JP" altLang="en-US" sz="900" dirty="0">
+              <a:solidFill>
+                <a:schemeClr val="bg1"/>
+              </a:solidFill>
+              <a:latin typeface="Verdana" panose="020B0604030504040204" pitchFamily="34" charset="0"/>
+            </a:endParaRPr>
+          </a:p>
+        </p:txBody>
+      </p:sp>
+      <p:sp>
+        <p:nvSpPr>
+          <p:cNvPr id="8" name="Rectangle: Rounded Corners 7">
+            <a:extLst>
+              <a:ext uri="{FF2B5EF4-FFF2-40B4-BE49-F238E27FC236}">
+                <a16:creationId xmlns:a16="http://schemas.microsoft.com/office/drawing/2014/main" id="{ABF6A209-9D6E-49FB-8FF2-37062F58A327}"/>
+              </a:ext>
+            </a:extLst>
+          </p:cNvPr>
+          <p:cNvSpPr/>
+          <p:nvPr/>
+        </p:nvSpPr>
+        <p:spPr>
+          <a:xfrm>
+            <a:off x="1075410" y="1801091"/>
+            <a:ext cx="4558772" cy="212436"/>
+          </a:xfrm>
+          <a:prstGeom prst="roundRect">
+            <a:avLst/>
+          </a:prstGeom>
+          <a:solidFill>
+            <a:schemeClr val="bg1">
+              <a:lumMod val="50000"/>
+            </a:schemeClr>
+          </a:solidFill>
+          <a:ln w="25400">
+            <a:noFill/>
+          </a:ln>
+        </p:spPr>
+        <p:style>
+          <a:lnRef idx="2">
+            <a:schemeClr val="accent1">
+              <a:shade val="50000"/>
+            </a:schemeClr>
+          </a:lnRef>
+          <a:fillRef idx="1">
+            <a:schemeClr val="accent1"/>
+          </a:fillRef>
+          <a:effectRef idx="0">
+            <a:schemeClr val="accent1"/>
+          </a:effectRef>
+          <a:fontRef idx="minor">
+            <a:schemeClr val="lt1"/>
+          </a:fontRef>
+        </p:style>
+        <p:txBody>
+          <a:bodyPr rot="0" spcFirstLastPara="0" vertOverflow="overflow" horzOverflow="overflow" vert="horz" wrap="square" lIns="0" tIns="45720" rIns="0" bIns="45720" numCol="1" spcCol="0" rtlCol="0" fromWordArt="0" anchor="ctr" anchorCtr="0" forceAA="0" compatLnSpc="1">
+            <a:prstTxWarp prst="textNoShape">
+              <a:avLst/>
+            </a:prstTxWarp>
+            <a:noAutofit/>
+          </a:bodyPr>
+          <a:lstStyle/>
+          <a:p>
+            <a:r>
+              <a:rPr lang="en-US" altLang="ja-JP" sz="900" dirty="0">
+                <a:solidFill>
+                  <a:schemeClr val="bg1"/>
+                </a:solidFill>
+                <a:latin typeface="Verdana" panose="020B0604030504040204" pitchFamily="34" charset="0"/>
+              </a:rPr>
+              <a:t>&lt;Your local folder path that holds your local repository&gt;</a:t>
+            </a:r>
+            <a:endParaRPr lang="ja-JP" altLang="en-US" sz="900" dirty="0">
+              <a:solidFill>
+                <a:schemeClr val="bg1"/>
+              </a:solidFill>
+              <a:latin typeface="Verdana" panose="020B0604030504040204" pitchFamily="34" charset="0"/>
+            </a:endParaRPr>
+          </a:p>
+        </p:txBody>
+      </p:sp>
+      <p:sp>
+        <p:nvSpPr>
+          <p:cNvPr id="9" name="Rectangle: Rounded Corners 8">
+            <a:extLst>
+              <a:ext uri="{FF2B5EF4-FFF2-40B4-BE49-F238E27FC236}">
+                <a16:creationId xmlns:a16="http://schemas.microsoft.com/office/drawing/2014/main" id="{765C905C-2F82-4CEE-B53A-BF598D643491}"/>
+              </a:ext>
+            </a:extLst>
+          </p:cNvPr>
+          <p:cNvSpPr/>
+          <p:nvPr/>
+        </p:nvSpPr>
+        <p:spPr>
+          <a:xfrm>
+            <a:off x="1075410" y="2877127"/>
+            <a:ext cx="4558772" cy="212436"/>
+          </a:xfrm>
+          <a:prstGeom prst="roundRect">
+            <a:avLst/>
+          </a:prstGeom>
+          <a:solidFill>
+            <a:schemeClr val="bg1">
+              <a:lumMod val="50000"/>
+            </a:schemeClr>
+          </a:solidFill>
+          <a:ln w="25400">
+            <a:noFill/>
+          </a:ln>
+        </p:spPr>
+        <p:style>
+          <a:lnRef idx="2">
+            <a:schemeClr val="accent1">
+              <a:shade val="50000"/>
+            </a:schemeClr>
+          </a:lnRef>
+          <a:fillRef idx="1">
+            <a:schemeClr val="accent1"/>
+          </a:fillRef>
+          <a:effectRef idx="0">
+            <a:schemeClr val="accent1"/>
+          </a:effectRef>
+          <a:fontRef idx="minor">
+            <a:schemeClr val="lt1"/>
+          </a:fontRef>
+        </p:style>
+        <p:txBody>
+          <a:bodyPr rot="0" spcFirstLastPara="0" vertOverflow="overflow" horzOverflow="overflow" vert="horz" wrap="square" lIns="0" tIns="45720" rIns="0" bIns="45720" numCol="1" spcCol="0" rtlCol="0" fromWordArt="0" anchor="ctr" anchorCtr="0" forceAA="0" compatLnSpc="1">
+            <a:prstTxWarp prst="textNoShape">
+              <a:avLst/>
+            </a:prstTxWarp>
+            <a:noAutofit/>
+          </a:bodyPr>
+          <a:lstStyle/>
+          <a:p>
+            <a:r>
+              <a:rPr lang="en-US" altLang="ja-JP" sz="900" dirty="0">
+                <a:solidFill>
+                  <a:schemeClr val="bg1"/>
+                </a:solidFill>
+                <a:latin typeface="Verdana" panose="020B0604030504040204" pitchFamily="34" charset="0"/>
+              </a:rPr>
+              <a:t>&lt;Your local folder path that holds your local repository&gt;</a:t>
+            </a:r>
+            <a:endParaRPr lang="ja-JP" altLang="en-US" sz="900" dirty="0">
+              <a:solidFill>
+                <a:schemeClr val="bg1"/>
+              </a:solidFill>
+              <a:latin typeface="Verdana" panose="020B0604030504040204" pitchFamily="34" charset="0"/>
+            </a:endParaRPr>
+          </a:p>
+        </p:txBody>
+      </p:sp>
+      <p:sp>
+        <p:nvSpPr>
+          <p:cNvPr id="10" name="Rectangle: Rounded Corners 9">
+            <a:extLst>
+              <a:ext uri="{FF2B5EF4-FFF2-40B4-BE49-F238E27FC236}">
+                <a16:creationId xmlns:a16="http://schemas.microsoft.com/office/drawing/2014/main" id="{C2F61C8B-3906-474E-BBBA-4F753AA0DD64}"/>
+              </a:ext>
+            </a:extLst>
+          </p:cNvPr>
+          <p:cNvSpPr/>
+          <p:nvPr/>
+        </p:nvSpPr>
+        <p:spPr>
+          <a:xfrm>
+            <a:off x="1075410" y="4733636"/>
+            <a:ext cx="4558772" cy="212436"/>
+          </a:xfrm>
+          <a:prstGeom prst="roundRect">
+            <a:avLst/>
+          </a:prstGeom>
+          <a:solidFill>
+            <a:schemeClr val="bg1">
+              <a:lumMod val="50000"/>
+            </a:schemeClr>
+          </a:solidFill>
+          <a:ln w="25400">
+            <a:noFill/>
+          </a:ln>
+        </p:spPr>
+        <p:style>
+          <a:lnRef idx="2">
+            <a:schemeClr val="accent1">
+              <a:shade val="50000"/>
+            </a:schemeClr>
+          </a:lnRef>
+          <a:fillRef idx="1">
+            <a:schemeClr val="accent1"/>
+          </a:fillRef>
+          <a:effectRef idx="0">
+            <a:schemeClr val="accent1"/>
+          </a:effectRef>
+          <a:fontRef idx="minor">
+            <a:schemeClr val="lt1"/>
+          </a:fontRef>
+        </p:style>
+        <p:txBody>
+          <a:bodyPr rot="0" spcFirstLastPara="0" vertOverflow="overflow" horzOverflow="overflow" vert="horz" wrap="square" lIns="0" tIns="45720" rIns="0" bIns="45720" numCol="1" spcCol="0" rtlCol="0" fromWordArt="0" anchor="ctr" anchorCtr="0" forceAA="0" compatLnSpc="1">
+            <a:prstTxWarp prst="textNoShape">
+              <a:avLst/>
+            </a:prstTxWarp>
+            <a:noAutofit/>
+          </a:bodyPr>
+          <a:lstStyle/>
+          <a:p>
+            <a:r>
+              <a:rPr lang="en-US" altLang="ja-JP" sz="900" dirty="0">
+                <a:solidFill>
+                  <a:schemeClr val="bg1"/>
+                </a:solidFill>
+                <a:latin typeface="Verdana" panose="020B0604030504040204" pitchFamily="34" charset="0"/>
+              </a:rPr>
+              <a:t>&lt;Your local folder path that holds your local repository&gt;</a:t>
+            </a:r>
+            <a:endParaRPr lang="ja-JP" altLang="en-US" sz="900" dirty="0">
+              <a:solidFill>
+                <a:schemeClr val="bg1"/>
+              </a:solidFill>
+              <a:latin typeface="Verdana" panose="020B0604030504040204" pitchFamily="34" charset="0"/>
+            </a:endParaRPr>
+          </a:p>
+        </p:txBody>
+      </p:sp>
+      <p:sp>
+        <p:nvSpPr>
+          <p:cNvPr id="11" name="Rectangle: Rounded Corners 10">
+            <a:extLst>
+              <a:ext uri="{FF2B5EF4-FFF2-40B4-BE49-F238E27FC236}">
+                <a16:creationId xmlns:a16="http://schemas.microsoft.com/office/drawing/2014/main" id="{CC204023-DD10-4412-9841-1E5F9CBE7A27}"/>
+              </a:ext>
+            </a:extLst>
+          </p:cNvPr>
+          <p:cNvSpPr/>
+          <p:nvPr/>
+        </p:nvSpPr>
+        <p:spPr>
+          <a:xfrm>
+            <a:off x="2848793" y="3992127"/>
+            <a:ext cx="1884844" cy="212436"/>
+          </a:xfrm>
+          <a:prstGeom prst="roundRect">
+            <a:avLst/>
+          </a:prstGeom>
+          <a:solidFill>
+            <a:schemeClr val="bg1">
+              <a:lumMod val="50000"/>
+            </a:schemeClr>
+          </a:solidFill>
+          <a:ln w="25400">
+            <a:noFill/>
+          </a:ln>
+        </p:spPr>
+        <p:style>
+          <a:lnRef idx="2">
+            <a:schemeClr val="accent1">
+              <a:shade val="50000"/>
+            </a:schemeClr>
+          </a:lnRef>
+          <a:fillRef idx="1">
+            <a:schemeClr val="accent1"/>
+          </a:fillRef>
+          <a:effectRef idx="0">
+            <a:schemeClr val="accent1"/>
+          </a:effectRef>
+          <a:fontRef idx="minor">
+            <a:schemeClr val="lt1"/>
+          </a:fontRef>
+        </p:style>
+        <p:txBody>
+          <a:bodyPr rot="0" spcFirstLastPara="0" vertOverflow="overflow" horzOverflow="overflow" vert="horz" wrap="square" lIns="0" tIns="45720" rIns="0" bIns="45720" numCol="1" spcCol="0" rtlCol="0" fromWordArt="0" anchor="ctr" anchorCtr="0" forceAA="0" compatLnSpc="1">
+            <a:prstTxWarp prst="textNoShape">
+              <a:avLst/>
+            </a:prstTxWarp>
+            <a:noAutofit/>
+          </a:bodyPr>
+          <a:lstStyle/>
+          <a:p>
+            <a:r>
+              <a:rPr lang="en-US" altLang="ja-JP" sz="900">
+                <a:solidFill>
+                  <a:schemeClr val="bg1"/>
+                </a:solidFill>
+                <a:latin typeface="Verdana" panose="020B0604030504040204" pitchFamily="34" charset="0"/>
+              </a:rPr>
+              <a:t>&lt;Parent Github</a:t>
+            </a:r>
+            <a:r>
+              <a:rPr lang="en-US" altLang="ja-JP" sz="900" dirty="0">
+                <a:solidFill>
+                  <a:schemeClr val="bg1"/>
+                </a:solidFill>
+                <a:latin typeface="Verdana" panose="020B0604030504040204" pitchFamily="34" charset="0"/>
+              </a:rPr>
+              <a:t> Repository&gt;.git</a:t>
+            </a:r>
+            <a:endParaRPr lang="ja-JP" altLang="en-US" sz="900" dirty="0">
+              <a:solidFill>
+                <a:schemeClr val="bg1"/>
+              </a:solidFill>
               <a:latin typeface="Verdana" panose="020B0604030504040204" pitchFamily="34" charset="0"/>
             </a:endParaRPr>
           </a:p>
@@ -4963,7 +5509,7 @@
     </p:spTree>
     <p:extLst>
       <p:ext uri="{BB962C8B-B14F-4D97-AF65-F5344CB8AC3E}">
-        <p14:creationId xmlns:p14="http://schemas.microsoft.com/office/powerpoint/2010/main" val="1719749781"/>
+        <p14:creationId xmlns:p14="http://schemas.microsoft.com/office/powerpoint/2010/main" val="3396696002"/>
       </p:ext>
     </p:extLst>
   </p:cSld>
@@ -4990,12 +5536,53 @@
           <a:chExt cx="0" cy="0"/>
         </a:xfrm>
       </p:grpSpPr>
+      <p:sp>
+        <p:nvSpPr>
+          <p:cNvPr id="3" name="TextBox 2">
+            <a:extLst>
+              <a:ext uri="{FF2B5EF4-FFF2-40B4-BE49-F238E27FC236}">
+                <a16:creationId xmlns:a16="http://schemas.microsoft.com/office/drawing/2014/main" id="{70089350-1EB3-4C61-AE73-232CD9064D26}"/>
+              </a:ext>
+            </a:extLst>
+          </p:cNvPr>
+          <p:cNvSpPr txBox="1"/>
+          <p:nvPr/>
+        </p:nvSpPr>
+        <p:spPr>
+          <a:xfrm>
+            <a:off x="611599" y="284813"/>
+            <a:ext cx="8721277" cy="369332"/>
+          </a:xfrm>
+          <a:prstGeom prst="rect">
+            <a:avLst/>
+          </a:prstGeom>
+          <a:noFill/>
+        </p:spPr>
+        <p:txBody>
+          <a:bodyPr wrap="square" rtlCol="0">
+            <a:spAutoFit/>
+          </a:bodyPr>
+          <a:lstStyle/>
+          <a:p>
+            <a:pPr algn="l"/>
+            <a:r>
+              <a:rPr kumimoji="1" lang="en-US" altLang="ja-JP" dirty="0">
+                <a:latin typeface="Verdana" panose="020B0604030504040204" pitchFamily="34" charset="0"/>
+              </a:rPr>
+              <a:t>Execute “git merge upstream/master”</a:t>
+            </a:r>
+            <a:endParaRPr kumimoji="1" lang="ja-JP" altLang="en-US" dirty="0">
+              <a:latin typeface="Verdana" panose="020B0604030504040204" pitchFamily="34" charset="0"/>
+            </a:endParaRPr>
+          </a:p>
+        </p:txBody>
+      </p:sp>
       <p:pic>
         <p:nvPicPr>
-          <p:cNvPr id="2" name="Picture 1">
-            <a:extLst>
-              <a:ext uri="{FF2B5EF4-FFF2-40B4-BE49-F238E27FC236}">
-                <a16:creationId xmlns:a16="http://schemas.microsoft.com/office/drawing/2014/main" id="{FC421BB6-E2F7-4755-BB4D-A1E7F12DA175}"/>
+          <p:cNvPr id="4" name="Picture 3">
+            <a:extLst>
+              <a:ext uri="{FF2B5EF4-FFF2-40B4-BE49-F238E27FC236}">
+                <a16:creationId xmlns:a16="http://schemas.microsoft.com/office/drawing/2014/main" id="{54570389-B152-44EF-BFB6-740CC14E508F}"/>
               </a:ext>
             </a:extLst>
           </p:cNvPr>
@@ -5012,645 +5599,18 @@
         </p:blipFill>
         <p:spPr>
           <a:xfrm>
-            <a:off x="323306" y="725523"/>
-            <a:ext cx="5114489" cy="6027545"/>
+            <a:off x="1315233" y="917728"/>
+            <a:ext cx="6853288" cy="4581558"/>
           </a:xfrm>
           <a:prstGeom prst="rect">
             <a:avLst/>
           </a:prstGeom>
         </p:spPr>
       </p:pic>
-      <p:sp>
-        <p:nvSpPr>
-          <p:cNvPr id="3" name="TextBox 2">
-            <a:extLst>
-              <a:ext uri="{FF2B5EF4-FFF2-40B4-BE49-F238E27FC236}">
-                <a16:creationId xmlns:a16="http://schemas.microsoft.com/office/drawing/2014/main" id="{E35034D5-894C-414C-B0C2-52E2DE1401B6}"/>
-              </a:ext>
-            </a:extLst>
-          </p:cNvPr>
-          <p:cNvSpPr txBox="1"/>
-          <p:nvPr/>
-        </p:nvSpPr>
-        <p:spPr>
-          <a:xfrm>
-            <a:off x="287811" y="254833"/>
-            <a:ext cx="5456420" cy="369332"/>
-          </a:xfrm>
-          <a:prstGeom prst="rect">
-            <a:avLst/>
-          </a:prstGeom>
-          <a:noFill/>
-        </p:spPr>
-        <p:txBody>
-          <a:bodyPr wrap="square" rtlCol="0">
-            <a:spAutoFit/>
-          </a:bodyPr>
-          <a:lstStyle/>
-          <a:p>
-            <a:pPr algn="l"/>
-            <a:r>
-              <a:rPr kumimoji="1" lang="en-US" altLang="ja-JP" dirty="0" err="1">
-                <a:latin typeface="Verdana" panose="020B0604030504040204" pitchFamily="34" charset="0"/>
-              </a:rPr>
-              <a:t>Src</a:t>
-            </a:r>
-            <a:r>
-              <a:rPr kumimoji="1" lang="en-US" altLang="ja-JP" dirty="0">
-                <a:latin typeface="Verdana" panose="020B0604030504040204" pitchFamily="34" charset="0"/>
-              </a:rPr>
-              <a:t>/components/Message/QuickReplies.js</a:t>
-            </a:r>
-            <a:endParaRPr kumimoji="1" lang="ja-JP" altLang="en-US" dirty="0">
-              <a:latin typeface="Verdana" panose="020B0604030504040204" pitchFamily="34" charset="0"/>
-            </a:endParaRPr>
-          </a:p>
-        </p:txBody>
-      </p:sp>
-      <p:pic>
-        <p:nvPicPr>
-          <p:cNvPr id="4" name="Picture 3">
-            <a:extLst>
-              <a:ext uri="{FF2B5EF4-FFF2-40B4-BE49-F238E27FC236}">
-                <a16:creationId xmlns:a16="http://schemas.microsoft.com/office/drawing/2014/main" id="{5E8AA991-1ECB-44D2-AD77-A8EA8E716EB7}"/>
-              </a:ext>
-            </a:extLst>
-          </p:cNvPr>
-          <p:cNvPicPr>
-            <a:picLocks noChangeAspect="1"/>
-          </p:cNvPicPr>
-          <p:nvPr/>
-        </p:nvPicPr>
-        <p:blipFill>
-          <a:blip r:embed="rId3"/>
-          <a:stretch>
-            <a:fillRect/>
-          </a:stretch>
-        </p:blipFill>
-        <p:spPr>
-          <a:xfrm>
-            <a:off x="6157477" y="781348"/>
-            <a:ext cx="5076151" cy="2957947"/>
-          </a:xfrm>
-          <a:prstGeom prst="rect">
-            <a:avLst/>
-          </a:prstGeom>
-        </p:spPr>
-      </p:pic>
-      <p:sp>
-        <p:nvSpPr>
-          <p:cNvPr id="5" name="Rectangle: Rounded Corners 4">
-            <a:extLst>
-              <a:ext uri="{FF2B5EF4-FFF2-40B4-BE49-F238E27FC236}">
-                <a16:creationId xmlns:a16="http://schemas.microsoft.com/office/drawing/2014/main" id="{3C359FBE-CFAF-4FE3-8229-D9807FC87B6D}"/>
-              </a:ext>
-            </a:extLst>
-          </p:cNvPr>
-          <p:cNvSpPr/>
-          <p:nvPr/>
-        </p:nvSpPr>
-        <p:spPr>
-          <a:xfrm>
-            <a:off x="1295150" y="2827145"/>
-            <a:ext cx="4089317" cy="293807"/>
-          </a:xfrm>
-          <a:prstGeom prst="roundRect">
-            <a:avLst/>
-          </a:prstGeom>
-          <a:noFill/>
-          <a:ln w="25400">
-            <a:solidFill>
-              <a:srgbClr val="00B0F0"/>
-            </a:solidFill>
-          </a:ln>
-        </p:spPr>
-        <p:style>
-          <a:lnRef idx="2">
-            <a:schemeClr val="accent1">
-              <a:shade val="50000"/>
-            </a:schemeClr>
-          </a:lnRef>
-          <a:fillRef idx="1">
-            <a:schemeClr val="accent1"/>
-          </a:fillRef>
-          <a:effectRef idx="0">
-            <a:schemeClr val="accent1"/>
-          </a:effectRef>
-          <a:fontRef idx="minor">
-            <a:schemeClr val="lt1"/>
-          </a:fontRef>
-        </p:style>
-        <p:txBody>
-          <a:bodyPr rtlCol="0" anchor="ctr"/>
-          <a:lstStyle/>
-          <a:p>
-            <a:pPr algn="ctr"/>
-            <a:endParaRPr kumimoji="1" lang="ja-JP" altLang="en-US"/>
-          </a:p>
-        </p:txBody>
-      </p:sp>
-      <p:cxnSp>
-        <p:nvCxnSpPr>
-          <p:cNvPr id="7" name="Connector: Elbow 6">
-            <a:extLst>
-              <a:ext uri="{FF2B5EF4-FFF2-40B4-BE49-F238E27FC236}">
-                <a16:creationId xmlns:a16="http://schemas.microsoft.com/office/drawing/2014/main" id="{82159475-2FC4-4FCF-A850-A98E3939CF5A}"/>
-              </a:ext>
-            </a:extLst>
-          </p:cNvPr>
-          <p:cNvCxnSpPr>
-            <a:cxnSpLocks/>
-            <a:endCxn id="10" idx="3"/>
-          </p:cNvCxnSpPr>
-          <p:nvPr/>
-        </p:nvCxnSpPr>
-        <p:spPr>
-          <a:xfrm rot="5400000">
-            <a:off x="2919109" y="3768653"/>
-            <a:ext cx="2790223" cy="1494821"/>
-          </a:xfrm>
-          <a:prstGeom prst="bentConnector2">
-            <a:avLst/>
-          </a:prstGeom>
-          <a:ln w="25400">
-            <a:solidFill>
-              <a:srgbClr val="00B0F0"/>
-            </a:solidFill>
-            <a:tailEnd type="triangle"/>
-          </a:ln>
-        </p:spPr>
-        <p:style>
-          <a:lnRef idx="1">
-            <a:schemeClr val="accent1"/>
-          </a:lnRef>
-          <a:fillRef idx="0">
-            <a:schemeClr val="accent1"/>
-          </a:fillRef>
-          <a:effectRef idx="0">
-            <a:schemeClr val="accent1"/>
-          </a:effectRef>
-          <a:fontRef idx="minor">
-            <a:schemeClr val="tx1"/>
-          </a:fontRef>
-        </p:style>
-      </p:cxnSp>
-      <p:sp>
-        <p:nvSpPr>
-          <p:cNvPr id="10" name="Rectangle: Rounded Corners 9">
-            <a:extLst>
-              <a:ext uri="{FF2B5EF4-FFF2-40B4-BE49-F238E27FC236}">
-                <a16:creationId xmlns:a16="http://schemas.microsoft.com/office/drawing/2014/main" id="{FC130D96-B613-4351-A1B6-99899C5ACC5F}"/>
-              </a:ext>
-            </a:extLst>
-          </p:cNvPr>
-          <p:cNvSpPr/>
-          <p:nvPr/>
-        </p:nvSpPr>
-        <p:spPr>
-          <a:xfrm>
-            <a:off x="1246512" y="5716621"/>
-            <a:ext cx="2320297" cy="389107"/>
-          </a:xfrm>
-          <a:prstGeom prst="roundRect">
-            <a:avLst/>
-          </a:prstGeom>
-          <a:noFill/>
-          <a:ln w="25400">
-            <a:solidFill>
-              <a:srgbClr val="00B0F0"/>
-            </a:solidFill>
-          </a:ln>
-        </p:spPr>
-        <p:style>
-          <a:lnRef idx="2">
-            <a:schemeClr val="accent1">
-              <a:shade val="50000"/>
-            </a:schemeClr>
-          </a:lnRef>
-          <a:fillRef idx="1">
-            <a:schemeClr val="accent1"/>
-          </a:fillRef>
-          <a:effectRef idx="0">
-            <a:schemeClr val="accent1"/>
-          </a:effectRef>
-          <a:fontRef idx="minor">
-            <a:schemeClr val="lt1"/>
-          </a:fontRef>
-        </p:style>
-        <p:txBody>
-          <a:bodyPr rtlCol="0" anchor="ctr"/>
-          <a:lstStyle/>
-          <a:p>
-            <a:pPr algn="ctr"/>
-            <a:endParaRPr kumimoji="1" lang="ja-JP" altLang="en-US"/>
-          </a:p>
-        </p:txBody>
-      </p:sp>
-      <p:sp>
-        <p:nvSpPr>
-          <p:cNvPr id="12" name="TextBox 11">
-            <a:extLst>
-              <a:ext uri="{FF2B5EF4-FFF2-40B4-BE49-F238E27FC236}">
-                <a16:creationId xmlns:a16="http://schemas.microsoft.com/office/drawing/2014/main" id="{177F2A18-625B-4479-ABF8-80BE43503200}"/>
-              </a:ext>
-            </a:extLst>
-          </p:cNvPr>
-          <p:cNvSpPr txBox="1"/>
-          <p:nvPr/>
-        </p:nvSpPr>
-        <p:spPr>
-          <a:xfrm>
-            <a:off x="3667328" y="3268605"/>
-            <a:ext cx="1582385" cy="307777"/>
-          </a:xfrm>
-          <a:prstGeom prst="rect">
-            <a:avLst/>
-          </a:prstGeom>
-          <a:noFill/>
-        </p:spPr>
-        <p:txBody>
-          <a:bodyPr wrap="square" rtlCol="0">
-            <a:spAutoFit/>
-          </a:bodyPr>
-          <a:lstStyle/>
-          <a:p>
-            <a:pPr algn="l"/>
-            <a:r>
-              <a:rPr lang="ja-JP" altLang="en-US" sz="1400" b="1" dirty="0">
-                <a:solidFill>
-                  <a:srgbClr val="00B0F0"/>
-                </a:solidFill>
-                <a:latin typeface="Verdana" panose="020B0604030504040204" pitchFamily="34" charset="0"/>
-                <a:ea typeface="Verdana" panose="020B0604030504040204" pitchFamily="34" charset="0"/>
-              </a:rPr>
-              <a:t>① </a:t>
-            </a:r>
-            <a:r>
-              <a:rPr kumimoji="1" lang="en-US" altLang="ja-JP" sz="1400" b="1" dirty="0">
-                <a:solidFill>
-                  <a:srgbClr val="00B0F0"/>
-                </a:solidFill>
-                <a:latin typeface="Verdana" panose="020B0604030504040204" pitchFamily="34" charset="0"/>
-                <a:ea typeface="Verdana" panose="020B0604030504040204" pitchFamily="34" charset="0"/>
-              </a:rPr>
-              <a:t>Replace</a:t>
-            </a:r>
-            <a:endParaRPr kumimoji="1" lang="ja-JP" altLang="en-US" sz="1400" b="1" dirty="0">
-              <a:solidFill>
-                <a:srgbClr val="00B0F0"/>
-              </a:solidFill>
-              <a:latin typeface="Verdana" panose="020B0604030504040204" pitchFamily="34" charset="0"/>
-            </a:endParaRPr>
-          </a:p>
-        </p:txBody>
-      </p:sp>
-      <p:sp>
-        <p:nvSpPr>
-          <p:cNvPr id="13" name="Rectangle: Rounded Corners 12">
-            <a:extLst>
-              <a:ext uri="{FF2B5EF4-FFF2-40B4-BE49-F238E27FC236}">
-                <a16:creationId xmlns:a16="http://schemas.microsoft.com/office/drawing/2014/main" id="{3C5D4265-A5D4-4CA3-B424-11FB6D03DE4C}"/>
-              </a:ext>
-            </a:extLst>
-          </p:cNvPr>
-          <p:cNvSpPr/>
-          <p:nvPr/>
-        </p:nvSpPr>
-        <p:spPr>
-          <a:xfrm>
-            <a:off x="567447" y="3739295"/>
-            <a:ext cx="4792493" cy="2946850"/>
-          </a:xfrm>
-          <a:prstGeom prst="roundRect">
-            <a:avLst/>
-          </a:prstGeom>
-          <a:noFill/>
-          <a:ln w="25400">
-            <a:solidFill>
-              <a:srgbClr val="00B0F0"/>
-            </a:solidFill>
-          </a:ln>
-        </p:spPr>
-        <p:style>
-          <a:lnRef idx="2">
-            <a:schemeClr val="accent1">
-              <a:shade val="50000"/>
-            </a:schemeClr>
-          </a:lnRef>
-          <a:fillRef idx="1">
-            <a:schemeClr val="accent1"/>
-          </a:fillRef>
-          <a:effectRef idx="0">
-            <a:schemeClr val="accent1"/>
-          </a:effectRef>
-          <a:fontRef idx="minor">
-            <a:schemeClr val="lt1"/>
-          </a:fontRef>
-        </p:style>
-        <p:txBody>
-          <a:bodyPr rot="0" spcFirstLastPara="0" vertOverflow="overflow" horzOverflow="overflow" vert="horz" wrap="square" lIns="91440" tIns="45720" rIns="91440" bIns="45720" numCol="1" spcCol="0" rtlCol="0" fromWordArt="0" anchor="ctr" anchorCtr="0" forceAA="0" compatLnSpc="1">
-            <a:prstTxWarp prst="textNoShape">
-              <a:avLst/>
-            </a:prstTxWarp>
-            <a:noAutofit/>
-          </a:bodyPr>
-          <a:lstStyle/>
-          <a:p>
-            <a:pPr algn="ctr"/>
-            <a:endParaRPr kumimoji="1" lang="ja-JP" altLang="en-US"/>
-          </a:p>
-        </p:txBody>
-      </p:sp>
-      <p:sp>
-        <p:nvSpPr>
-          <p:cNvPr id="14" name="TextBox 13">
-            <a:extLst>
-              <a:ext uri="{FF2B5EF4-FFF2-40B4-BE49-F238E27FC236}">
-                <a16:creationId xmlns:a16="http://schemas.microsoft.com/office/drawing/2014/main" id="{AA3FD392-C8FD-449B-8879-7901541C1F62}"/>
-              </a:ext>
-            </a:extLst>
-          </p:cNvPr>
-          <p:cNvSpPr txBox="1"/>
-          <p:nvPr/>
-        </p:nvSpPr>
-        <p:spPr>
-          <a:xfrm>
-            <a:off x="3816482" y="6303787"/>
-            <a:ext cx="6027909" cy="307777"/>
-          </a:xfrm>
-          <a:prstGeom prst="rect">
-            <a:avLst/>
-          </a:prstGeom>
-          <a:noFill/>
-        </p:spPr>
-        <p:txBody>
-          <a:bodyPr wrap="square" rtlCol="0">
-            <a:spAutoFit/>
-          </a:bodyPr>
-          <a:lstStyle/>
-          <a:p>
-            <a:pPr algn="l"/>
-            <a:r>
-              <a:rPr lang="ja-JP" altLang="en-US" sz="1400" b="1" dirty="0">
-                <a:solidFill>
-                  <a:srgbClr val="00B0F0"/>
-                </a:solidFill>
-                <a:latin typeface="Verdana" panose="020B0604030504040204" pitchFamily="34" charset="0"/>
-                <a:ea typeface="Verdana" panose="020B0604030504040204" pitchFamily="34" charset="0"/>
-              </a:rPr>
-              <a:t>② </a:t>
-            </a:r>
-            <a:r>
-              <a:rPr lang="en-US" altLang="ja-JP" sz="1400" b="1" dirty="0">
-                <a:solidFill>
-                  <a:srgbClr val="00B0F0"/>
-                </a:solidFill>
-                <a:latin typeface="Verdana" panose="020B0604030504040204" pitchFamily="34" charset="0"/>
-                <a:ea typeface="Verdana" panose="020B0604030504040204" pitchFamily="34" charset="0"/>
-              </a:rPr>
-              <a:t>Keep this part because several class names are new</a:t>
-            </a:r>
-            <a:endParaRPr kumimoji="1" lang="ja-JP" altLang="en-US" sz="1400" b="1" dirty="0">
-              <a:solidFill>
-                <a:srgbClr val="00B0F0"/>
-              </a:solidFill>
-              <a:latin typeface="Verdana" panose="020B0604030504040204" pitchFamily="34" charset="0"/>
-            </a:endParaRPr>
-          </a:p>
-        </p:txBody>
-      </p:sp>
-      <p:sp>
-        <p:nvSpPr>
-          <p:cNvPr id="16" name="Rectangle: Rounded Corners 15">
-            <a:extLst>
-              <a:ext uri="{FF2B5EF4-FFF2-40B4-BE49-F238E27FC236}">
-                <a16:creationId xmlns:a16="http://schemas.microsoft.com/office/drawing/2014/main" id="{74C3AFE7-D112-4C66-988A-CA4FBFA600E7}"/>
-              </a:ext>
-            </a:extLst>
-          </p:cNvPr>
-          <p:cNvSpPr/>
-          <p:nvPr/>
-        </p:nvSpPr>
-        <p:spPr>
-          <a:xfrm>
-            <a:off x="7376809" y="1870952"/>
-            <a:ext cx="1773664" cy="116732"/>
-          </a:xfrm>
-          <a:prstGeom prst="roundRect">
-            <a:avLst/>
-          </a:prstGeom>
-          <a:noFill/>
-          <a:ln w="25400">
-            <a:solidFill>
-              <a:srgbClr val="00B0F0"/>
-            </a:solidFill>
-          </a:ln>
-        </p:spPr>
-        <p:style>
-          <a:lnRef idx="2">
-            <a:schemeClr val="accent1">
-              <a:shade val="50000"/>
-            </a:schemeClr>
-          </a:lnRef>
-          <a:fillRef idx="1">
-            <a:schemeClr val="accent1"/>
-          </a:fillRef>
-          <a:effectRef idx="0">
-            <a:schemeClr val="accent1"/>
-          </a:effectRef>
-          <a:fontRef idx="minor">
-            <a:schemeClr val="lt1"/>
-          </a:fontRef>
-        </p:style>
-        <p:txBody>
-          <a:bodyPr rot="0" spcFirstLastPara="0" vertOverflow="overflow" horzOverflow="overflow" vert="horz" wrap="square" lIns="91440" tIns="45720" rIns="91440" bIns="45720" numCol="1" spcCol="0" rtlCol="0" fromWordArt="0" anchor="ctr" anchorCtr="0" forceAA="0" compatLnSpc="1">
-            <a:prstTxWarp prst="textNoShape">
-              <a:avLst/>
-            </a:prstTxWarp>
-            <a:noAutofit/>
-          </a:bodyPr>
-          <a:lstStyle/>
-          <a:p>
-            <a:pPr algn="ctr"/>
-            <a:endParaRPr kumimoji="1" lang="ja-JP" altLang="en-US"/>
-          </a:p>
-        </p:txBody>
-      </p:sp>
-      <p:sp>
-        <p:nvSpPr>
-          <p:cNvPr id="17" name="Rectangle: Rounded Corners 16">
-            <a:extLst>
-              <a:ext uri="{FF2B5EF4-FFF2-40B4-BE49-F238E27FC236}">
-                <a16:creationId xmlns:a16="http://schemas.microsoft.com/office/drawing/2014/main" id="{579E18D9-D8E5-435B-9801-722BFC3DEB9A}"/>
-              </a:ext>
-            </a:extLst>
-          </p:cNvPr>
-          <p:cNvSpPr/>
-          <p:nvPr/>
-        </p:nvSpPr>
-        <p:spPr>
-          <a:xfrm>
-            <a:off x="7548664" y="2600527"/>
-            <a:ext cx="1228927" cy="116732"/>
-          </a:xfrm>
-          <a:prstGeom prst="roundRect">
-            <a:avLst/>
-          </a:prstGeom>
-          <a:noFill/>
-          <a:ln w="25400">
-            <a:solidFill>
-              <a:srgbClr val="00B0F0"/>
-            </a:solidFill>
-          </a:ln>
-        </p:spPr>
-        <p:style>
-          <a:lnRef idx="2">
-            <a:schemeClr val="accent1">
-              <a:shade val="50000"/>
-            </a:schemeClr>
-          </a:lnRef>
-          <a:fillRef idx="1">
-            <a:schemeClr val="accent1"/>
-          </a:fillRef>
-          <a:effectRef idx="0">
-            <a:schemeClr val="accent1"/>
-          </a:effectRef>
-          <a:fontRef idx="minor">
-            <a:schemeClr val="lt1"/>
-          </a:fontRef>
-        </p:style>
-        <p:txBody>
-          <a:bodyPr rot="0" spcFirstLastPara="0" vertOverflow="overflow" horzOverflow="overflow" vert="horz" wrap="square" lIns="91440" tIns="45720" rIns="91440" bIns="45720" numCol="1" spcCol="0" rtlCol="0" fromWordArt="0" anchor="ctr" anchorCtr="0" forceAA="0" compatLnSpc="1">
-            <a:prstTxWarp prst="textNoShape">
-              <a:avLst/>
-            </a:prstTxWarp>
-            <a:noAutofit/>
-          </a:bodyPr>
-          <a:lstStyle/>
-          <a:p>
-            <a:pPr algn="ctr"/>
-            <a:endParaRPr kumimoji="1" lang="ja-JP" altLang="en-US"/>
-          </a:p>
-        </p:txBody>
-      </p:sp>
-      <p:sp>
-        <p:nvSpPr>
-          <p:cNvPr id="18" name="Rectangle: Rounded Corners 17">
-            <a:extLst>
-              <a:ext uri="{FF2B5EF4-FFF2-40B4-BE49-F238E27FC236}">
-                <a16:creationId xmlns:a16="http://schemas.microsoft.com/office/drawing/2014/main" id="{79478FFC-8606-447F-8A27-7BDAED395050}"/>
-              </a:ext>
-            </a:extLst>
-          </p:cNvPr>
-          <p:cNvSpPr/>
-          <p:nvPr/>
-        </p:nvSpPr>
-        <p:spPr>
-          <a:xfrm>
-            <a:off x="6830436" y="950742"/>
-            <a:ext cx="1133275" cy="200363"/>
-          </a:xfrm>
-          <a:prstGeom prst="roundRect">
-            <a:avLst/>
-          </a:prstGeom>
-          <a:noFill/>
-          <a:ln w="25400">
-            <a:solidFill>
-              <a:srgbClr val="00B0F0"/>
-            </a:solidFill>
-          </a:ln>
-        </p:spPr>
-        <p:style>
-          <a:lnRef idx="2">
-            <a:schemeClr val="accent1">
-              <a:shade val="50000"/>
-            </a:schemeClr>
-          </a:lnRef>
-          <a:fillRef idx="1">
-            <a:schemeClr val="accent1"/>
-          </a:fillRef>
-          <a:effectRef idx="0">
-            <a:schemeClr val="accent1"/>
-          </a:effectRef>
-          <a:fontRef idx="minor">
-            <a:schemeClr val="lt1"/>
-          </a:fontRef>
-        </p:style>
-        <p:txBody>
-          <a:bodyPr rot="0" spcFirstLastPara="0" vertOverflow="overflow" horzOverflow="overflow" vert="horz" wrap="square" lIns="91440" tIns="45720" rIns="91440" bIns="45720" numCol="1" spcCol="0" rtlCol="0" fromWordArt="0" anchor="ctr" anchorCtr="0" forceAA="0" compatLnSpc="1">
-            <a:prstTxWarp prst="textNoShape">
-              <a:avLst/>
-            </a:prstTxWarp>
-            <a:noAutofit/>
-          </a:bodyPr>
-          <a:lstStyle/>
-          <a:p>
-            <a:pPr algn="ctr"/>
-            <a:endParaRPr kumimoji="1" lang="ja-JP" altLang="en-US"/>
-          </a:p>
-        </p:txBody>
-      </p:sp>
-      <p:sp>
-        <p:nvSpPr>
-          <p:cNvPr id="19" name="Rectangle: Rounded Corners 18">
-            <a:extLst>
-              <a:ext uri="{FF2B5EF4-FFF2-40B4-BE49-F238E27FC236}">
-                <a16:creationId xmlns:a16="http://schemas.microsoft.com/office/drawing/2014/main" id="{4BE9A648-64CC-4632-BAF4-98E9B0B750A5}"/>
-              </a:ext>
-            </a:extLst>
-          </p:cNvPr>
-          <p:cNvSpPr/>
-          <p:nvPr/>
-        </p:nvSpPr>
-        <p:spPr>
-          <a:xfrm>
-            <a:off x="7074455" y="2800302"/>
-            <a:ext cx="4109111" cy="309569"/>
-          </a:xfrm>
-          <a:prstGeom prst="roundRect">
-            <a:avLst/>
-          </a:prstGeom>
-          <a:noFill/>
-          <a:ln w="25400">
-            <a:solidFill>
-              <a:srgbClr val="00B0F0"/>
-            </a:solidFill>
-          </a:ln>
-        </p:spPr>
-        <p:style>
-          <a:lnRef idx="2">
-            <a:schemeClr val="accent1">
-              <a:shade val="50000"/>
-            </a:schemeClr>
-          </a:lnRef>
-          <a:fillRef idx="1">
-            <a:schemeClr val="accent1"/>
-          </a:fillRef>
-          <a:effectRef idx="0">
-            <a:schemeClr val="accent1"/>
-          </a:effectRef>
-          <a:fontRef idx="minor">
-            <a:schemeClr val="lt1"/>
-          </a:fontRef>
-        </p:style>
-        <p:txBody>
-          <a:bodyPr rot="0" spcFirstLastPara="0" vertOverflow="overflow" horzOverflow="overflow" vert="horz" wrap="square" lIns="91440" tIns="45720" rIns="91440" bIns="45720" numCol="1" spcCol="0" rtlCol="0" fromWordArt="0" anchor="ctr" anchorCtr="0" forceAA="0" compatLnSpc="1">
-            <a:prstTxWarp prst="textNoShape">
-              <a:avLst/>
-            </a:prstTxWarp>
-            <a:noAutofit/>
-          </a:bodyPr>
-          <a:lstStyle/>
-          <a:p>
-            <a:pPr algn="ctr"/>
-            <a:endParaRPr kumimoji="1" lang="ja-JP" altLang="en-US"/>
-          </a:p>
-        </p:txBody>
-      </p:sp>
     </p:spTree>
     <p:extLst>
       <p:ext uri="{BB962C8B-B14F-4D97-AF65-F5344CB8AC3E}">
-        <p14:creationId xmlns:p14="http://schemas.microsoft.com/office/powerpoint/2010/main" val="1725677752"/>
+        <p14:creationId xmlns:p14="http://schemas.microsoft.com/office/powerpoint/2010/main" val="4144964890"/>
       </p:ext>
     </p:extLst>
   </p:cSld>
@@ -5677,10 +5637,190 @@
           <a:chExt cx="0" cy="0"/>
         </a:xfrm>
       </p:grpSpPr>
+      <p:pic>
+        <p:nvPicPr>
+          <p:cNvPr id="2" name="Picture 1">
+            <a:extLst>
+              <a:ext uri="{FF2B5EF4-FFF2-40B4-BE49-F238E27FC236}">
+                <a16:creationId xmlns:a16="http://schemas.microsoft.com/office/drawing/2014/main" id="{043FE698-B29B-41F6-A48F-1D95C45AEF3F}"/>
+              </a:ext>
+            </a:extLst>
+          </p:cNvPr>
+          <p:cNvPicPr>
+            <a:picLocks noChangeAspect="1"/>
+          </p:cNvPicPr>
+          <p:nvPr/>
+        </p:nvPicPr>
+        <p:blipFill>
+          <a:blip r:embed="rId2"/>
+          <a:stretch>
+            <a:fillRect/>
+          </a:stretch>
+        </p:blipFill>
+        <p:spPr>
+          <a:xfrm>
+            <a:off x="379422" y="217170"/>
+            <a:ext cx="8887498" cy="4999218"/>
+          </a:xfrm>
+          <a:prstGeom prst="rect">
+            <a:avLst/>
+          </a:prstGeom>
+        </p:spPr>
+      </p:pic>
+      <p:pic>
+        <p:nvPicPr>
+          <p:cNvPr id="3" name="Picture 2">
+            <a:extLst>
+              <a:ext uri="{FF2B5EF4-FFF2-40B4-BE49-F238E27FC236}">
+                <a16:creationId xmlns:a16="http://schemas.microsoft.com/office/drawing/2014/main" id="{D9895D76-A479-43C3-AB2C-C53410BA897A}"/>
+              </a:ext>
+            </a:extLst>
+          </p:cNvPr>
+          <p:cNvPicPr>
+            <a:picLocks noChangeAspect="1"/>
+          </p:cNvPicPr>
+          <p:nvPr/>
+        </p:nvPicPr>
+        <p:blipFill>
+          <a:blip r:embed="rId3"/>
+          <a:stretch>
+            <a:fillRect/>
+          </a:stretch>
+        </p:blipFill>
+        <p:spPr>
+          <a:xfrm>
+            <a:off x="7368304" y="380611"/>
+            <a:ext cx="4476783" cy="1833576"/>
+          </a:xfrm>
+          <a:prstGeom prst="rect">
+            <a:avLst/>
+          </a:prstGeom>
+        </p:spPr>
+      </p:pic>
+      <p:pic>
+        <p:nvPicPr>
+          <p:cNvPr id="4" name="Picture 3">
+            <a:extLst>
+              <a:ext uri="{FF2B5EF4-FFF2-40B4-BE49-F238E27FC236}">
+                <a16:creationId xmlns:a16="http://schemas.microsoft.com/office/drawing/2014/main" id="{4299A870-E752-4256-9D26-E91834038780}"/>
+              </a:ext>
+            </a:extLst>
+          </p:cNvPr>
+          <p:cNvPicPr>
+            <a:picLocks noChangeAspect="1"/>
+          </p:cNvPicPr>
+          <p:nvPr/>
+        </p:nvPicPr>
+        <p:blipFill>
+          <a:blip r:embed="rId4"/>
+          <a:stretch>
+            <a:fillRect/>
+          </a:stretch>
+        </p:blipFill>
+        <p:spPr>
+          <a:xfrm>
+            <a:off x="7420419" y="2408225"/>
+            <a:ext cx="4462495" cy="2095515"/>
+          </a:xfrm>
+          <a:prstGeom prst="rect">
+            <a:avLst/>
+          </a:prstGeom>
+        </p:spPr>
+      </p:pic>
+      <p:pic>
+        <p:nvPicPr>
+          <p:cNvPr id="5" name="Picture 4">
+            <a:extLst>
+              <a:ext uri="{FF2B5EF4-FFF2-40B4-BE49-F238E27FC236}">
+                <a16:creationId xmlns:a16="http://schemas.microsoft.com/office/drawing/2014/main" id="{98E0E891-4CAA-4663-83C7-3A84A8C0B692}"/>
+              </a:ext>
+            </a:extLst>
+          </p:cNvPr>
+          <p:cNvPicPr>
+            <a:picLocks noChangeAspect="1"/>
+          </p:cNvPicPr>
+          <p:nvPr/>
+        </p:nvPicPr>
+        <p:blipFill>
+          <a:blip r:embed="rId5"/>
+          <a:stretch>
+            <a:fillRect/>
+          </a:stretch>
+        </p:blipFill>
+        <p:spPr>
+          <a:xfrm>
+            <a:off x="7420419" y="4539242"/>
+            <a:ext cx="4414870" cy="2066940"/>
+          </a:xfrm>
+          <a:prstGeom prst="rect">
+            <a:avLst/>
+          </a:prstGeom>
+        </p:spPr>
+      </p:pic>
+      <p:pic>
+        <p:nvPicPr>
+          <p:cNvPr id="6" name="Picture 5">
+            <a:extLst>
+              <a:ext uri="{FF2B5EF4-FFF2-40B4-BE49-F238E27FC236}">
+                <a16:creationId xmlns:a16="http://schemas.microsoft.com/office/drawing/2014/main" id="{C410D7C2-9D9E-4DFA-A6D9-17D1DF63A3AD}"/>
+              </a:ext>
+            </a:extLst>
+          </p:cNvPr>
+          <p:cNvPicPr>
+            <a:picLocks noChangeAspect="1"/>
+          </p:cNvPicPr>
+          <p:nvPr/>
+        </p:nvPicPr>
+        <p:blipFill>
+          <a:blip r:embed="rId6"/>
+          <a:stretch>
+            <a:fillRect/>
+          </a:stretch>
+        </p:blipFill>
+        <p:spPr>
+          <a:xfrm>
+            <a:off x="389555" y="4582105"/>
+            <a:ext cx="4414870" cy="1981214"/>
+          </a:xfrm>
+          <a:prstGeom prst="rect">
+            <a:avLst/>
+          </a:prstGeom>
+        </p:spPr>
+      </p:pic>
+      <p:pic>
+        <p:nvPicPr>
+          <p:cNvPr id="7" name="Picture 6">
+            <a:extLst>
+              <a:ext uri="{FF2B5EF4-FFF2-40B4-BE49-F238E27FC236}">
+                <a16:creationId xmlns:a16="http://schemas.microsoft.com/office/drawing/2014/main" id="{1BFAEDE1-92E5-4792-8FAB-4269AECAC48C}"/>
+              </a:ext>
+            </a:extLst>
+          </p:cNvPr>
+          <p:cNvPicPr>
+            <a:picLocks noChangeAspect="1"/>
+          </p:cNvPicPr>
+          <p:nvPr/>
+        </p:nvPicPr>
+        <p:blipFill>
+          <a:blip r:embed="rId7"/>
+          <a:stretch>
+            <a:fillRect/>
+          </a:stretch>
+        </p:blipFill>
+        <p:spPr>
+          <a:xfrm>
+            <a:off x="3414259" y="4211493"/>
+            <a:ext cx="4410107" cy="2009790"/>
+          </a:xfrm>
+          <a:prstGeom prst="rect">
+            <a:avLst/>
+          </a:prstGeom>
+        </p:spPr>
+      </p:pic>
     </p:spTree>
     <p:extLst>
       <p:ext uri="{BB962C8B-B14F-4D97-AF65-F5344CB8AC3E}">
-        <p14:creationId xmlns:p14="http://schemas.microsoft.com/office/powerpoint/2010/main" val="4143209574"/>
+        <p14:creationId xmlns:p14="http://schemas.microsoft.com/office/powerpoint/2010/main" val="3663649631"/>
       </p:ext>
     </p:extLst>
   </p:cSld>
@@ -5707,10 +5847,1287 @@
           <a:chExt cx="0" cy="0"/>
         </a:xfrm>
       </p:grpSpPr>
+      <p:pic>
+        <p:nvPicPr>
+          <p:cNvPr id="2" name="Picture 1">
+            <a:extLst>
+              <a:ext uri="{FF2B5EF4-FFF2-40B4-BE49-F238E27FC236}">
+                <a16:creationId xmlns:a16="http://schemas.microsoft.com/office/drawing/2014/main" id="{FC421BB6-E2F7-4755-BB4D-A1E7F12DA175}"/>
+              </a:ext>
+            </a:extLst>
+          </p:cNvPr>
+          <p:cNvPicPr>
+            <a:picLocks noChangeAspect="1"/>
+          </p:cNvPicPr>
+          <p:nvPr/>
+        </p:nvPicPr>
+        <p:blipFill>
+          <a:blip r:embed="rId2"/>
+          <a:stretch>
+            <a:fillRect/>
+          </a:stretch>
+        </p:blipFill>
+        <p:spPr>
+          <a:xfrm>
+            <a:off x="323306" y="725523"/>
+            <a:ext cx="5114489" cy="6027545"/>
+          </a:xfrm>
+          <a:prstGeom prst="rect">
+            <a:avLst/>
+          </a:prstGeom>
+        </p:spPr>
+      </p:pic>
+      <p:sp>
+        <p:nvSpPr>
+          <p:cNvPr id="3" name="TextBox 2">
+            <a:extLst>
+              <a:ext uri="{FF2B5EF4-FFF2-40B4-BE49-F238E27FC236}">
+                <a16:creationId xmlns:a16="http://schemas.microsoft.com/office/drawing/2014/main" id="{E35034D5-894C-414C-B0C2-52E2DE1401B6}"/>
+              </a:ext>
+            </a:extLst>
+          </p:cNvPr>
+          <p:cNvSpPr txBox="1"/>
+          <p:nvPr/>
+        </p:nvSpPr>
+        <p:spPr>
+          <a:xfrm>
+            <a:off x="287811" y="254833"/>
+            <a:ext cx="5456420" cy="369332"/>
+          </a:xfrm>
+          <a:prstGeom prst="rect">
+            <a:avLst/>
+          </a:prstGeom>
+          <a:noFill/>
+        </p:spPr>
+        <p:txBody>
+          <a:bodyPr wrap="square" rtlCol="0">
+            <a:spAutoFit/>
+          </a:bodyPr>
+          <a:lstStyle/>
+          <a:p>
+            <a:pPr algn="l"/>
+            <a:r>
+              <a:rPr kumimoji="1" lang="en-US" altLang="ja-JP" dirty="0" err="1">
+                <a:latin typeface="Verdana" panose="020B0604030504040204" pitchFamily="34" charset="0"/>
+              </a:rPr>
+              <a:t>Src</a:t>
+            </a:r>
+            <a:r>
+              <a:rPr kumimoji="1" lang="en-US" altLang="ja-JP" dirty="0">
+                <a:latin typeface="Verdana" panose="020B0604030504040204" pitchFamily="34" charset="0"/>
+              </a:rPr>
+              <a:t>/components/Message/QuickReplies.js</a:t>
+            </a:r>
+            <a:endParaRPr kumimoji="1" lang="ja-JP" altLang="en-US" dirty="0">
+              <a:latin typeface="Verdana" panose="020B0604030504040204" pitchFamily="34" charset="0"/>
+            </a:endParaRPr>
+          </a:p>
+        </p:txBody>
+      </p:sp>
+      <p:pic>
+        <p:nvPicPr>
+          <p:cNvPr id="4" name="Picture 3">
+            <a:extLst>
+              <a:ext uri="{FF2B5EF4-FFF2-40B4-BE49-F238E27FC236}">
+                <a16:creationId xmlns:a16="http://schemas.microsoft.com/office/drawing/2014/main" id="{5E8AA991-1ECB-44D2-AD77-A8EA8E716EB7}"/>
+              </a:ext>
+            </a:extLst>
+          </p:cNvPr>
+          <p:cNvPicPr>
+            <a:picLocks noChangeAspect="1"/>
+          </p:cNvPicPr>
+          <p:nvPr/>
+        </p:nvPicPr>
+        <p:blipFill>
+          <a:blip r:embed="rId3"/>
+          <a:stretch>
+            <a:fillRect/>
+          </a:stretch>
+        </p:blipFill>
+        <p:spPr>
+          <a:xfrm>
+            <a:off x="6157477" y="781348"/>
+            <a:ext cx="5076151" cy="2957947"/>
+          </a:xfrm>
+          <a:prstGeom prst="rect">
+            <a:avLst/>
+          </a:prstGeom>
+        </p:spPr>
+      </p:pic>
+      <p:sp>
+        <p:nvSpPr>
+          <p:cNvPr id="5" name="Rectangle: Rounded Corners 4">
+            <a:extLst>
+              <a:ext uri="{FF2B5EF4-FFF2-40B4-BE49-F238E27FC236}">
+                <a16:creationId xmlns:a16="http://schemas.microsoft.com/office/drawing/2014/main" id="{3C359FBE-CFAF-4FE3-8229-D9807FC87B6D}"/>
+              </a:ext>
+            </a:extLst>
+          </p:cNvPr>
+          <p:cNvSpPr/>
+          <p:nvPr/>
+        </p:nvSpPr>
+        <p:spPr>
+          <a:xfrm>
+            <a:off x="1295150" y="2827145"/>
+            <a:ext cx="4089317" cy="293807"/>
+          </a:xfrm>
+          <a:prstGeom prst="roundRect">
+            <a:avLst/>
+          </a:prstGeom>
+          <a:noFill/>
+          <a:ln w="25400">
+            <a:solidFill>
+              <a:srgbClr val="00B0F0"/>
+            </a:solidFill>
+          </a:ln>
+        </p:spPr>
+        <p:style>
+          <a:lnRef idx="2">
+            <a:schemeClr val="accent1">
+              <a:shade val="50000"/>
+            </a:schemeClr>
+          </a:lnRef>
+          <a:fillRef idx="1">
+            <a:schemeClr val="accent1"/>
+          </a:fillRef>
+          <a:effectRef idx="0">
+            <a:schemeClr val="accent1"/>
+          </a:effectRef>
+          <a:fontRef idx="minor">
+            <a:schemeClr val="lt1"/>
+          </a:fontRef>
+        </p:style>
+        <p:txBody>
+          <a:bodyPr rtlCol="0" anchor="ctr"/>
+          <a:lstStyle/>
+          <a:p>
+            <a:pPr algn="ctr"/>
+            <a:endParaRPr kumimoji="1" lang="ja-JP" altLang="en-US"/>
+          </a:p>
+        </p:txBody>
+      </p:sp>
+      <p:cxnSp>
+        <p:nvCxnSpPr>
+          <p:cNvPr id="7" name="Connector: Elbow 6">
+            <a:extLst>
+              <a:ext uri="{FF2B5EF4-FFF2-40B4-BE49-F238E27FC236}">
+                <a16:creationId xmlns:a16="http://schemas.microsoft.com/office/drawing/2014/main" id="{82159475-2FC4-4FCF-A850-A98E3939CF5A}"/>
+              </a:ext>
+            </a:extLst>
+          </p:cNvPr>
+          <p:cNvCxnSpPr>
+            <a:cxnSpLocks/>
+            <a:endCxn id="10" idx="3"/>
+          </p:cNvCxnSpPr>
+          <p:nvPr/>
+        </p:nvCxnSpPr>
+        <p:spPr>
+          <a:xfrm rot="5400000">
+            <a:off x="2919109" y="3768653"/>
+            <a:ext cx="2790223" cy="1494821"/>
+          </a:xfrm>
+          <a:prstGeom prst="bentConnector2">
+            <a:avLst/>
+          </a:prstGeom>
+          <a:ln w="25400">
+            <a:solidFill>
+              <a:srgbClr val="00B0F0"/>
+            </a:solidFill>
+            <a:tailEnd type="triangle"/>
+          </a:ln>
+        </p:spPr>
+        <p:style>
+          <a:lnRef idx="1">
+            <a:schemeClr val="accent1"/>
+          </a:lnRef>
+          <a:fillRef idx="0">
+            <a:schemeClr val="accent1"/>
+          </a:fillRef>
+          <a:effectRef idx="0">
+            <a:schemeClr val="accent1"/>
+          </a:effectRef>
+          <a:fontRef idx="minor">
+            <a:schemeClr val="tx1"/>
+          </a:fontRef>
+        </p:style>
+      </p:cxnSp>
+      <p:sp>
+        <p:nvSpPr>
+          <p:cNvPr id="10" name="Rectangle: Rounded Corners 9">
+            <a:extLst>
+              <a:ext uri="{FF2B5EF4-FFF2-40B4-BE49-F238E27FC236}">
+                <a16:creationId xmlns:a16="http://schemas.microsoft.com/office/drawing/2014/main" id="{FC130D96-B613-4351-A1B6-99899C5ACC5F}"/>
+              </a:ext>
+            </a:extLst>
+          </p:cNvPr>
+          <p:cNvSpPr/>
+          <p:nvPr/>
+        </p:nvSpPr>
+        <p:spPr>
+          <a:xfrm>
+            <a:off x="1246512" y="5716621"/>
+            <a:ext cx="2320297" cy="389107"/>
+          </a:xfrm>
+          <a:prstGeom prst="roundRect">
+            <a:avLst/>
+          </a:prstGeom>
+          <a:noFill/>
+          <a:ln w="25400">
+            <a:solidFill>
+              <a:srgbClr val="00B0F0"/>
+            </a:solidFill>
+          </a:ln>
+        </p:spPr>
+        <p:style>
+          <a:lnRef idx="2">
+            <a:schemeClr val="accent1">
+              <a:shade val="50000"/>
+            </a:schemeClr>
+          </a:lnRef>
+          <a:fillRef idx="1">
+            <a:schemeClr val="accent1"/>
+          </a:fillRef>
+          <a:effectRef idx="0">
+            <a:schemeClr val="accent1"/>
+          </a:effectRef>
+          <a:fontRef idx="minor">
+            <a:schemeClr val="lt1"/>
+          </a:fontRef>
+        </p:style>
+        <p:txBody>
+          <a:bodyPr rtlCol="0" anchor="ctr"/>
+          <a:lstStyle/>
+          <a:p>
+            <a:pPr algn="ctr"/>
+            <a:endParaRPr kumimoji="1" lang="ja-JP" altLang="en-US"/>
+          </a:p>
+        </p:txBody>
+      </p:sp>
+      <p:sp>
+        <p:nvSpPr>
+          <p:cNvPr id="12" name="TextBox 11">
+            <a:extLst>
+              <a:ext uri="{FF2B5EF4-FFF2-40B4-BE49-F238E27FC236}">
+                <a16:creationId xmlns:a16="http://schemas.microsoft.com/office/drawing/2014/main" id="{177F2A18-625B-4479-ABF8-80BE43503200}"/>
+              </a:ext>
+            </a:extLst>
+          </p:cNvPr>
+          <p:cNvSpPr txBox="1"/>
+          <p:nvPr/>
+        </p:nvSpPr>
+        <p:spPr>
+          <a:xfrm>
+            <a:off x="3667328" y="3268605"/>
+            <a:ext cx="1582385" cy="307777"/>
+          </a:xfrm>
+          <a:prstGeom prst="rect">
+            <a:avLst/>
+          </a:prstGeom>
+          <a:noFill/>
+        </p:spPr>
+        <p:txBody>
+          <a:bodyPr wrap="square" rtlCol="0">
+            <a:spAutoFit/>
+          </a:bodyPr>
+          <a:lstStyle/>
+          <a:p>
+            <a:pPr algn="l"/>
+            <a:r>
+              <a:rPr lang="ja-JP" altLang="en-US" sz="1400" b="1" dirty="0">
+                <a:solidFill>
+                  <a:srgbClr val="00B0F0"/>
+                </a:solidFill>
+                <a:latin typeface="Verdana" panose="020B0604030504040204" pitchFamily="34" charset="0"/>
+                <a:ea typeface="Verdana" panose="020B0604030504040204" pitchFamily="34" charset="0"/>
+              </a:rPr>
+              <a:t>① </a:t>
+            </a:r>
+            <a:r>
+              <a:rPr kumimoji="1" lang="en-US" altLang="ja-JP" sz="1400" b="1" dirty="0">
+                <a:solidFill>
+                  <a:srgbClr val="00B0F0"/>
+                </a:solidFill>
+                <a:latin typeface="Verdana" panose="020B0604030504040204" pitchFamily="34" charset="0"/>
+                <a:ea typeface="Verdana" panose="020B0604030504040204" pitchFamily="34" charset="0"/>
+              </a:rPr>
+              <a:t>Replace</a:t>
+            </a:r>
+            <a:endParaRPr kumimoji="1" lang="ja-JP" altLang="en-US" sz="1400" b="1" dirty="0">
+              <a:solidFill>
+                <a:srgbClr val="00B0F0"/>
+              </a:solidFill>
+              <a:latin typeface="Verdana" panose="020B0604030504040204" pitchFamily="34" charset="0"/>
+            </a:endParaRPr>
+          </a:p>
+        </p:txBody>
+      </p:sp>
+      <p:sp>
+        <p:nvSpPr>
+          <p:cNvPr id="13" name="Rectangle: Rounded Corners 12">
+            <a:extLst>
+              <a:ext uri="{FF2B5EF4-FFF2-40B4-BE49-F238E27FC236}">
+                <a16:creationId xmlns:a16="http://schemas.microsoft.com/office/drawing/2014/main" id="{3C5D4265-A5D4-4CA3-B424-11FB6D03DE4C}"/>
+              </a:ext>
+            </a:extLst>
+          </p:cNvPr>
+          <p:cNvSpPr/>
+          <p:nvPr/>
+        </p:nvSpPr>
+        <p:spPr>
+          <a:xfrm>
+            <a:off x="567447" y="3739295"/>
+            <a:ext cx="4792493" cy="2946850"/>
+          </a:xfrm>
+          <a:prstGeom prst="roundRect">
+            <a:avLst/>
+          </a:prstGeom>
+          <a:noFill/>
+          <a:ln w="25400">
+            <a:solidFill>
+              <a:srgbClr val="00B0F0"/>
+            </a:solidFill>
+          </a:ln>
+        </p:spPr>
+        <p:style>
+          <a:lnRef idx="2">
+            <a:schemeClr val="accent1">
+              <a:shade val="50000"/>
+            </a:schemeClr>
+          </a:lnRef>
+          <a:fillRef idx="1">
+            <a:schemeClr val="accent1"/>
+          </a:fillRef>
+          <a:effectRef idx="0">
+            <a:schemeClr val="accent1"/>
+          </a:effectRef>
+          <a:fontRef idx="minor">
+            <a:schemeClr val="lt1"/>
+          </a:fontRef>
+        </p:style>
+        <p:txBody>
+          <a:bodyPr rot="0" spcFirstLastPara="0" vertOverflow="overflow" horzOverflow="overflow" vert="horz" wrap="square" lIns="91440" tIns="45720" rIns="91440" bIns="45720" numCol="1" spcCol="0" rtlCol="0" fromWordArt="0" anchor="ctr" anchorCtr="0" forceAA="0" compatLnSpc="1">
+            <a:prstTxWarp prst="textNoShape">
+              <a:avLst/>
+            </a:prstTxWarp>
+            <a:noAutofit/>
+          </a:bodyPr>
+          <a:lstStyle/>
+          <a:p>
+            <a:pPr algn="ctr"/>
+            <a:endParaRPr kumimoji="1" lang="ja-JP" altLang="en-US"/>
+          </a:p>
+        </p:txBody>
+      </p:sp>
+      <p:sp>
+        <p:nvSpPr>
+          <p:cNvPr id="14" name="TextBox 13">
+            <a:extLst>
+              <a:ext uri="{FF2B5EF4-FFF2-40B4-BE49-F238E27FC236}">
+                <a16:creationId xmlns:a16="http://schemas.microsoft.com/office/drawing/2014/main" id="{AA3FD392-C8FD-449B-8879-7901541C1F62}"/>
+              </a:ext>
+            </a:extLst>
+          </p:cNvPr>
+          <p:cNvSpPr txBox="1"/>
+          <p:nvPr/>
+        </p:nvSpPr>
+        <p:spPr>
+          <a:xfrm>
+            <a:off x="3816482" y="6303787"/>
+            <a:ext cx="6027909" cy="307777"/>
+          </a:xfrm>
+          <a:prstGeom prst="rect">
+            <a:avLst/>
+          </a:prstGeom>
+          <a:noFill/>
+        </p:spPr>
+        <p:txBody>
+          <a:bodyPr wrap="square" rtlCol="0">
+            <a:spAutoFit/>
+          </a:bodyPr>
+          <a:lstStyle/>
+          <a:p>
+            <a:pPr algn="l"/>
+            <a:r>
+              <a:rPr lang="ja-JP" altLang="en-US" sz="1400" b="1" dirty="0">
+                <a:solidFill>
+                  <a:srgbClr val="00B0F0"/>
+                </a:solidFill>
+                <a:latin typeface="Verdana" panose="020B0604030504040204" pitchFamily="34" charset="0"/>
+                <a:ea typeface="Verdana" panose="020B0604030504040204" pitchFamily="34" charset="0"/>
+              </a:rPr>
+              <a:t>② </a:t>
+            </a:r>
+            <a:r>
+              <a:rPr lang="en-US" altLang="ja-JP" sz="1400" b="1" dirty="0">
+                <a:solidFill>
+                  <a:srgbClr val="00B0F0"/>
+                </a:solidFill>
+                <a:latin typeface="Verdana" panose="020B0604030504040204" pitchFamily="34" charset="0"/>
+                <a:ea typeface="Verdana" panose="020B0604030504040204" pitchFamily="34" charset="0"/>
+              </a:rPr>
+              <a:t>Keep this part because several class names are new</a:t>
+            </a:r>
+            <a:endParaRPr kumimoji="1" lang="ja-JP" altLang="en-US" sz="1400" b="1" dirty="0">
+              <a:solidFill>
+                <a:srgbClr val="00B0F0"/>
+              </a:solidFill>
+              <a:latin typeface="Verdana" panose="020B0604030504040204" pitchFamily="34" charset="0"/>
+            </a:endParaRPr>
+          </a:p>
+        </p:txBody>
+      </p:sp>
+      <p:sp>
+        <p:nvSpPr>
+          <p:cNvPr id="16" name="Rectangle: Rounded Corners 15">
+            <a:extLst>
+              <a:ext uri="{FF2B5EF4-FFF2-40B4-BE49-F238E27FC236}">
+                <a16:creationId xmlns:a16="http://schemas.microsoft.com/office/drawing/2014/main" id="{74C3AFE7-D112-4C66-988A-CA4FBFA600E7}"/>
+              </a:ext>
+            </a:extLst>
+          </p:cNvPr>
+          <p:cNvSpPr/>
+          <p:nvPr/>
+        </p:nvSpPr>
+        <p:spPr>
+          <a:xfrm>
+            <a:off x="7376809" y="1870952"/>
+            <a:ext cx="1773664" cy="116732"/>
+          </a:xfrm>
+          <a:prstGeom prst="roundRect">
+            <a:avLst/>
+          </a:prstGeom>
+          <a:noFill/>
+          <a:ln w="25400">
+            <a:solidFill>
+              <a:srgbClr val="00B0F0"/>
+            </a:solidFill>
+          </a:ln>
+        </p:spPr>
+        <p:style>
+          <a:lnRef idx="2">
+            <a:schemeClr val="accent1">
+              <a:shade val="50000"/>
+            </a:schemeClr>
+          </a:lnRef>
+          <a:fillRef idx="1">
+            <a:schemeClr val="accent1"/>
+          </a:fillRef>
+          <a:effectRef idx="0">
+            <a:schemeClr val="accent1"/>
+          </a:effectRef>
+          <a:fontRef idx="minor">
+            <a:schemeClr val="lt1"/>
+          </a:fontRef>
+        </p:style>
+        <p:txBody>
+          <a:bodyPr rot="0" spcFirstLastPara="0" vertOverflow="overflow" horzOverflow="overflow" vert="horz" wrap="square" lIns="91440" tIns="45720" rIns="91440" bIns="45720" numCol="1" spcCol="0" rtlCol="0" fromWordArt="0" anchor="ctr" anchorCtr="0" forceAA="0" compatLnSpc="1">
+            <a:prstTxWarp prst="textNoShape">
+              <a:avLst/>
+            </a:prstTxWarp>
+            <a:noAutofit/>
+          </a:bodyPr>
+          <a:lstStyle/>
+          <a:p>
+            <a:pPr algn="ctr"/>
+            <a:endParaRPr kumimoji="1" lang="ja-JP" altLang="en-US"/>
+          </a:p>
+        </p:txBody>
+      </p:sp>
+      <p:sp>
+        <p:nvSpPr>
+          <p:cNvPr id="17" name="Rectangle: Rounded Corners 16">
+            <a:extLst>
+              <a:ext uri="{FF2B5EF4-FFF2-40B4-BE49-F238E27FC236}">
+                <a16:creationId xmlns:a16="http://schemas.microsoft.com/office/drawing/2014/main" id="{579E18D9-D8E5-435B-9801-722BFC3DEB9A}"/>
+              </a:ext>
+            </a:extLst>
+          </p:cNvPr>
+          <p:cNvSpPr/>
+          <p:nvPr/>
+        </p:nvSpPr>
+        <p:spPr>
+          <a:xfrm>
+            <a:off x="7548664" y="2600527"/>
+            <a:ext cx="1228927" cy="116732"/>
+          </a:xfrm>
+          <a:prstGeom prst="roundRect">
+            <a:avLst/>
+          </a:prstGeom>
+          <a:noFill/>
+          <a:ln w="25400">
+            <a:solidFill>
+              <a:srgbClr val="00B0F0"/>
+            </a:solidFill>
+          </a:ln>
+        </p:spPr>
+        <p:style>
+          <a:lnRef idx="2">
+            <a:schemeClr val="accent1">
+              <a:shade val="50000"/>
+            </a:schemeClr>
+          </a:lnRef>
+          <a:fillRef idx="1">
+            <a:schemeClr val="accent1"/>
+          </a:fillRef>
+          <a:effectRef idx="0">
+            <a:schemeClr val="accent1"/>
+          </a:effectRef>
+          <a:fontRef idx="minor">
+            <a:schemeClr val="lt1"/>
+          </a:fontRef>
+        </p:style>
+        <p:txBody>
+          <a:bodyPr rot="0" spcFirstLastPara="0" vertOverflow="overflow" horzOverflow="overflow" vert="horz" wrap="square" lIns="91440" tIns="45720" rIns="91440" bIns="45720" numCol="1" spcCol="0" rtlCol="0" fromWordArt="0" anchor="ctr" anchorCtr="0" forceAA="0" compatLnSpc="1">
+            <a:prstTxWarp prst="textNoShape">
+              <a:avLst/>
+            </a:prstTxWarp>
+            <a:noAutofit/>
+          </a:bodyPr>
+          <a:lstStyle/>
+          <a:p>
+            <a:pPr algn="ctr"/>
+            <a:endParaRPr kumimoji="1" lang="ja-JP" altLang="en-US"/>
+          </a:p>
+        </p:txBody>
+      </p:sp>
+      <p:sp>
+        <p:nvSpPr>
+          <p:cNvPr id="18" name="Rectangle: Rounded Corners 17">
+            <a:extLst>
+              <a:ext uri="{FF2B5EF4-FFF2-40B4-BE49-F238E27FC236}">
+                <a16:creationId xmlns:a16="http://schemas.microsoft.com/office/drawing/2014/main" id="{79478FFC-8606-447F-8A27-7BDAED395050}"/>
+              </a:ext>
+            </a:extLst>
+          </p:cNvPr>
+          <p:cNvSpPr/>
+          <p:nvPr/>
+        </p:nvSpPr>
+        <p:spPr>
+          <a:xfrm>
+            <a:off x="6830436" y="950742"/>
+            <a:ext cx="1133275" cy="200363"/>
+          </a:xfrm>
+          <a:prstGeom prst="roundRect">
+            <a:avLst/>
+          </a:prstGeom>
+          <a:noFill/>
+          <a:ln w="25400">
+            <a:solidFill>
+              <a:srgbClr val="00B0F0"/>
+            </a:solidFill>
+          </a:ln>
+        </p:spPr>
+        <p:style>
+          <a:lnRef idx="2">
+            <a:schemeClr val="accent1">
+              <a:shade val="50000"/>
+            </a:schemeClr>
+          </a:lnRef>
+          <a:fillRef idx="1">
+            <a:schemeClr val="accent1"/>
+          </a:fillRef>
+          <a:effectRef idx="0">
+            <a:schemeClr val="accent1"/>
+          </a:effectRef>
+          <a:fontRef idx="minor">
+            <a:schemeClr val="lt1"/>
+          </a:fontRef>
+        </p:style>
+        <p:txBody>
+          <a:bodyPr rot="0" spcFirstLastPara="0" vertOverflow="overflow" horzOverflow="overflow" vert="horz" wrap="square" lIns="91440" tIns="45720" rIns="91440" bIns="45720" numCol="1" spcCol="0" rtlCol="0" fromWordArt="0" anchor="ctr" anchorCtr="0" forceAA="0" compatLnSpc="1">
+            <a:prstTxWarp prst="textNoShape">
+              <a:avLst/>
+            </a:prstTxWarp>
+            <a:noAutofit/>
+          </a:bodyPr>
+          <a:lstStyle/>
+          <a:p>
+            <a:pPr algn="ctr"/>
+            <a:endParaRPr kumimoji="1" lang="ja-JP" altLang="en-US"/>
+          </a:p>
+        </p:txBody>
+      </p:sp>
+      <p:sp>
+        <p:nvSpPr>
+          <p:cNvPr id="19" name="Rectangle: Rounded Corners 18">
+            <a:extLst>
+              <a:ext uri="{FF2B5EF4-FFF2-40B4-BE49-F238E27FC236}">
+                <a16:creationId xmlns:a16="http://schemas.microsoft.com/office/drawing/2014/main" id="{4BE9A648-64CC-4632-BAF4-98E9B0B750A5}"/>
+              </a:ext>
+            </a:extLst>
+          </p:cNvPr>
+          <p:cNvSpPr/>
+          <p:nvPr/>
+        </p:nvSpPr>
+        <p:spPr>
+          <a:xfrm>
+            <a:off x="7074455" y="2800302"/>
+            <a:ext cx="4109111" cy="309569"/>
+          </a:xfrm>
+          <a:prstGeom prst="roundRect">
+            <a:avLst/>
+          </a:prstGeom>
+          <a:noFill/>
+          <a:ln w="25400">
+            <a:solidFill>
+              <a:srgbClr val="00B0F0"/>
+            </a:solidFill>
+          </a:ln>
+        </p:spPr>
+        <p:style>
+          <a:lnRef idx="2">
+            <a:schemeClr val="accent1">
+              <a:shade val="50000"/>
+            </a:schemeClr>
+          </a:lnRef>
+          <a:fillRef idx="1">
+            <a:schemeClr val="accent1"/>
+          </a:fillRef>
+          <a:effectRef idx="0">
+            <a:schemeClr val="accent1"/>
+          </a:effectRef>
+          <a:fontRef idx="minor">
+            <a:schemeClr val="lt1"/>
+          </a:fontRef>
+        </p:style>
+        <p:txBody>
+          <a:bodyPr rot="0" spcFirstLastPara="0" vertOverflow="overflow" horzOverflow="overflow" vert="horz" wrap="square" lIns="91440" tIns="45720" rIns="91440" bIns="45720" numCol="1" spcCol="0" rtlCol="0" fromWordArt="0" anchor="ctr" anchorCtr="0" forceAA="0" compatLnSpc="1">
+            <a:prstTxWarp prst="textNoShape">
+              <a:avLst/>
+            </a:prstTxWarp>
+            <a:noAutofit/>
+          </a:bodyPr>
+          <a:lstStyle/>
+          <a:p>
+            <a:pPr algn="ctr"/>
+            <a:endParaRPr kumimoji="1" lang="ja-JP" altLang="en-US"/>
+          </a:p>
+        </p:txBody>
+      </p:sp>
+    </p:spTree>
+    <p:extLst>
+      <p:ext uri="{BB962C8B-B14F-4D97-AF65-F5344CB8AC3E}">
+        <p14:creationId xmlns:p14="http://schemas.microsoft.com/office/powerpoint/2010/main" val="1725677752"/>
+      </p:ext>
+    </p:extLst>
+  </p:cSld>
+  <p:clrMapOvr>
+    <a:masterClrMapping/>
+  </p:clrMapOvr>
+</p:sld>
+</file>
+
+<file path=ppt/slides/slide23.xml><?xml version="1.0" encoding="utf-8"?>
+<p:sld xmlns:a="http://schemas.openxmlformats.org/drawingml/2006/main" xmlns:r="http://schemas.openxmlformats.org/officeDocument/2006/relationships" xmlns:p="http://schemas.openxmlformats.org/presentationml/2006/main">
+  <p:cSld>
+    <p:spTree>
+      <p:nvGrpSpPr>
+        <p:cNvPr id="1" name=""/>
+        <p:cNvGrpSpPr/>
+        <p:nvPr/>
+      </p:nvGrpSpPr>
+      <p:grpSpPr>
+        <a:xfrm>
+          <a:off x="0" y="0"/>
+          <a:ext cx="0" cy="0"/>
+          <a:chOff x="0" y="0"/>
+          <a:chExt cx="0" cy="0"/>
+        </a:xfrm>
+      </p:grpSpPr>
+      <p:pic>
+        <p:nvPicPr>
+          <p:cNvPr id="2" name="Picture 1">
+            <a:extLst>
+              <a:ext uri="{FF2B5EF4-FFF2-40B4-BE49-F238E27FC236}">
+                <a16:creationId xmlns:a16="http://schemas.microsoft.com/office/drawing/2014/main" id="{AD2F1336-DB11-4BD9-A9FE-3E83AA29526B}"/>
+              </a:ext>
+            </a:extLst>
+          </p:cNvPr>
+          <p:cNvPicPr>
+            <a:picLocks noChangeAspect="1"/>
+          </p:cNvPicPr>
+          <p:nvPr/>
+        </p:nvPicPr>
+        <p:blipFill>
+          <a:blip r:embed="rId2"/>
+          <a:stretch>
+            <a:fillRect/>
+          </a:stretch>
+        </p:blipFill>
+        <p:spPr>
+          <a:xfrm>
+            <a:off x="2623311" y="788483"/>
+            <a:ext cx="2155553" cy="1854778"/>
+          </a:xfrm>
+          <a:prstGeom prst="rect">
+            <a:avLst/>
+          </a:prstGeom>
+        </p:spPr>
+      </p:pic>
+      <p:pic>
+        <p:nvPicPr>
+          <p:cNvPr id="3" name="Picture 2">
+            <a:extLst>
+              <a:ext uri="{FF2B5EF4-FFF2-40B4-BE49-F238E27FC236}">
+                <a16:creationId xmlns:a16="http://schemas.microsoft.com/office/drawing/2014/main" id="{DE86E2DA-056D-4736-B134-D7675D77ABA7}"/>
+              </a:ext>
+            </a:extLst>
+          </p:cNvPr>
+          <p:cNvPicPr>
+            <a:picLocks noChangeAspect="1"/>
+          </p:cNvPicPr>
+          <p:nvPr/>
+        </p:nvPicPr>
+        <p:blipFill>
+          <a:blip r:embed="rId3"/>
+          <a:stretch>
+            <a:fillRect/>
+          </a:stretch>
+        </p:blipFill>
+        <p:spPr>
+          <a:xfrm>
+            <a:off x="5124025" y="677556"/>
+            <a:ext cx="2137602" cy="5257050"/>
+          </a:xfrm>
+          <a:prstGeom prst="rect">
+            <a:avLst/>
+          </a:prstGeom>
+        </p:spPr>
+      </p:pic>
+      <p:sp>
+        <p:nvSpPr>
+          <p:cNvPr id="4" name="TextBox 3">
+            <a:extLst>
+              <a:ext uri="{FF2B5EF4-FFF2-40B4-BE49-F238E27FC236}">
+                <a16:creationId xmlns:a16="http://schemas.microsoft.com/office/drawing/2014/main" id="{752A79AA-E872-4665-8FB0-376F8946B244}"/>
+              </a:ext>
+            </a:extLst>
+          </p:cNvPr>
+          <p:cNvSpPr txBox="1"/>
+          <p:nvPr/>
+        </p:nvSpPr>
+        <p:spPr>
+          <a:xfrm>
+            <a:off x="560632" y="266825"/>
+            <a:ext cx="5270542" cy="369332"/>
+          </a:xfrm>
+          <a:prstGeom prst="rect">
+            <a:avLst/>
+          </a:prstGeom>
+          <a:noFill/>
+        </p:spPr>
+        <p:txBody>
+          <a:bodyPr wrap="square" rtlCol="0">
+            <a:spAutoFit/>
+          </a:bodyPr>
+          <a:lstStyle/>
+          <a:p>
+            <a:pPr algn="l"/>
+            <a:r>
+              <a:rPr lang="en-US" altLang="ja-JP" dirty="0">
+                <a:latin typeface="Verdana" panose="020B0604030504040204" pitchFamily="34" charset="0"/>
+              </a:rPr>
+              <a:t>All changed files.</a:t>
+            </a:r>
+            <a:endParaRPr kumimoji="1" lang="ja-JP" altLang="en-US" dirty="0">
+              <a:latin typeface="Verdana" panose="020B0604030504040204" pitchFamily="34" charset="0"/>
+            </a:endParaRPr>
+          </a:p>
+        </p:txBody>
+      </p:sp>
+    </p:spTree>
+    <p:extLst>
+      <p:ext uri="{BB962C8B-B14F-4D97-AF65-F5344CB8AC3E}">
+        <p14:creationId xmlns:p14="http://schemas.microsoft.com/office/powerpoint/2010/main" val="4143209574"/>
+      </p:ext>
+    </p:extLst>
+  </p:cSld>
+  <p:clrMapOvr>
+    <a:masterClrMapping/>
+  </p:clrMapOvr>
+</p:sld>
+</file>
+
+<file path=ppt/slides/slide24.xml><?xml version="1.0" encoding="utf-8"?>
+<p:sld xmlns:a="http://schemas.openxmlformats.org/drawingml/2006/main" xmlns:r="http://schemas.openxmlformats.org/officeDocument/2006/relationships" xmlns:p="http://schemas.openxmlformats.org/presentationml/2006/main">
+  <p:cSld>
+    <p:spTree>
+      <p:nvGrpSpPr>
+        <p:cNvPr id="1" name=""/>
+        <p:cNvGrpSpPr/>
+        <p:nvPr/>
+      </p:nvGrpSpPr>
+      <p:grpSpPr>
+        <a:xfrm>
+          <a:off x="0" y="0"/>
+          <a:ext cx="0" cy="0"/>
+          <a:chOff x="0" y="0"/>
+          <a:chExt cx="0" cy="0"/>
+        </a:xfrm>
+      </p:grpSpPr>
+      <p:sp>
+        <p:nvSpPr>
+          <p:cNvPr id="2" name="TextBox 1">
+            <a:extLst>
+              <a:ext uri="{FF2B5EF4-FFF2-40B4-BE49-F238E27FC236}">
+                <a16:creationId xmlns:a16="http://schemas.microsoft.com/office/drawing/2014/main" id="{69833933-0C80-4063-B235-4FB17D9D4523}"/>
+              </a:ext>
+            </a:extLst>
+          </p:cNvPr>
+          <p:cNvSpPr txBox="1"/>
+          <p:nvPr/>
+        </p:nvSpPr>
+        <p:spPr>
+          <a:xfrm>
+            <a:off x="363984" y="239697"/>
+            <a:ext cx="8495931" cy="369332"/>
+          </a:xfrm>
+          <a:prstGeom prst="rect">
+            <a:avLst/>
+          </a:prstGeom>
+          <a:noFill/>
+        </p:spPr>
+        <p:txBody>
+          <a:bodyPr wrap="square" rtlCol="0">
+            <a:spAutoFit/>
+          </a:bodyPr>
+          <a:lstStyle/>
+          <a:p>
+            <a:pPr algn="l"/>
+            <a:r>
+              <a:rPr lang="en-US" altLang="ja-JP" dirty="0">
+                <a:latin typeface="メイリオ" panose="020B0604030504040204" pitchFamily="50" charset="-128"/>
+                <a:ea typeface="メイリオ" panose="020B0604030504040204" pitchFamily="50" charset="-128"/>
+              </a:rPr>
+              <a:t>Additional info</a:t>
+            </a:r>
+            <a:endParaRPr kumimoji="1" lang="ja-JP" altLang="en-US" dirty="0">
+              <a:latin typeface="メイリオ" panose="020B0604030504040204" pitchFamily="50" charset="-128"/>
+              <a:ea typeface="メイリオ" panose="020B0604030504040204" pitchFamily="50" charset="-128"/>
+            </a:endParaRPr>
+          </a:p>
+        </p:txBody>
+      </p:sp>
+      <p:pic>
+        <p:nvPicPr>
+          <p:cNvPr id="3" name="Picture 2">
+            <a:extLst>
+              <a:ext uri="{FF2B5EF4-FFF2-40B4-BE49-F238E27FC236}">
+                <a16:creationId xmlns:a16="http://schemas.microsoft.com/office/drawing/2014/main" id="{FEA1B72D-392F-479A-86FC-74EA2C82A711}"/>
+              </a:ext>
+            </a:extLst>
+          </p:cNvPr>
+          <p:cNvPicPr>
+            <a:picLocks noChangeAspect="1"/>
+          </p:cNvPicPr>
+          <p:nvPr/>
+        </p:nvPicPr>
+        <p:blipFill>
+          <a:blip r:embed="rId2"/>
+          <a:stretch>
+            <a:fillRect/>
+          </a:stretch>
+        </p:blipFill>
+        <p:spPr>
+          <a:xfrm>
+            <a:off x="431534" y="1624567"/>
+            <a:ext cx="11322501" cy="415864"/>
+          </a:xfrm>
+          <a:prstGeom prst="rect">
+            <a:avLst/>
+          </a:prstGeom>
+        </p:spPr>
+      </p:pic>
+      <p:pic>
+        <p:nvPicPr>
+          <p:cNvPr id="4" name="Picture 3">
+            <a:extLst>
+              <a:ext uri="{FF2B5EF4-FFF2-40B4-BE49-F238E27FC236}">
+                <a16:creationId xmlns:a16="http://schemas.microsoft.com/office/drawing/2014/main" id="{EFC3ABF3-0964-48C8-9617-603958B049BF}"/>
+              </a:ext>
+            </a:extLst>
+          </p:cNvPr>
+          <p:cNvPicPr>
+            <a:picLocks noChangeAspect="1"/>
+          </p:cNvPicPr>
+          <p:nvPr/>
+        </p:nvPicPr>
+        <p:blipFill>
+          <a:blip r:embed="rId3"/>
+          <a:stretch>
+            <a:fillRect/>
+          </a:stretch>
+        </p:blipFill>
+        <p:spPr>
+          <a:xfrm>
+            <a:off x="431534" y="2423509"/>
+            <a:ext cx="11322500" cy="971619"/>
+          </a:xfrm>
+          <a:prstGeom prst="rect">
+            <a:avLst/>
+          </a:prstGeom>
+        </p:spPr>
+      </p:pic>
+      <p:sp>
+        <p:nvSpPr>
+          <p:cNvPr id="5" name="TextBox 4">
+            <a:extLst>
+              <a:ext uri="{FF2B5EF4-FFF2-40B4-BE49-F238E27FC236}">
+                <a16:creationId xmlns:a16="http://schemas.microsoft.com/office/drawing/2014/main" id="{3618A2E1-D5F7-439E-A060-2FDE608D20F0}"/>
+              </a:ext>
+            </a:extLst>
+          </p:cNvPr>
+          <p:cNvSpPr txBox="1"/>
+          <p:nvPr/>
+        </p:nvSpPr>
+        <p:spPr>
+          <a:xfrm>
+            <a:off x="363984" y="1225095"/>
+            <a:ext cx="8495931" cy="369332"/>
+          </a:xfrm>
+          <a:prstGeom prst="rect">
+            <a:avLst/>
+          </a:prstGeom>
+          <a:noFill/>
+        </p:spPr>
+        <p:txBody>
+          <a:bodyPr wrap="square" rtlCol="0">
+            <a:spAutoFit/>
+          </a:bodyPr>
+          <a:lstStyle/>
+          <a:p>
+            <a:pPr algn="l"/>
+            <a:r>
+              <a:rPr lang="en-US" altLang="ja-JP" dirty="0">
+                <a:latin typeface="メイリオ" panose="020B0604030504040204" pitchFamily="50" charset="-128"/>
+                <a:ea typeface="メイリオ" panose="020B0604030504040204" pitchFamily="50" charset="-128"/>
+              </a:rPr>
+              <a:t>Checking upstream</a:t>
+            </a:r>
+            <a:endParaRPr kumimoji="1" lang="ja-JP" altLang="en-US" dirty="0">
+              <a:latin typeface="メイリオ" panose="020B0604030504040204" pitchFamily="50" charset="-128"/>
+              <a:ea typeface="メイリオ" panose="020B0604030504040204" pitchFamily="50" charset="-128"/>
+            </a:endParaRPr>
+          </a:p>
+        </p:txBody>
+      </p:sp>
     </p:spTree>
     <p:extLst>
       <p:ext uri="{BB962C8B-B14F-4D97-AF65-F5344CB8AC3E}">
         <p14:creationId xmlns:p14="http://schemas.microsoft.com/office/powerpoint/2010/main" val="3509565482"/>
+      </p:ext>
+    </p:extLst>
+  </p:cSld>
+  <p:clrMapOvr>
+    <a:masterClrMapping/>
+  </p:clrMapOvr>
+</p:sld>
+</file>
+
+<file path=ppt/slides/slide25.xml><?xml version="1.0" encoding="utf-8"?>
+<p:sld xmlns:a="http://schemas.openxmlformats.org/drawingml/2006/main" xmlns:r="http://schemas.openxmlformats.org/officeDocument/2006/relationships" xmlns:p="http://schemas.openxmlformats.org/presentationml/2006/main">
+  <p:cSld>
+    <p:spTree>
+      <p:nvGrpSpPr>
+        <p:cNvPr id="1" name=""/>
+        <p:cNvGrpSpPr/>
+        <p:nvPr/>
+      </p:nvGrpSpPr>
+      <p:grpSpPr>
+        <a:xfrm>
+          <a:off x="0" y="0"/>
+          <a:ext cx="0" cy="0"/>
+          <a:chOff x="0" y="0"/>
+          <a:chExt cx="0" cy="0"/>
+        </a:xfrm>
+      </p:grpSpPr>
+      <p:pic>
+        <p:nvPicPr>
+          <p:cNvPr id="2" name="Picture 1">
+            <a:extLst>
+              <a:ext uri="{FF2B5EF4-FFF2-40B4-BE49-F238E27FC236}">
+                <a16:creationId xmlns:a16="http://schemas.microsoft.com/office/drawing/2014/main" id="{1600B4EB-5287-4066-B3EC-DF56D75225C9}"/>
+              </a:ext>
+            </a:extLst>
+          </p:cNvPr>
+          <p:cNvPicPr>
+            <a:picLocks noChangeAspect="1"/>
+          </p:cNvPicPr>
+          <p:nvPr/>
+        </p:nvPicPr>
+        <p:blipFill>
+          <a:blip r:embed="rId2"/>
+          <a:stretch>
+            <a:fillRect/>
+          </a:stretch>
+        </p:blipFill>
+        <p:spPr>
+          <a:xfrm>
+            <a:off x="431533" y="1067995"/>
+            <a:ext cx="11233721" cy="368319"/>
+          </a:xfrm>
+          <a:prstGeom prst="rect">
+            <a:avLst/>
+          </a:prstGeom>
+        </p:spPr>
+      </p:pic>
+      <p:pic>
+        <p:nvPicPr>
+          <p:cNvPr id="3" name="Picture 2">
+            <a:extLst>
+              <a:ext uri="{FF2B5EF4-FFF2-40B4-BE49-F238E27FC236}">
+                <a16:creationId xmlns:a16="http://schemas.microsoft.com/office/drawing/2014/main" id="{6C330E37-D25A-47F1-A327-554E682BF34F}"/>
+              </a:ext>
+            </a:extLst>
+          </p:cNvPr>
+          <p:cNvPicPr>
+            <a:picLocks noChangeAspect="1"/>
+          </p:cNvPicPr>
+          <p:nvPr/>
+        </p:nvPicPr>
+        <p:blipFill>
+          <a:blip r:embed="rId3"/>
+          <a:stretch>
+            <a:fillRect/>
+          </a:stretch>
+        </p:blipFill>
+        <p:spPr>
+          <a:xfrm>
+            <a:off x="431533" y="1759575"/>
+            <a:ext cx="11233721" cy="212224"/>
+          </a:xfrm>
+          <a:prstGeom prst="rect">
+            <a:avLst/>
+          </a:prstGeom>
+        </p:spPr>
+      </p:pic>
+      <p:pic>
+        <p:nvPicPr>
+          <p:cNvPr id="4" name="Picture 3">
+            <a:extLst>
+              <a:ext uri="{FF2B5EF4-FFF2-40B4-BE49-F238E27FC236}">
+                <a16:creationId xmlns:a16="http://schemas.microsoft.com/office/drawing/2014/main" id="{8E6B89C7-3970-4B4C-8C63-8ECC326BAFE4}"/>
+              </a:ext>
+            </a:extLst>
+          </p:cNvPr>
+          <p:cNvPicPr>
+            <a:picLocks noChangeAspect="1"/>
+          </p:cNvPicPr>
+          <p:nvPr/>
+        </p:nvPicPr>
+        <p:blipFill>
+          <a:blip r:embed="rId4"/>
+          <a:stretch>
+            <a:fillRect/>
+          </a:stretch>
+        </p:blipFill>
+        <p:spPr>
+          <a:xfrm>
+            <a:off x="431531" y="2565908"/>
+            <a:ext cx="11233723" cy="509981"/>
+          </a:xfrm>
+          <a:prstGeom prst="rect">
+            <a:avLst/>
+          </a:prstGeom>
+        </p:spPr>
+      </p:pic>
+      <p:pic>
+        <p:nvPicPr>
+          <p:cNvPr id="5" name="Picture 4">
+            <a:extLst>
+              <a:ext uri="{FF2B5EF4-FFF2-40B4-BE49-F238E27FC236}">
+                <a16:creationId xmlns:a16="http://schemas.microsoft.com/office/drawing/2014/main" id="{0BDDFBDE-347E-4266-8346-EEF8D2178BF7}"/>
+              </a:ext>
+            </a:extLst>
+          </p:cNvPr>
+          <p:cNvPicPr>
+            <a:picLocks noChangeAspect="1"/>
+          </p:cNvPicPr>
+          <p:nvPr/>
+        </p:nvPicPr>
+        <p:blipFill>
+          <a:blip r:embed="rId5"/>
+          <a:stretch>
+            <a:fillRect/>
+          </a:stretch>
+        </p:blipFill>
+        <p:spPr>
+          <a:xfrm>
+            <a:off x="431532" y="3673778"/>
+            <a:ext cx="11233724" cy="198451"/>
+          </a:xfrm>
+          <a:prstGeom prst="rect">
+            <a:avLst/>
+          </a:prstGeom>
+        </p:spPr>
+      </p:pic>
+      <p:pic>
+        <p:nvPicPr>
+          <p:cNvPr id="6" name="Picture 5">
+            <a:extLst>
+              <a:ext uri="{FF2B5EF4-FFF2-40B4-BE49-F238E27FC236}">
+                <a16:creationId xmlns:a16="http://schemas.microsoft.com/office/drawing/2014/main" id="{0763FA73-D148-474E-8B85-FF40A27604F3}"/>
+              </a:ext>
+            </a:extLst>
+          </p:cNvPr>
+          <p:cNvPicPr>
+            <a:picLocks noChangeAspect="1"/>
+          </p:cNvPicPr>
+          <p:nvPr/>
+        </p:nvPicPr>
+        <p:blipFill>
+          <a:blip r:embed="rId6"/>
+          <a:stretch>
+            <a:fillRect/>
+          </a:stretch>
+        </p:blipFill>
+        <p:spPr>
+          <a:xfrm>
+            <a:off x="431533" y="4163445"/>
+            <a:ext cx="11233725" cy="1201846"/>
+          </a:xfrm>
+          <a:prstGeom prst="rect">
+            <a:avLst/>
+          </a:prstGeom>
+        </p:spPr>
+      </p:pic>
+      <p:sp>
+        <p:nvSpPr>
+          <p:cNvPr id="7" name="TextBox 6">
+            <a:extLst>
+              <a:ext uri="{FF2B5EF4-FFF2-40B4-BE49-F238E27FC236}">
+                <a16:creationId xmlns:a16="http://schemas.microsoft.com/office/drawing/2014/main" id="{56F53FE1-70BB-43BE-BC13-0E145C136A0D}"/>
+              </a:ext>
+            </a:extLst>
+          </p:cNvPr>
+          <p:cNvSpPr txBox="1"/>
+          <p:nvPr/>
+        </p:nvSpPr>
+        <p:spPr>
+          <a:xfrm>
+            <a:off x="431531" y="453493"/>
+            <a:ext cx="8495931" cy="369332"/>
+          </a:xfrm>
+          <a:prstGeom prst="rect">
+            <a:avLst/>
+          </a:prstGeom>
+          <a:noFill/>
+        </p:spPr>
+        <p:txBody>
+          <a:bodyPr wrap="square" rtlCol="0">
+            <a:spAutoFit/>
+          </a:bodyPr>
+          <a:lstStyle/>
+          <a:p>
+            <a:pPr algn="l"/>
+            <a:r>
+              <a:rPr lang="en-US" altLang="ja-JP" dirty="0">
+                <a:latin typeface="メイリオ" panose="020B0604030504040204" pitchFamily="50" charset="-128"/>
+                <a:ea typeface="メイリオ" panose="020B0604030504040204" pitchFamily="50" charset="-128"/>
+              </a:rPr>
+              <a:t>Change upstream </a:t>
+            </a:r>
+            <a:endParaRPr kumimoji="1" lang="ja-JP" altLang="en-US" dirty="0">
+              <a:latin typeface="メイリオ" panose="020B0604030504040204" pitchFamily="50" charset="-128"/>
+              <a:ea typeface="メイリオ" panose="020B0604030504040204" pitchFamily="50" charset="-128"/>
+            </a:endParaRPr>
+          </a:p>
+        </p:txBody>
+      </p:sp>
+    </p:spTree>
+    <p:extLst>
+      <p:ext uri="{BB962C8B-B14F-4D97-AF65-F5344CB8AC3E}">
+        <p14:creationId xmlns:p14="http://schemas.microsoft.com/office/powerpoint/2010/main" val="2897502953"/>
+      </p:ext>
+    </p:extLst>
+  </p:cSld>
+  <p:clrMapOvr>
+    <a:masterClrMapping/>
+  </p:clrMapOvr>
+</p:sld>
+</file>
+
+<file path=ppt/slides/slide26.xml><?xml version="1.0" encoding="utf-8"?>
+<p:sld xmlns:a="http://schemas.openxmlformats.org/drawingml/2006/main" xmlns:r="http://schemas.openxmlformats.org/officeDocument/2006/relationships" xmlns:p="http://schemas.openxmlformats.org/presentationml/2006/main">
+  <p:cSld>
+    <p:spTree>
+      <p:nvGrpSpPr>
+        <p:cNvPr id="1" name=""/>
+        <p:cNvGrpSpPr/>
+        <p:nvPr/>
+      </p:nvGrpSpPr>
+      <p:grpSpPr>
+        <a:xfrm>
+          <a:off x="0" y="0"/>
+          <a:ext cx="0" cy="0"/>
+          <a:chOff x="0" y="0"/>
+          <a:chExt cx="0" cy="0"/>
+        </a:xfrm>
+      </p:grpSpPr>
+      <p:pic>
+        <p:nvPicPr>
+          <p:cNvPr id="2" name="Picture 1">
+            <a:extLst>
+              <a:ext uri="{FF2B5EF4-FFF2-40B4-BE49-F238E27FC236}">
+                <a16:creationId xmlns:a16="http://schemas.microsoft.com/office/drawing/2014/main" id="{C83DDC2F-BA1C-4312-80AA-011E31AF5EDD}"/>
+              </a:ext>
+            </a:extLst>
+          </p:cNvPr>
+          <p:cNvPicPr>
+            <a:picLocks noChangeAspect="1"/>
+          </p:cNvPicPr>
+          <p:nvPr/>
+        </p:nvPicPr>
+        <p:blipFill>
+          <a:blip r:embed="rId2"/>
+          <a:stretch>
+            <a:fillRect/>
+          </a:stretch>
+        </p:blipFill>
+        <p:spPr>
+          <a:xfrm>
+            <a:off x="494624" y="427552"/>
+            <a:ext cx="11140649" cy="3690164"/>
+          </a:xfrm>
+          <a:prstGeom prst="rect">
+            <a:avLst/>
+          </a:prstGeom>
+        </p:spPr>
+      </p:pic>
+    </p:spTree>
+    <p:extLst>
+      <p:ext uri="{BB962C8B-B14F-4D97-AF65-F5344CB8AC3E}">
+        <p14:creationId xmlns:p14="http://schemas.microsoft.com/office/powerpoint/2010/main" val="2745568925"/>
+      </p:ext>
+    </p:extLst>
+  </p:cSld>
+  <p:clrMapOvr>
+    <a:masterClrMapping/>
+  </p:clrMapOvr>
+</p:sld>
+</file>
+
+<file path=ppt/slides/slide27.xml><?xml version="1.0" encoding="utf-8"?>
+<p:sld xmlns:a="http://schemas.openxmlformats.org/drawingml/2006/main" xmlns:r="http://schemas.openxmlformats.org/officeDocument/2006/relationships" xmlns:p="http://schemas.openxmlformats.org/presentationml/2006/main">
+  <p:cSld>
+    <p:spTree>
+      <p:nvGrpSpPr>
+        <p:cNvPr id="1" name=""/>
+        <p:cNvGrpSpPr/>
+        <p:nvPr/>
+      </p:nvGrpSpPr>
+      <p:grpSpPr>
+        <a:xfrm>
+          <a:off x="0" y="0"/>
+          <a:ext cx="0" cy="0"/>
+          <a:chOff x="0" y="0"/>
+          <a:chExt cx="0" cy="0"/>
+        </a:xfrm>
+      </p:grpSpPr>
+    </p:spTree>
+    <p:extLst>
+      <p:ext uri="{BB962C8B-B14F-4D97-AF65-F5344CB8AC3E}">
+        <p14:creationId xmlns:p14="http://schemas.microsoft.com/office/powerpoint/2010/main" val="1987807634"/>
       </p:ext>
     </p:extLst>
   </p:cSld>
@@ -5742,7 +7159,7 @@
           <p:cNvPr id="2" name="Picture 1">
             <a:extLst>
               <a:ext uri="{FF2B5EF4-FFF2-40B4-BE49-F238E27FC236}">
-                <a16:creationId xmlns:a16="http://schemas.microsoft.com/office/drawing/2014/main" id="{4A2FE271-5C98-4A63-B3A3-706C9C47A31E}"/>
+                <a16:creationId xmlns:a16="http://schemas.microsoft.com/office/drawing/2014/main" id="{497996B7-4C1A-4ADB-9E1C-9803BB2A5302}"/>
               </a:ext>
             </a:extLst>
           </p:cNvPr>
@@ -5759,8 +7176,8 @@
         </p:blipFill>
         <p:spPr>
           <a:xfrm>
-            <a:off x="337894" y="998351"/>
-            <a:ext cx="10835293" cy="2516682"/>
+            <a:off x="314062" y="1258277"/>
+            <a:ext cx="11337424" cy="3274645"/>
           </a:xfrm>
           <a:prstGeom prst="rect">
             <a:avLst/>
@@ -5772,7 +7189,7 @@
           <p:cNvPr id="3" name="TextBox 2">
             <a:extLst>
               <a:ext uri="{FF2B5EF4-FFF2-40B4-BE49-F238E27FC236}">
-                <a16:creationId xmlns:a16="http://schemas.microsoft.com/office/drawing/2014/main" id="{306DE10B-7B4F-4972-B57B-3B4523E44133}"/>
+                <a16:creationId xmlns:a16="http://schemas.microsoft.com/office/drawing/2014/main" id="{E2E2C80F-78E5-4031-B09F-1897D4BAE6E9}"/>
               </a:ext>
             </a:extLst>
           </p:cNvPr>
@@ -5799,7 +7216,7 @@
               <a:rPr lang="en-US" altLang="ja-JP" dirty="0">
                 <a:latin typeface="Verdana" panose="020B0604030504040204" pitchFamily="34" charset="0"/>
               </a:rPr>
-              <a:t>Execute “git merge upstream/master”.</a:t>
+              <a:t>Before “git merge upstream/master”.</a:t>
             </a:r>
             <a:endParaRPr kumimoji="1" lang="ja-JP" altLang="en-US" dirty="0">
               <a:latin typeface="Verdana" panose="020B0604030504040204" pitchFamily="34" charset="0"/>
@@ -5807,60 +7224,10 @@
           </a:p>
         </p:txBody>
       </p:sp>
-      <p:sp>
-        <p:nvSpPr>
-          <p:cNvPr id="6" name="TextBox 5">
-            <a:extLst>
-              <a:ext uri="{FF2B5EF4-FFF2-40B4-BE49-F238E27FC236}">
-                <a16:creationId xmlns:a16="http://schemas.microsoft.com/office/drawing/2014/main" id="{8868A95D-F48E-440C-B822-71113D8D991F}"/>
-              </a:ext>
-            </a:extLst>
-          </p:cNvPr>
-          <p:cNvSpPr txBox="1"/>
-          <p:nvPr/>
-        </p:nvSpPr>
-        <p:spPr>
-          <a:xfrm>
-            <a:off x="337894" y="3681046"/>
-            <a:ext cx="10835293" cy="646331"/>
-          </a:xfrm>
-          <a:prstGeom prst="rect">
-            <a:avLst/>
-          </a:prstGeom>
-          <a:noFill/>
-        </p:spPr>
-        <p:txBody>
-          <a:bodyPr wrap="square" rtlCol="0">
-            <a:spAutoFit/>
-          </a:bodyPr>
-          <a:lstStyle/>
-          <a:p>
-            <a:pPr algn="l"/>
-            <a:r>
-              <a:rPr kumimoji="1" lang="en-US" altLang="ja-JP" dirty="0">
-                <a:latin typeface="Verdana" panose="020B0604030504040204" pitchFamily="34" charset="0"/>
-              </a:rPr>
-              <a:t>Several conflicts were happened.</a:t>
-            </a:r>
-          </a:p>
-          <a:p>
-            <a:pPr algn="l"/>
-            <a:r>
-              <a:rPr lang="en-US" altLang="ja-JP" dirty="0">
-                <a:latin typeface="Verdana" panose="020B0604030504040204" pitchFamily="34" charset="0"/>
-              </a:rPr>
-              <a:t>It is necessary to adjust manually.</a:t>
-            </a:r>
-            <a:endParaRPr kumimoji="1" lang="ja-JP" altLang="en-US" dirty="0">
-              <a:latin typeface="Verdana" panose="020B0604030504040204" pitchFamily="34" charset="0"/>
-            </a:endParaRPr>
-          </a:p>
-        </p:txBody>
-      </p:sp>
     </p:spTree>
     <p:extLst>
       <p:ext uri="{BB962C8B-B14F-4D97-AF65-F5344CB8AC3E}">
-        <p14:creationId xmlns:p14="http://schemas.microsoft.com/office/powerpoint/2010/main" val="4272896704"/>
+        <p14:creationId xmlns:p14="http://schemas.microsoft.com/office/powerpoint/2010/main" val="1719749781"/>
       </p:ext>
     </p:extLst>
   </p:cSld>
@@ -5892,7 +7259,7 @@
           <p:cNvPr id="2" name="Picture 1">
             <a:extLst>
               <a:ext uri="{FF2B5EF4-FFF2-40B4-BE49-F238E27FC236}">
-                <a16:creationId xmlns:a16="http://schemas.microsoft.com/office/drawing/2014/main" id="{84E4D82A-E710-4862-B1CA-11782347AF53}"/>
+                <a16:creationId xmlns:a16="http://schemas.microsoft.com/office/drawing/2014/main" id="{4A2FE271-5C98-4A63-B3A3-706C9C47A31E}"/>
               </a:ext>
             </a:extLst>
           </p:cNvPr>
@@ -5909,50 +7276,20 @@
         </p:blipFill>
         <p:spPr>
           <a:xfrm>
-            <a:off x="466028" y="746611"/>
-            <a:ext cx="6257818" cy="3356465"/>
+            <a:off x="337894" y="998351"/>
+            <a:ext cx="10835293" cy="2516682"/>
           </a:xfrm>
           <a:prstGeom prst="rect">
             <a:avLst/>
           </a:prstGeom>
         </p:spPr>
       </p:pic>
-      <p:pic>
-        <p:nvPicPr>
-          <p:cNvPr id="4" name="Picture 3">
-            <a:extLst>
-              <a:ext uri="{FF2B5EF4-FFF2-40B4-BE49-F238E27FC236}">
-                <a16:creationId xmlns:a16="http://schemas.microsoft.com/office/drawing/2014/main" id="{584DE89F-C948-4F21-AA52-0A89710E2928}"/>
-              </a:ext>
-            </a:extLst>
-          </p:cNvPr>
-          <p:cNvPicPr>
-            <a:picLocks noChangeAspect="1"/>
-          </p:cNvPicPr>
-          <p:nvPr/>
-        </p:nvPicPr>
-        <p:blipFill>
-          <a:blip r:embed="rId3"/>
-          <a:stretch>
-            <a:fillRect/>
-          </a:stretch>
-        </p:blipFill>
-        <p:spPr>
-          <a:xfrm>
-            <a:off x="5839142" y="2183027"/>
-            <a:ext cx="5078659" cy="4412916"/>
-          </a:xfrm>
-          <a:prstGeom prst="rect">
-            <a:avLst/>
-          </a:prstGeom>
-        </p:spPr>
-      </p:pic>
-      <p:sp>
-        <p:nvSpPr>
-          <p:cNvPr id="5" name="TextBox 4">
-            <a:extLst>
-              <a:ext uri="{FF2B5EF4-FFF2-40B4-BE49-F238E27FC236}">
-                <a16:creationId xmlns:a16="http://schemas.microsoft.com/office/drawing/2014/main" id="{49AD41B3-897C-4DC0-9168-694BA1A42C69}"/>
+      <p:sp>
+        <p:nvSpPr>
+          <p:cNvPr id="3" name="TextBox 2">
+            <a:extLst>
+              <a:ext uri="{FF2B5EF4-FFF2-40B4-BE49-F238E27FC236}">
+                <a16:creationId xmlns:a16="http://schemas.microsoft.com/office/drawing/2014/main" id="{306DE10B-7B4F-4972-B57B-3B4523E44133}"/>
               </a:ext>
             </a:extLst>
           </p:cNvPr>
@@ -5961,8 +7298,8 @@
         </p:nvSpPr>
         <p:spPr>
           <a:xfrm>
-            <a:off x="359508" y="171938"/>
-            <a:ext cx="10386646" cy="369332"/>
+            <a:off x="226646" y="554892"/>
+            <a:ext cx="9691077" cy="369332"/>
           </a:xfrm>
           <a:prstGeom prst="rect">
             <a:avLst/>
@@ -5975,24 +7312,61 @@
           </a:bodyPr>
           <a:lstStyle/>
           <a:p>
+            <a:r>
+              <a:rPr lang="en-US" altLang="ja-JP" dirty="0">
+                <a:latin typeface="Verdana" panose="020B0604030504040204" pitchFamily="34" charset="0"/>
+              </a:rPr>
+              <a:t>Execute “git merge upstream/master”.</a:t>
+            </a:r>
+            <a:endParaRPr kumimoji="1" lang="ja-JP" altLang="en-US" dirty="0">
+              <a:latin typeface="Verdana" panose="020B0604030504040204" pitchFamily="34" charset="0"/>
+            </a:endParaRPr>
+          </a:p>
+        </p:txBody>
+      </p:sp>
+      <p:sp>
+        <p:nvSpPr>
+          <p:cNvPr id="6" name="TextBox 5">
+            <a:extLst>
+              <a:ext uri="{FF2B5EF4-FFF2-40B4-BE49-F238E27FC236}">
+                <a16:creationId xmlns:a16="http://schemas.microsoft.com/office/drawing/2014/main" id="{8868A95D-F48E-440C-B822-71113D8D991F}"/>
+              </a:ext>
+            </a:extLst>
+          </p:cNvPr>
+          <p:cNvSpPr txBox="1"/>
+          <p:nvPr/>
+        </p:nvSpPr>
+        <p:spPr>
+          <a:xfrm>
+            <a:off x="337894" y="3681046"/>
+            <a:ext cx="10835293" cy="646331"/>
+          </a:xfrm>
+          <a:prstGeom prst="rect">
+            <a:avLst/>
+          </a:prstGeom>
+          <a:noFill/>
+        </p:spPr>
+        <p:txBody>
+          <a:bodyPr wrap="square" rtlCol="0">
+            <a:spAutoFit/>
+          </a:bodyPr>
+          <a:lstStyle/>
+          <a:p>
             <a:pPr algn="l"/>
             <a:r>
               <a:rPr kumimoji="1" lang="en-US" altLang="ja-JP" dirty="0">
                 <a:latin typeface="Verdana" panose="020B0604030504040204" pitchFamily="34" charset="0"/>
               </a:rPr>
-              <a:t>Conflicts in the </a:t>
-            </a:r>
-            <a:r>
-              <a:rPr kumimoji="1" lang="en-US" altLang="ja-JP" dirty="0" err="1">
+              <a:t>Several conflicts were happened.</a:t>
+            </a:r>
+          </a:p>
+          <a:p>
+            <a:pPr algn="l"/>
+            <a:r>
+              <a:rPr lang="en-US" altLang="ja-JP" dirty="0">
                 <a:latin typeface="Verdana" panose="020B0604030504040204" pitchFamily="34" charset="0"/>
               </a:rPr>
-              <a:t>sourcetree</a:t>
-            </a:r>
-            <a:r>
-              <a:rPr kumimoji="1" lang="en-US" altLang="ja-JP" dirty="0">
-                <a:latin typeface="Verdana" panose="020B0604030504040204" pitchFamily="34" charset="0"/>
-              </a:rPr>
-              <a:t> and the exact file contents.</a:t>
+              <a:t>It is necessary to adjust manually.</a:t>
             </a:r>
             <a:endParaRPr kumimoji="1" lang="ja-JP" altLang="en-US" dirty="0">
               <a:latin typeface="Verdana" panose="020B0604030504040204" pitchFamily="34" charset="0"/>
@@ -6003,7 +7377,7 @@
     </p:spTree>
     <p:extLst>
       <p:ext uri="{BB962C8B-B14F-4D97-AF65-F5344CB8AC3E}">
-        <p14:creationId xmlns:p14="http://schemas.microsoft.com/office/powerpoint/2010/main" val="640374768"/>
+        <p14:creationId xmlns:p14="http://schemas.microsoft.com/office/powerpoint/2010/main" val="4272896704"/>
       </p:ext>
     </p:extLst>
   </p:cSld>
@@ -6035,7 +7409,7 @@
           <p:cNvPr id="2" name="Picture 1">
             <a:extLst>
               <a:ext uri="{FF2B5EF4-FFF2-40B4-BE49-F238E27FC236}">
-                <a16:creationId xmlns:a16="http://schemas.microsoft.com/office/drawing/2014/main" id="{2F469B14-8849-4C35-AEE0-996AC12CA84E}"/>
+                <a16:creationId xmlns:a16="http://schemas.microsoft.com/office/drawing/2014/main" id="{4A2FE271-5C98-4A63-B3A3-706C9C47A31E}"/>
               </a:ext>
             </a:extLst>
           </p:cNvPr>
@@ -6052,50 +7426,20 @@
         </p:blipFill>
         <p:spPr>
           <a:xfrm>
-            <a:off x="425628" y="655547"/>
-            <a:ext cx="7097493" cy="3641646"/>
+            <a:off x="337894" y="998351"/>
+            <a:ext cx="10835293" cy="2516682"/>
           </a:xfrm>
           <a:prstGeom prst="rect">
             <a:avLst/>
           </a:prstGeom>
         </p:spPr>
       </p:pic>
-      <p:pic>
-        <p:nvPicPr>
-          <p:cNvPr id="3" name="Picture 2">
-            <a:extLst>
-              <a:ext uri="{FF2B5EF4-FFF2-40B4-BE49-F238E27FC236}">
-                <a16:creationId xmlns:a16="http://schemas.microsoft.com/office/drawing/2014/main" id="{9F0611B0-C570-4150-9584-142C15B2A43F}"/>
-              </a:ext>
-            </a:extLst>
-          </p:cNvPr>
-          <p:cNvPicPr>
-            <a:picLocks noChangeAspect="1"/>
-          </p:cNvPicPr>
-          <p:nvPr/>
-        </p:nvPicPr>
-        <p:blipFill>
-          <a:blip r:embed="rId3"/>
-          <a:stretch>
-            <a:fillRect/>
-          </a:stretch>
-        </p:blipFill>
-        <p:spPr>
-          <a:xfrm>
-            <a:off x="5475969" y="2802369"/>
-            <a:ext cx="6081717" cy="3268049"/>
-          </a:xfrm>
-          <a:prstGeom prst="rect">
-            <a:avLst/>
-          </a:prstGeom>
-        </p:spPr>
-      </p:pic>
-      <p:sp>
-        <p:nvSpPr>
-          <p:cNvPr id="4" name="TextBox 3">
-            <a:extLst>
-              <a:ext uri="{FF2B5EF4-FFF2-40B4-BE49-F238E27FC236}">
-                <a16:creationId xmlns:a16="http://schemas.microsoft.com/office/drawing/2014/main" id="{3D5FD22E-B8D7-4EB8-A1CE-A1691B329AB9}"/>
+      <p:sp>
+        <p:nvSpPr>
+          <p:cNvPr id="3" name="TextBox 2">
+            <a:extLst>
+              <a:ext uri="{FF2B5EF4-FFF2-40B4-BE49-F238E27FC236}">
+                <a16:creationId xmlns:a16="http://schemas.microsoft.com/office/drawing/2014/main" id="{306DE10B-7B4F-4972-B57B-3B4523E44133}"/>
               </a:ext>
             </a:extLst>
           </p:cNvPr>
@@ -6104,8 +7448,8 @@
         </p:nvSpPr>
         <p:spPr>
           <a:xfrm>
-            <a:off x="359508" y="171938"/>
-            <a:ext cx="10386646" cy="369332"/>
+            <a:off x="226646" y="554892"/>
+            <a:ext cx="9691077" cy="369332"/>
           </a:xfrm>
           <a:prstGeom prst="rect">
             <a:avLst/>
@@ -6118,24 +7462,61 @@
           </a:bodyPr>
           <a:lstStyle/>
           <a:p>
+            <a:r>
+              <a:rPr lang="en-US" altLang="ja-JP" dirty="0">
+                <a:latin typeface="Verdana" panose="020B0604030504040204" pitchFamily="34" charset="0"/>
+              </a:rPr>
+              <a:t>Execute “git merge upstream/master”.</a:t>
+            </a:r>
+            <a:endParaRPr kumimoji="1" lang="ja-JP" altLang="en-US" dirty="0">
+              <a:latin typeface="Verdana" panose="020B0604030504040204" pitchFamily="34" charset="0"/>
+            </a:endParaRPr>
+          </a:p>
+        </p:txBody>
+      </p:sp>
+      <p:sp>
+        <p:nvSpPr>
+          <p:cNvPr id="6" name="TextBox 5">
+            <a:extLst>
+              <a:ext uri="{FF2B5EF4-FFF2-40B4-BE49-F238E27FC236}">
+                <a16:creationId xmlns:a16="http://schemas.microsoft.com/office/drawing/2014/main" id="{8868A95D-F48E-440C-B822-71113D8D991F}"/>
+              </a:ext>
+            </a:extLst>
+          </p:cNvPr>
+          <p:cNvSpPr txBox="1"/>
+          <p:nvPr/>
+        </p:nvSpPr>
+        <p:spPr>
+          <a:xfrm>
+            <a:off x="337894" y="3681046"/>
+            <a:ext cx="10835293" cy="646331"/>
+          </a:xfrm>
+          <a:prstGeom prst="rect">
+            <a:avLst/>
+          </a:prstGeom>
+          <a:noFill/>
+        </p:spPr>
+        <p:txBody>
+          <a:bodyPr wrap="square" rtlCol="0">
+            <a:spAutoFit/>
+          </a:bodyPr>
+          <a:lstStyle/>
+          <a:p>
             <a:pPr algn="l"/>
             <a:r>
               <a:rPr kumimoji="1" lang="en-US" altLang="ja-JP" dirty="0">
                 <a:latin typeface="Verdana" panose="020B0604030504040204" pitchFamily="34" charset="0"/>
               </a:rPr>
-              <a:t>Conflicts in the </a:t>
-            </a:r>
-            <a:r>
-              <a:rPr kumimoji="1" lang="en-US" altLang="ja-JP" dirty="0" err="1">
+              <a:t>Several conflicts were happened.</a:t>
+            </a:r>
+          </a:p>
+          <a:p>
+            <a:pPr algn="l"/>
+            <a:r>
+              <a:rPr lang="en-US" altLang="ja-JP" dirty="0">
                 <a:latin typeface="Verdana" panose="020B0604030504040204" pitchFamily="34" charset="0"/>
               </a:rPr>
-              <a:t>sourcetree</a:t>
-            </a:r>
-            <a:r>
-              <a:rPr kumimoji="1" lang="en-US" altLang="ja-JP" dirty="0">
-                <a:latin typeface="Verdana" panose="020B0604030504040204" pitchFamily="34" charset="0"/>
-              </a:rPr>
-              <a:t> and the exact file contents.</a:t>
+              <a:t>It is necessary to adjust manually.</a:t>
             </a:r>
             <a:endParaRPr kumimoji="1" lang="ja-JP" altLang="en-US" dirty="0">
               <a:latin typeface="Verdana" panose="020B0604030504040204" pitchFamily="34" charset="0"/>
@@ -6143,10 +7524,82 @@
           </a:p>
         </p:txBody>
       </p:sp>
+      <p:sp>
+        <p:nvSpPr>
+          <p:cNvPr id="5" name="Rectangle: Rounded Corners 4">
+            <a:extLst>
+              <a:ext uri="{FF2B5EF4-FFF2-40B4-BE49-F238E27FC236}">
+                <a16:creationId xmlns:a16="http://schemas.microsoft.com/office/drawing/2014/main" id="{035AE5C6-07B8-4429-B3EE-63DFCE3696D5}"/>
+              </a:ext>
+            </a:extLst>
+          </p:cNvPr>
+          <p:cNvSpPr/>
+          <p:nvPr/>
+        </p:nvSpPr>
+        <p:spPr>
+          <a:xfrm>
+            <a:off x="761374" y="984018"/>
+            <a:ext cx="4457171" cy="216709"/>
+          </a:xfrm>
+          <a:prstGeom prst="roundRect">
+            <a:avLst/>
+          </a:prstGeom>
+          <a:solidFill>
+            <a:schemeClr val="bg1">
+              <a:lumMod val="50000"/>
+            </a:schemeClr>
+          </a:solidFill>
+          <a:ln w="25400">
+            <a:noFill/>
+          </a:ln>
+        </p:spPr>
+        <p:style>
+          <a:lnRef idx="2">
+            <a:schemeClr val="accent1">
+              <a:shade val="50000"/>
+            </a:schemeClr>
+          </a:lnRef>
+          <a:fillRef idx="1">
+            <a:schemeClr val="accent1"/>
+          </a:fillRef>
+          <a:effectRef idx="0">
+            <a:schemeClr val="accent1"/>
+          </a:effectRef>
+          <a:fontRef idx="minor">
+            <a:schemeClr val="lt1"/>
+          </a:fontRef>
+        </p:style>
+        <p:txBody>
+          <a:bodyPr rot="0" spcFirstLastPara="0" vertOverflow="overflow" horzOverflow="overflow" vert="horz" wrap="square" lIns="0" tIns="45720" rIns="0" bIns="45720" numCol="1" spcCol="0" rtlCol="0" fromWordArt="0" anchor="ctr" anchorCtr="0" forceAA="0" compatLnSpc="1">
+            <a:prstTxWarp prst="textNoShape">
+              <a:avLst/>
+            </a:prstTxWarp>
+            <a:noAutofit/>
+          </a:bodyPr>
+          <a:lstStyle/>
+          <a:p>
+            <a:r>
+              <a:rPr lang="en-US" altLang="ja-JP" sz="900" dirty="0">
+                <a:solidFill>
+                  <a:schemeClr val="bg1"/>
+                </a:solidFill>
+                <a:latin typeface="Verdana" panose="020B0604030504040204" pitchFamily="34" charset="0"/>
+              </a:rPr>
+              <a:t>&lt;Your local folder path that holds your local repository&gt;</a:t>
+            </a:r>
+            <a:endParaRPr lang="ja-JP" altLang="en-US" sz="900" dirty="0">
+              <a:solidFill>
+                <a:schemeClr val="bg1"/>
+              </a:solidFill>
+              <a:latin typeface="Verdana" panose="020B0604030504040204" pitchFamily="34" charset="0"/>
+            </a:endParaRPr>
+          </a:p>
+        </p:txBody>
+      </p:sp>
     </p:spTree>
     <p:extLst>
       <p:ext uri="{BB962C8B-B14F-4D97-AF65-F5344CB8AC3E}">
-        <p14:creationId xmlns:p14="http://schemas.microsoft.com/office/powerpoint/2010/main" val="3534265700"/>
+        <p14:creationId xmlns:p14="http://schemas.microsoft.com/office/powerpoint/2010/main" val="1713480008"/>
       </p:ext>
     </p:extLst>
   </p:cSld>
@@ -6178,7 +7631,7 @@
           <p:cNvPr id="2" name="Picture 1">
             <a:extLst>
               <a:ext uri="{FF2B5EF4-FFF2-40B4-BE49-F238E27FC236}">
-                <a16:creationId xmlns:a16="http://schemas.microsoft.com/office/drawing/2014/main" id="{8770C20D-0FA7-4EFB-A909-2C97A8D7D837}"/>
+                <a16:creationId xmlns:a16="http://schemas.microsoft.com/office/drawing/2014/main" id="{84E4D82A-E710-4862-B1CA-11782347AF53}"/>
               </a:ext>
             </a:extLst>
           </p:cNvPr>
@@ -6195,73 +7648,20 @@
         </p:blipFill>
         <p:spPr>
           <a:xfrm>
-            <a:off x="377695" y="776073"/>
-            <a:ext cx="5718305" cy="2035329"/>
+            <a:off x="466028" y="746611"/>
+            <a:ext cx="6257818" cy="3356465"/>
           </a:xfrm>
           <a:prstGeom prst="rect">
             <a:avLst/>
           </a:prstGeom>
         </p:spPr>
       </p:pic>
-      <p:sp>
-        <p:nvSpPr>
-          <p:cNvPr id="4" name="TextBox 3">
-            <a:extLst>
-              <a:ext uri="{FF2B5EF4-FFF2-40B4-BE49-F238E27FC236}">
-                <a16:creationId xmlns:a16="http://schemas.microsoft.com/office/drawing/2014/main" id="{04583AE2-BFE6-4F8A-A494-24007D251D26}"/>
-              </a:ext>
-            </a:extLst>
-          </p:cNvPr>
-          <p:cNvSpPr txBox="1"/>
-          <p:nvPr/>
-        </p:nvSpPr>
-        <p:spPr>
-          <a:xfrm>
-            <a:off x="359508" y="171938"/>
-            <a:ext cx="10386646" cy="369332"/>
-          </a:xfrm>
-          <a:prstGeom prst="rect">
-            <a:avLst/>
-          </a:prstGeom>
-          <a:noFill/>
-        </p:spPr>
-        <p:txBody>
-          <a:bodyPr wrap="square" rtlCol="0">
-            <a:spAutoFit/>
-          </a:bodyPr>
-          <a:lstStyle/>
-          <a:p>
-            <a:pPr algn="l"/>
-            <a:r>
-              <a:rPr kumimoji="1" lang="en-US" altLang="ja-JP" dirty="0">
-                <a:latin typeface="Verdana" panose="020B0604030504040204" pitchFamily="34" charset="0"/>
-              </a:rPr>
-              <a:t>Conflicts in the </a:t>
-            </a:r>
-            <a:r>
-              <a:rPr kumimoji="1" lang="en-US" altLang="ja-JP" dirty="0" err="1">
-                <a:latin typeface="Verdana" panose="020B0604030504040204" pitchFamily="34" charset="0"/>
-              </a:rPr>
-              <a:t>sourcetree</a:t>
-            </a:r>
-            <a:r>
-              <a:rPr kumimoji="1" lang="en-US" altLang="ja-JP" dirty="0">
-                <a:latin typeface="Verdana" panose="020B0604030504040204" pitchFamily="34" charset="0"/>
-              </a:rPr>
-              <a:t> and the exact file contents.</a:t>
-            </a:r>
-            <a:endParaRPr kumimoji="1" lang="ja-JP" altLang="en-US" dirty="0">
-              <a:latin typeface="Verdana" panose="020B0604030504040204" pitchFamily="34" charset="0"/>
-            </a:endParaRPr>
-          </a:p>
-        </p:txBody>
-      </p:sp>
       <p:pic>
         <p:nvPicPr>
-          <p:cNvPr id="5" name="Picture 4">
-            <a:extLst>
-              <a:ext uri="{FF2B5EF4-FFF2-40B4-BE49-F238E27FC236}">
-                <a16:creationId xmlns:a16="http://schemas.microsoft.com/office/drawing/2014/main" id="{68A58A0E-6E29-44FE-856A-1C869BA9F467}"/>
+          <p:cNvPr id="4" name="Picture 3">
+            <a:extLst>
+              <a:ext uri="{FF2B5EF4-FFF2-40B4-BE49-F238E27FC236}">
+                <a16:creationId xmlns:a16="http://schemas.microsoft.com/office/drawing/2014/main" id="{584DE89F-C948-4F21-AA52-0A89710E2928}"/>
               </a:ext>
             </a:extLst>
           </p:cNvPr>
@@ -6278,50 +7678,20 @@
         </p:blipFill>
         <p:spPr>
           <a:xfrm>
-            <a:off x="4575403" y="2506635"/>
-            <a:ext cx="7452474" cy="4179427"/>
+            <a:off x="5839142" y="2183027"/>
+            <a:ext cx="5078659" cy="4412916"/>
           </a:xfrm>
           <a:prstGeom prst="rect">
             <a:avLst/>
           </a:prstGeom>
         </p:spPr>
       </p:pic>
-      <p:pic>
-        <p:nvPicPr>
-          <p:cNvPr id="6" name="Picture 5">
-            <a:extLst>
-              <a:ext uri="{FF2B5EF4-FFF2-40B4-BE49-F238E27FC236}">
-                <a16:creationId xmlns:a16="http://schemas.microsoft.com/office/drawing/2014/main" id="{035F42B0-2708-489F-88BE-F41F8FF5D11A}"/>
-              </a:ext>
-            </a:extLst>
-          </p:cNvPr>
-          <p:cNvPicPr>
-            <a:picLocks noChangeAspect="1"/>
-          </p:cNvPicPr>
-          <p:nvPr/>
-        </p:nvPicPr>
-        <p:blipFill>
-          <a:blip r:embed="rId4"/>
-          <a:stretch>
-            <a:fillRect/>
-          </a:stretch>
-        </p:blipFill>
-        <p:spPr>
-          <a:xfrm>
-            <a:off x="359508" y="3829836"/>
-            <a:ext cx="4195793" cy="2043127"/>
-          </a:xfrm>
-          <a:prstGeom prst="rect">
-            <a:avLst/>
-          </a:prstGeom>
-        </p:spPr>
-      </p:pic>
-      <p:sp>
-        <p:nvSpPr>
-          <p:cNvPr id="7" name="TextBox 6">
-            <a:extLst>
-              <a:ext uri="{FF2B5EF4-FFF2-40B4-BE49-F238E27FC236}">
-                <a16:creationId xmlns:a16="http://schemas.microsoft.com/office/drawing/2014/main" id="{587C98C5-7408-4E79-A50F-0A4311B65DED}"/>
+      <p:sp>
+        <p:nvSpPr>
+          <p:cNvPr id="5" name="TextBox 4">
+            <a:extLst>
+              <a:ext uri="{FF2B5EF4-FFF2-40B4-BE49-F238E27FC236}">
+                <a16:creationId xmlns:a16="http://schemas.microsoft.com/office/drawing/2014/main" id="{49AD41B3-897C-4DC0-9168-694BA1A42C69}"/>
               </a:ext>
             </a:extLst>
           </p:cNvPr>
@@ -6330,8 +7700,8 @@
         </p:nvSpPr>
         <p:spPr>
           <a:xfrm>
-            <a:off x="377695" y="3429000"/>
-            <a:ext cx="3490920" cy="369332"/>
+            <a:off x="359508" y="171938"/>
+            <a:ext cx="10386646" cy="369332"/>
           </a:xfrm>
           <a:prstGeom prst="rect">
             <a:avLst/>
@@ -6346,22 +7716,22 @@
           <a:p>
             <a:pPr algn="l"/>
             <a:r>
-              <a:rPr lang="en-US" altLang="ja-JP" dirty="0" err="1">
-                <a:latin typeface="Verdana" panose="020B0604030504040204" pitchFamily="34" charset="0"/>
-              </a:rPr>
-              <a:t>ScreenShot</a:t>
-            </a:r>
-            <a:r>
-              <a:rPr lang="en-US" altLang="ja-JP" dirty="0">
-                <a:latin typeface="Verdana" panose="020B0604030504040204" pitchFamily="34" charset="0"/>
-              </a:rPr>
-              <a:t> f</a:t>
-            </a:r>
-            <a:r>
               <a:rPr kumimoji="1" lang="en-US" altLang="ja-JP" dirty="0">
                 <a:latin typeface="Verdana" panose="020B0604030504040204" pitchFamily="34" charset="0"/>
               </a:rPr>
-              <a:t>or the video</a:t>
+              <a:t>Conflicts in the </a:t>
+            </a:r>
+            <a:r>
+              <a:rPr kumimoji="1" lang="en-US" altLang="ja-JP" dirty="0" err="1">
+                <a:latin typeface="Verdana" panose="020B0604030504040204" pitchFamily="34" charset="0"/>
+              </a:rPr>
+              <a:t>sourcetree</a:t>
+            </a:r>
+            <a:r>
+              <a:rPr kumimoji="1" lang="en-US" altLang="ja-JP" dirty="0">
+                <a:latin typeface="Verdana" panose="020B0604030504040204" pitchFamily="34" charset="0"/>
+              </a:rPr>
+              <a:t> and the exact file contents.</a:t>
             </a:r>
             <a:endParaRPr kumimoji="1" lang="ja-JP" altLang="en-US" dirty="0">
               <a:latin typeface="Verdana" panose="020B0604030504040204" pitchFamily="34" charset="0"/>
@@ -6372,7 +7742,7 @@
     </p:spTree>
     <p:extLst>
       <p:ext uri="{BB962C8B-B14F-4D97-AF65-F5344CB8AC3E}">
-        <p14:creationId xmlns:p14="http://schemas.microsoft.com/office/powerpoint/2010/main" val="3665609153"/>
+        <p14:creationId xmlns:p14="http://schemas.microsoft.com/office/powerpoint/2010/main" val="640374768"/>
       </p:ext>
     </p:extLst>
   </p:cSld>
@@ -6399,59 +7769,12 @@
           <a:chExt cx="0" cy="0"/>
         </a:xfrm>
       </p:grpSpPr>
-      <p:sp>
-        <p:nvSpPr>
-          <p:cNvPr id="2" name="TextBox 1">
-            <a:extLst>
-              <a:ext uri="{FF2B5EF4-FFF2-40B4-BE49-F238E27FC236}">
-                <a16:creationId xmlns:a16="http://schemas.microsoft.com/office/drawing/2014/main" id="{4CA2C04F-BD05-4C87-87F1-2E090467B919}"/>
-              </a:ext>
-            </a:extLst>
-          </p:cNvPr>
-          <p:cNvSpPr txBox="1"/>
-          <p:nvPr/>
-        </p:nvSpPr>
-        <p:spPr>
-          <a:xfrm>
-            <a:off x="203200" y="273538"/>
-            <a:ext cx="8721969" cy="369332"/>
-          </a:xfrm>
-          <a:prstGeom prst="rect">
-            <a:avLst/>
-          </a:prstGeom>
-          <a:noFill/>
-        </p:spPr>
-        <p:txBody>
-          <a:bodyPr wrap="square" rtlCol="0">
-            <a:spAutoFit/>
-          </a:bodyPr>
-          <a:lstStyle/>
-          <a:p>
-            <a:pPr algn="l"/>
-            <a:r>
-              <a:rPr kumimoji="1" lang="en-US" altLang="ja-JP" b="1" dirty="0">
-                <a:solidFill>
-                  <a:schemeClr val="accent1"/>
-                </a:solidFill>
-                <a:latin typeface="Verdana" panose="020B0604030504040204" pitchFamily="34" charset="0"/>
-              </a:rPr>
-              <a:t>Adjustments</a:t>
-            </a:r>
-            <a:endParaRPr kumimoji="1" lang="ja-JP" altLang="en-US" b="1" dirty="0">
-              <a:solidFill>
-                <a:schemeClr val="accent1"/>
-              </a:solidFill>
-              <a:latin typeface="Verdana" panose="020B0604030504040204" pitchFamily="34" charset="0"/>
-            </a:endParaRPr>
-          </a:p>
-        </p:txBody>
-      </p:sp>
       <p:pic>
         <p:nvPicPr>
-          <p:cNvPr id="3" name="Picture 2">
-            <a:extLst>
-              <a:ext uri="{FF2B5EF4-FFF2-40B4-BE49-F238E27FC236}">
-                <a16:creationId xmlns:a16="http://schemas.microsoft.com/office/drawing/2014/main" id="{21F20417-C567-4245-9439-DF8FD232B691}"/>
+          <p:cNvPr id="2" name="Picture 1">
+            <a:extLst>
+              <a:ext uri="{FF2B5EF4-FFF2-40B4-BE49-F238E27FC236}">
+                <a16:creationId xmlns:a16="http://schemas.microsoft.com/office/drawing/2014/main" id="{2F469B14-8849-4C35-AEE0-996AC12CA84E}"/>
               </a:ext>
             </a:extLst>
           </p:cNvPr>
@@ -6468,8 +7791,8 @@
         </p:blipFill>
         <p:spPr>
           <a:xfrm>
-            <a:off x="203200" y="1434308"/>
-            <a:ext cx="6744677" cy="2050382"/>
+            <a:off x="425628" y="655547"/>
+            <a:ext cx="7097493" cy="3641646"/>
           </a:xfrm>
           <a:prstGeom prst="rect">
             <a:avLst/>
@@ -6478,10 +7801,10 @@
       </p:pic>
       <p:pic>
         <p:nvPicPr>
-          <p:cNvPr id="4" name="Picture 3">
-            <a:extLst>
-              <a:ext uri="{FF2B5EF4-FFF2-40B4-BE49-F238E27FC236}">
-                <a16:creationId xmlns:a16="http://schemas.microsoft.com/office/drawing/2014/main" id="{8D0B3770-8B21-45C1-BF02-AA3CD5350E7B}"/>
+          <p:cNvPr id="3" name="Picture 2">
+            <a:extLst>
+              <a:ext uri="{FF2B5EF4-FFF2-40B4-BE49-F238E27FC236}">
+                <a16:creationId xmlns:a16="http://schemas.microsoft.com/office/drawing/2014/main" id="{9F0611B0-C570-4150-9584-142C15B2A43F}"/>
               </a:ext>
             </a:extLst>
           </p:cNvPr>
@@ -6498,80 +7821,20 @@
         </p:blipFill>
         <p:spPr>
           <a:xfrm>
-            <a:off x="268409" y="3681183"/>
-            <a:ext cx="4295775" cy="1238250"/>
+            <a:off x="5475969" y="2802369"/>
+            <a:ext cx="6081717" cy="3268049"/>
           </a:xfrm>
           <a:prstGeom prst="rect">
             <a:avLst/>
           </a:prstGeom>
         </p:spPr>
       </p:pic>
-      <p:pic>
-        <p:nvPicPr>
-          <p:cNvPr id="5" name="Picture 4">
-            <a:extLst>
-              <a:ext uri="{FF2B5EF4-FFF2-40B4-BE49-F238E27FC236}">
-                <a16:creationId xmlns:a16="http://schemas.microsoft.com/office/drawing/2014/main" id="{94553556-A90D-4B51-A07F-1742E8F6E1E7}"/>
-              </a:ext>
-            </a:extLst>
-          </p:cNvPr>
-          <p:cNvPicPr>
-            <a:picLocks noChangeAspect="1"/>
-          </p:cNvPicPr>
-          <p:nvPr/>
-        </p:nvPicPr>
-        <p:blipFill>
-          <a:blip r:embed="rId4"/>
-          <a:stretch>
-            <a:fillRect/>
-          </a:stretch>
-        </p:blipFill>
-        <p:spPr>
-          <a:xfrm>
-            <a:off x="268409" y="5115926"/>
-            <a:ext cx="7415043" cy="1460994"/>
-          </a:xfrm>
-          <a:prstGeom prst="rect">
-            <a:avLst/>
-          </a:prstGeom>
-        </p:spPr>
-      </p:pic>
-      <p:pic>
-        <p:nvPicPr>
-          <p:cNvPr id="6" name="Picture 5">
-            <a:extLst>
-              <a:ext uri="{FF2B5EF4-FFF2-40B4-BE49-F238E27FC236}">
-                <a16:creationId xmlns:a16="http://schemas.microsoft.com/office/drawing/2014/main" id="{175B1C1F-3787-4969-818D-47948759DB19}"/>
-              </a:ext>
-            </a:extLst>
-          </p:cNvPr>
-          <p:cNvPicPr>
-            <a:picLocks noChangeAspect="1"/>
-          </p:cNvPicPr>
-          <p:nvPr/>
-        </p:nvPicPr>
-        <p:blipFill>
-          <a:blip r:embed="rId5"/>
-          <a:stretch>
-            <a:fillRect/>
-          </a:stretch>
-        </p:blipFill>
-        <p:spPr>
-          <a:xfrm>
-            <a:off x="6947877" y="3800711"/>
-            <a:ext cx="3892061" cy="2856559"/>
-          </a:xfrm>
-          <a:prstGeom prst="rect">
-            <a:avLst/>
-          </a:prstGeom>
-        </p:spPr>
-      </p:pic>
-      <p:sp>
-        <p:nvSpPr>
-          <p:cNvPr id="7" name="TextBox 6">
-            <a:extLst>
-              <a:ext uri="{FF2B5EF4-FFF2-40B4-BE49-F238E27FC236}">
-                <a16:creationId xmlns:a16="http://schemas.microsoft.com/office/drawing/2014/main" id="{076BCDC5-6AEC-4499-BF1A-A183E5366C05}"/>
+      <p:sp>
+        <p:nvSpPr>
+          <p:cNvPr id="4" name="TextBox 3">
+            <a:extLst>
+              <a:ext uri="{FF2B5EF4-FFF2-40B4-BE49-F238E27FC236}">
+                <a16:creationId xmlns:a16="http://schemas.microsoft.com/office/drawing/2014/main" id="{3D5FD22E-B8D7-4EB8-A1CE-A1691B329AB9}"/>
               </a:ext>
             </a:extLst>
           </p:cNvPr>
@@ -6580,8 +7843,8 @@
         </p:nvSpPr>
         <p:spPr>
           <a:xfrm>
-            <a:off x="203200" y="773723"/>
-            <a:ext cx="11566769" cy="646331"/>
+            <a:off x="359508" y="171938"/>
+            <a:ext cx="10386646" cy="369332"/>
           </a:xfrm>
           <a:prstGeom prst="rect">
             <a:avLst/>
@@ -6596,34 +7859,22 @@
           <a:p>
             <a:pPr algn="l"/>
             <a:r>
-              <a:rPr lang="en-US" altLang="ja-JP" dirty="0">
+              <a:rPr kumimoji="1" lang="en-US" altLang="ja-JP" dirty="0">
                 <a:latin typeface="Verdana" panose="020B0604030504040204" pitchFamily="34" charset="0"/>
               </a:rPr>
-              <a:t>About </a:t>
-            </a:r>
-            <a:r>
-              <a:rPr lang="en-US" altLang="ja-JP" dirty="0" err="1">
+              <a:t>Conflicts in the </a:t>
+            </a:r>
+            <a:r>
+              <a:rPr kumimoji="1" lang="en-US" altLang="ja-JP" dirty="0" err="1">
                 <a:latin typeface="Verdana" panose="020B0604030504040204" pitchFamily="34" charset="0"/>
               </a:rPr>
-              <a:t>gitignore</a:t>
-            </a:r>
-            <a:r>
-              <a:rPr lang="en-US" altLang="ja-JP" dirty="0">
+              <a:t>sourcetree</a:t>
+            </a:r>
+            <a:r>
+              <a:rPr kumimoji="1" lang="en-US" altLang="ja-JP" dirty="0">
                 <a:latin typeface="Verdana" panose="020B0604030504040204" pitchFamily="34" charset="0"/>
               </a:rPr>
-              <a:t> I don’t need the changes because “.</a:t>
-            </a:r>
-            <a:r>
-              <a:rPr lang="en-US" altLang="ja-JP" dirty="0" err="1">
-                <a:latin typeface="Verdana" panose="020B0604030504040204" pitchFamily="34" charset="0"/>
-              </a:rPr>
-              <a:t>DS_Store</a:t>
-            </a:r>
-            <a:r>
-              <a:rPr lang="en-US" altLang="ja-JP" dirty="0">
-                <a:latin typeface="Verdana" panose="020B0604030504040204" pitchFamily="34" charset="0"/>
-              </a:rPr>
-              <a:t>” and “.idea” are not existing in my folder, so discard these changes.</a:t>
+              <a:t> and the exact file contents.</a:t>
             </a:r>
             <a:endParaRPr kumimoji="1" lang="ja-JP" altLang="en-US" dirty="0">
               <a:latin typeface="Verdana" panose="020B0604030504040204" pitchFamily="34" charset="0"/>
@@ -6631,57 +7882,10 @@
           </a:p>
         </p:txBody>
       </p:sp>
-      <p:sp>
-        <p:nvSpPr>
-          <p:cNvPr id="8" name="TextBox 7">
-            <a:extLst>
-              <a:ext uri="{FF2B5EF4-FFF2-40B4-BE49-F238E27FC236}">
-                <a16:creationId xmlns:a16="http://schemas.microsoft.com/office/drawing/2014/main" id="{B6041E6E-EA27-47A7-938D-E72A76377798}"/>
-              </a:ext>
-            </a:extLst>
-          </p:cNvPr>
-          <p:cNvSpPr txBox="1"/>
-          <p:nvPr/>
-        </p:nvSpPr>
-        <p:spPr>
-          <a:xfrm>
-            <a:off x="7026030" y="3366659"/>
-            <a:ext cx="3892061" cy="369332"/>
-          </a:xfrm>
-          <a:prstGeom prst="rect">
-            <a:avLst/>
-          </a:prstGeom>
-          <a:noFill/>
-        </p:spPr>
-        <p:txBody>
-          <a:bodyPr wrap="square" rtlCol="0">
-            <a:spAutoFit/>
-          </a:bodyPr>
-          <a:lstStyle/>
-          <a:p>
-            <a:pPr algn="l"/>
-            <a:r>
-              <a:rPr kumimoji="1" lang="en-US" altLang="ja-JP" dirty="0">
-                <a:latin typeface="Verdana" panose="020B0604030504040204" pitchFamily="34" charset="0"/>
-              </a:rPr>
-              <a:t>File after </a:t>
-            </a:r>
-            <a:r>
-              <a:rPr lang="en-US" altLang="ja-JP" dirty="0">
-                <a:latin typeface="Verdana" panose="020B0604030504040204" pitchFamily="34" charset="0"/>
-              </a:rPr>
-              <a:t>discarding.</a:t>
-            </a:r>
-            <a:endParaRPr kumimoji="1" lang="ja-JP" altLang="en-US" dirty="0">
-              <a:latin typeface="Verdana" panose="020B0604030504040204" pitchFamily="34" charset="0"/>
-            </a:endParaRPr>
-          </a:p>
-        </p:txBody>
-      </p:sp>
     </p:spTree>
     <p:extLst>
       <p:ext uri="{BB962C8B-B14F-4D97-AF65-F5344CB8AC3E}">
-        <p14:creationId xmlns:p14="http://schemas.microsoft.com/office/powerpoint/2010/main" val="2369306151"/>
+        <p14:creationId xmlns:p14="http://schemas.microsoft.com/office/powerpoint/2010/main" val="3534265700"/>
       </p:ext>
     </p:extLst>
   </p:cSld>
@@ -6713,7 +7917,7 @@
           <p:cNvPr id="2" name="Picture 1">
             <a:extLst>
               <a:ext uri="{FF2B5EF4-FFF2-40B4-BE49-F238E27FC236}">
-                <a16:creationId xmlns:a16="http://schemas.microsoft.com/office/drawing/2014/main" id="{8E871EE2-D546-4030-A549-72A53F54260D}"/>
+                <a16:creationId xmlns:a16="http://schemas.microsoft.com/office/drawing/2014/main" id="{8770C20D-0FA7-4EFB-A909-2C97A8D7D837}"/>
               </a:ext>
             </a:extLst>
           </p:cNvPr>
@@ -6730,8 +7934,8 @@
         </p:blipFill>
         <p:spPr>
           <a:xfrm>
-            <a:off x="304848" y="946206"/>
-            <a:ext cx="8026352" cy="2251689"/>
+            <a:off x="377695" y="776073"/>
+            <a:ext cx="5718305" cy="2035329"/>
           </a:xfrm>
           <a:prstGeom prst="rect">
             <a:avLst/>
@@ -6740,10 +7944,10 @@
       </p:pic>
       <p:sp>
         <p:nvSpPr>
-          <p:cNvPr id="3" name="TextBox 2">
-            <a:extLst>
-              <a:ext uri="{FF2B5EF4-FFF2-40B4-BE49-F238E27FC236}">
-                <a16:creationId xmlns:a16="http://schemas.microsoft.com/office/drawing/2014/main" id="{03949BDC-3F0A-4652-8934-8310CFD9CF3B}"/>
+          <p:cNvPr id="4" name="TextBox 3">
+            <a:extLst>
+              <a:ext uri="{FF2B5EF4-FFF2-40B4-BE49-F238E27FC236}">
+                <a16:creationId xmlns:a16="http://schemas.microsoft.com/office/drawing/2014/main" id="{04583AE2-BFE6-4F8A-A494-24007D251D26}"/>
               </a:ext>
             </a:extLst>
           </p:cNvPr>
@@ -6752,8 +7956,8 @@
         </p:nvSpPr>
         <p:spPr>
           <a:xfrm>
-            <a:off x="148492" y="273538"/>
-            <a:ext cx="11324493" cy="646331"/>
+            <a:off x="359508" y="171938"/>
+            <a:ext cx="10386646" cy="369332"/>
           </a:xfrm>
           <a:prstGeom prst="rect">
             <a:avLst/>
@@ -6771,19 +7975,19 @@
               <a:rPr kumimoji="1" lang="en-US" altLang="ja-JP" dirty="0">
                 <a:latin typeface="Verdana" panose="020B0604030504040204" pitchFamily="34" charset="0"/>
               </a:rPr>
-              <a:t>Regarding, </a:t>
+              <a:t>Conflicts in the </a:t>
             </a:r>
             <a:r>
               <a:rPr kumimoji="1" lang="en-US" altLang="ja-JP" dirty="0" err="1">
                 <a:latin typeface="Verdana" panose="020B0604030504040204" pitchFamily="34" charset="0"/>
               </a:rPr>
-              <a:t>package.json</a:t>
+              <a:t>sourcetree</a:t>
             </a:r>
             <a:r>
               <a:rPr kumimoji="1" lang="en-US" altLang="ja-JP" dirty="0">
                 <a:latin typeface="Verdana" panose="020B0604030504040204" pitchFamily="34" charset="0"/>
               </a:rPr>
-              <a:t>, delete unnecessary lines and change the version to 1.2.3 as in the upstream version.</a:t>
+              <a:t> and the exact file contents.</a:t>
             </a:r>
             <a:endParaRPr kumimoji="1" lang="ja-JP" altLang="en-US" dirty="0">
               <a:latin typeface="Verdana" panose="020B0604030504040204" pitchFamily="34" charset="0"/>
@@ -6793,10 +7997,10 @@
       </p:sp>
       <p:pic>
         <p:nvPicPr>
-          <p:cNvPr id="4" name="Picture 3">
-            <a:extLst>
-              <a:ext uri="{FF2B5EF4-FFF2-40B4-BE49-F238E27FC236}">
-                <a16:creationId xmlns:a16="http://schemas.microsoft.com/office/drawing/2014/main" id="{19FE019A-45B4-45FC-AB8C-5CD9800545E7}"/>
+          <p:cNvPr id="5" name="Picture 4">
+            <a:extLst>
+              <a:ext uri="{FF2B5EF4-FFF2-40B4-BE49-F238E27FC236}">
+                <a16:creationId xmlns:a16="http://schemas.microsoft.com/office/drawing/2014/main" id="{68A58A0E-6E29-44FE-856A-1C869BA9F467}"/>
               </a:ext>
             </a:extLst>
           </p:cNvPr>
@@ -6813,8 +8017,8 @@
         </p:blipFill>
         <p:spPr>
           <a:xfrm>
-            <a:off x="304848" y="3224232"/>
-            <a:ext cx="4295775" cy="1238250"/>
+            <a:off x="4575403" y="2506635"/>
+            <a:ext cx="7452474" cy="4179427"/>
           </a:xfrm>
           <a:prstGeom prst="rect">
             <a:avLst/>
@@ -6823,10 +8027,10 @@
       </p:pic>
       <p:pic>
         <p:nvPicPr>
-          <p:cNvPr id="5" name="Picture 4">
-            <a:extLst>
-              <a:ext uri="{FF2B5EF4-FFF2-40B4-BE49-F238E27FC236}">
-                <a16:creationId xmlns:a16="http://schemas.microsoft.com/office/drawing/2014/main" id="{D94BC19E-800D-472F-B0D9-72C655902FEA}"/>
+          <p:cNvPr id="6" name="Picture 5">
+            <a:extLst>
+              <a:ext uri="{FF2B5EF4-FFF2-40B4-BE49-F238E27FC236}">
+                <a16:creationId xmlns:a16="http://schemas.microsoft.com/office/drawing/2014/main" id="{035F42B0-2708-489F-88BE-F41F8FF5D11A}"/>
               </a:ext>
             </a:extLst>
           </p:cNvPr>
@@ -6843,8 +8047,8 @@
         </p:blipFill>
         <p:spPr>
           <a:xfrm>
-            <a:off x="304847" y="4488819"/>
-            <a:ext cx="8026351" cy="1874611"/>
+            <a:off x="359508" y="3829836"/>
+            <a:ext cx="4195793" cy="2043127"/>
           </a:xfrm>
           <a:prstGeom prst="rect">
             <a:avLst/>
@@ -6853,10 +8057,10 @@
       </p:pic>
       <p:sp>
         <p:nvSpPr>
-          <p:cNvPr id="6" name="TextBox 5">
-            <a:extLst>
-              <a:ext uri="{FF2B5EF4-FFF2-40B4-BE49-F238E27FC236}">
-                <a16:creationId xmlns:a16="http://schemas.microsoft.com/office/drawing/2014/main" id="{A4F78977-599D-4B85-B1DA-695758CBAC70}"/>
+          <p:cNvPr id="7" name="TextBox 6">
+            <a:extLst>
+              <a:ext uri="{FF2B5EF4-FFF2-40B4-BE49-F238E27FC236}">
+                <a16:creationId xmlns:a16="http://schemas.microsoft.com/office/drawing/2014/main" id="{587C98C5-7408-4E79-A50F-0A4311B65DED}"/>
               </a:ext>
             </a:extLst>
           </p:cNvPr>
@@ -6865,8 +8069,8 @@
         </p:nvSpPr>
         <p:spPr>
           <a:xfrm>
-            <a:off x="5345723" y="3696677"/>
-            <a:ext cx="6541429" cy="646331"/>
+            <a:off x="377695" y="3429000"/>
+            <a:ext cx="3490920" cy="369332"/>
           </a:xfrm>
           <a:prstGeom prst="rect">
             <a:avLst/>
@@ -6881,10 +8085,22 @@
           <a:p>
             <a:pPr algn="l"/>
             <a:r>
+              <a:rPr lang="en-US" altLang="ja-JP" dirty="0" err="1">
+                <a:latin typeface="Verdana" panose="020B0604030504040204" pitchFamily="34" charset="0"/>
+              </a:rPr>
+              <a:t>ScreenShot</a:t>
+            </a:r>
+            <a:r>
+              <a:rPr lang="en-US" altLang="ja-JP" dirty="0">
+                <a:latin typeface="Verdana" panose="020B0604030504040204" pitchFamily="34" charset="0"/>
+              </a:rPr>
+              <a:t> f</a:t>
+            </a:r>
+            <a:r>
               <a:rPr kumimoji="1" lang="en-US" altLang="ja-JP" dirty="0">
                 <a:latin typeface="Verdana" panose="020B0604030504040204" pitchFamily="34" charset="0"/>
               </a:rPr>
-              <a:t>I could not delete the line “version”: “1.2.1”, so deleted it in the editor.</a:t>
+              <a:t>or the video</a:t>
             </a:r>
             <a:endParaRPr kumimoji="1" lang="ja-JP" altLang="en-US" dirty="0">
               <a:latin typeface="Verdana" panose="020B0604030504040204" pitchFamily="34" charset="0"/>
@@ -6895,7 +8111,7 @@
     </p:spTree>
     <p:extLst>
       <p:ext uri="{BB962C8B-B14F-4D97-AF65-F5344CB8AC3E}">
-        <p14:creationId xmlns:p14="http://schemas.microsoft.com/office/powerpoint/2010/main" val="452749272"/>
+        <p14:creationId xmlns:p14="http://schemas.microsoft.com/office/powerpoint/2010/main" val="3665609153"/>
       </p:ext>
     </p:extLst>
   </p:cSld>
@@ -6922,12 +8138,59 @@
           <a:chExt cx="0" cy="0"/>
         </a:xfrm>
       </p:grpSpPr>
+      <p:sp>
+        <p:nvSpPr>
+          <p:cNvPr id="2" name="TextBox 1">
+            <a:extLst>
+              <a:ext uri="{FF2B5EF4-FFF2-40B4-BE49-F238E27FC236}">
+                <a16:creationId xmlns:a16="http://schemas.microsoft.com/office/drawing/2014/main" id="{4CA2C04F-BD05-4C87-87F1-2E090467B919}"/>
+              </a:ext>
+            </a:extLst>
+          </p:cNvPr>
+          <p:cNvSpPr txBox="1"/>
+          <p:nvPr/>
+        </p:nvSpPr>
+        <p:spPr>
+          <a:xfrm>
+            <a:off x="203200" y="273538"/>
+            <a:ext cx="8721969" cy="369332"/>
+          </a:xfrm>
+          <a:prstGeom prst="rect">
+            <a:avLst/>
+          </a:prstGeom>
+          <a:noFill/>
+        </p:spPr>
+        <p:txBody>
+          <a:bodyPr wrap="square" rtlCol="0">
+            <a:spAutoFit/>
+          </a:bodyPr>
+          <a:lstStyle/>
+          <a:p>
+            <a:pPr algn="l"/>
+            <a:r>
+              <a:rPr kumimoji="1" lang="en-US" altLang="ja-JP" b="1" dirty="0">
+                <a:solidFill>
+                  <a:schemeClr val="accent1"/>
+                </a:solidFill>
+                <a:latin typeface="Verdana" panose="020B0604030504040204" pitchFamily="34" charset="0"/>
+              </a:rPr>
+              <a:t>Adjustments</a:t>
+            </a:r>
+            <a:endParaRPr kumimoji="1" lang="ja-JP" altLang="en-US" b="1" dirty="0">
+              <a:solidFill>
+                <a:schemeClr val="accent1"/>
+              </a:solidFill>
+              <a:latin typeface="Verdana" panose="020B0604030504040204" pitchFamily="34" charset="0"/>
+            </a:endParaRPr>
+          </a:p>
+        </p:txBody>
+      </p:sp>
       <p:pic>
         <p:nvPicPr>
-          <p:cNvPr id="2" name="Picture 1">
-            <a:extLst>
-              <a:ext uri="{FF2B5EF4-FFF2-40B4-BE49-F238E27FC236}">
-                <a16:creationId xmlns:a16="http://schemas.microsoft.com/office/drawing/2014/main" id="{CDEBF417-693F-4905-B0CD-F8AD82A43A12}"/>
+          <p:cNvPr id="3" name="Picture 2">
+            <a:extLst>
+              <a:ext uri="{FF2B5EF4-FFF2-40B4-BE49-F238E27FC236}">
+                <a16:creationId xmlns:a16="http://schemas.microsoft.com/office/drawing/2014/main" id="{21F20417-C567-4245-9439-DF8FD232B691}"/>
               </a:ext>
             </a:extLst>
           </p:cNvPr>
@@ -6944,8 +8207,8 @@
         </p:blipFill>
         <p:spPr>
           <a:xfrm>
-            <a:off x="385331" y="411281"/>
-            <a:ext cx="3725614" cy="1636349"/>
+            <a:off x="203200" y="1434308"/>
+            <a:ext cx="6744677" cy="2050382"/>
           </a:xfrm>
           <a:prstGeom prst="rect">
             <a:avLst/>
@@ -6954,10 +8217,10 @@
       </p:pic>
       <p:pic>
         <p:nvPicPr>
-          <p:cNvPr id="3" name="Picture 2">
-            <a:extLst>
-              <a:ext uri="{FF2B5EF4-FFF2-40B4-BE49-F238E27FC236}">
-                <a16:creationId xmlns:a16="http://schemas.microsoft.com/office/drawing/2014/main" id="{A48A9918-3930-4356-BD4D-0FBF4C005EFD}"/>
+          <p:cNvPr id="4" name="Picture 3">
+            <a:extLst>
+              <a:ext uri="{FF2B5EF4-FFF2-40B4-BE49-F238E27FC236}">
+                <a16:creationId xmlns:a16="http://schemas.microsoft.com/office/drawing/2014/main" id="{8D0B3770-8B21-45C1-BF02-AA3CD5350E7B}"/>
               </a:ext>
             </a:extLst>
           </p:cNvPr>
@@ -6974,18 +8237,190 @@
         </p:blipFill>
         <p:spPr>
           <a:xfrm>
-            <a:off x="385331" y="2404755"/>
-            <a:ext cx="8665926" cy="1870260"/>
+            <a:off x="268409" y="3681183"/>
+            <a:ext cx="4295775" cy="1238250"/>
           </a:xfrm>
           <a:prstGeom prst="rect">
             <a:avLst/>
           </a:prstGeom>
         </p:spPr>
       </p:pic>
+      <p:pic>
+        <p:nvPicPr>
+          <p:cNvPr id="5" name="Picture 4">
+            <a:extLst>
+              <a:ext uri="{FF2B5EF4-FFF2-40B4-BE49-F238E27FC236}">
+                <a16:creationId xmlns:a16="http://schemas.microsoft.com/office/drawing/2014/main" id="{94553556-A90D-4B51-A07F-1742E8F6E1E7}"/>
+              </a:ext>
+            </a:extLst>
+          </p:cNvPr>
+          <p:cNvPicPr>
+            <a:picLocks noChangeAspect="1"/>
+          </p:cNvPicPr>
+          <p:nvPr/>
+        </p:nvPicPr>
+        <p:blipFill>
+          <a:blip r:embed="rId4"/>
+          <a:stretch>
+            <a:fillRect/>
+          </a:stretch>
+        </p:blipFill>
+        <p:spPr>
+          <a:xfrm>
+            <a:off x="268409" y="5115926"/>
+            <a:ext cx="7415043" cy="1460994"/>
+          </a:xfrm>
+          <a:prstGeom prst="rect">
+            <a:avLst/>
+          </a:prstGeom>
+        </p:spPr>
+      </p:pic>
+      <p:pic>
+        <p:nvPicPr>
+          <p:cNvPr id="6" name="Picture 5">
+            <a:extLst>
+              <a:ext uri="{FF2B5EF4-FFF2-40B4-BE49-F238E27FC236}">
+                <a16:creationId xmlns:a16="http://schemas.microsoft.com/office/drawing/2014/main" id="{175B1C1F-3787-4969-818D-47948759DB19}"/>
+              </a:ext>
+            </a:extLst>
+          </p:cNvPr>
+          <p:cNvPicPr>
+            <a:picLocks noChangeAspect="1"/>
+          </p:cNvPicPr>
+          <p:nvPr/>
+        </p:nvPicPr>
+        <p:blipFill>
+          <a:blip r:embed="rId5"/>
+          <a:stretch>
+            <a:fillRect/>
+          </a:stretch>
+        </p:blipFill>
+        <p:spPr>
+          <a:xfrm>
+            <a:off x="6947877" y="3800711"/>
+            <a:ext cx="3892061" cy="2856559"/>
+          </a:xfrm>
+          <a:prstGeom prst="rect">
+            <a:avLst/>
+          </a:prstGeom>
+        </p:spPr>
+      </p:pic>
+      <p:sp>
+        <p:nvSpPr>
+          <p:cNvPr id="7" name="TextBox 6">
+            <a:extLst>
+              <a:ext uri="{FF2B5EF4-FFF2-40B4-BE49-F238E27FC236}">
+                <a16:creationId xmlns:a16="http://schemas.microsoft.com/office/drawing/2014/main" id="{076BCDC5-6AEC-4499-BF1A-A183E5366C05}"/>
+              </a:ext>
+            </a:extLst>
+          </p:cNvPr>
+          <p:cNvSpPr txBox="1"/>
+          <p:nvPr/>
+        </p:nvSpPr>
+        <p:spPr>
+          <a:xfrm>
+            <a:off x="203200" y="773723"/>
+            <a:ext cx="11566769" cy="646331"/>
+          </a:xfrm>
+          <a:prstGeom prst="rect">
+            <a:avLst/>
+          </a:prstGeom>
+          <a:noFill/>
+        </p:spPr>
+        <p:txBody>
+          <a:bodyPr wrap="square" rtlCol="0">
+            <a:spAutoFit/>
+          </a:bodyPr>
+          <a:lstStyle/>
+          <a:p>
+            <a:pPr algn="l"/>
+            <a:r>
+              <a:rPr lang="en-US" altLang="ja-JP" dirty="0">
+                <a:latin typeface="Verdana" panose="020B0604030504040204" pitchFamily="34" charset="0"/>
+              </a:rPr>
+              <a:t>About </a:t>
+            </a:r>
+            <a:r>
+              <a:rPr lang="en-US" altLang="ja-JP" dirty="0" err="1">
+                <a:latin typeface="Verdana" panose="020B0604030504040204" pitchFamily="34" charset="0"/>
+              </a:rPr>
+              <a:t>gitignore</a:t>
+            </a:r>
+            <a:r>
+              <a:rPr lang="en-US" altLang="ja-JP" dirty="0">
+                <a:latin typeface="Verdana" panose="020B0604030504040204" pitchFamily="34" charset="0"/>
+              </a:rPr>
+              <a:t> I don’t need the changes because “.</a:t>
+            </a:r>
+            <a:r>
+              <a:rPr lang="en-US" altLang="ja-JP" dirty="0" err="1">
+                <a:latin typeface="Verdana" panose="020B0604030504040204" pitchFamily="34" charset="0"/>
+              </a:rPr>
+              <a:t>DS_Store</a:t>
+            </a:r>
+            <a:r>
+              <a:rPr lang="en-US" altLang="ja-JP" dirty="0">
+                <a:latin typeface="Verdana" panose="020B0604030504040204" pitchFamily="34" charset="0"/>
+              </a:rPr>
+              <a:t>” and “.idea” are not existing in my folder, so discard these changes.</a:t>
+            </a:r>
+            <a:endParaRPr kumimoji="1" lang="ja-JP" altLang="en-US" dirty="0">
+              <a:latin typeface="Verdana" panose="020B0604030504040204" pitchFamily="34" charset="0"/>
+            </a:endParaRPr>
+          </a:p>
+        </p:txBody>
+      </p:sp>
+      <p:sp>
+        <p:nvSpPr>
+          <p:cNvPr id="8" name="TextBox 7">
+            <a:extLst>
+              <a:ext uri="{FF2B5EF4-FFF2-40B4-BE49-F238E27FC236}">
+                <a16:creationId xmlns:a16="http://schemas.microsoft.com/office/drawing/2014/main" id="{B6041E6E-EA27-47A7-938D-E72A76377798}"/>
+              </a:ext>
+            </a:extLst>
+          </p:cNvPr>
+          <p:cNvSpPr txBox="1"/>
+          <p:nvPr/>
+        </p:nvSpPr>
+        <p:spPr>
+          <a:xfrm>
+            <a:off x="7026030" y="3366659"/>
+            <a:ext cx="3892061" cy="369332"/>
+          </a:xfrm>
+          <a:prstGeom prst="rect">
+            <a:avLst/>
+          </a:prstGeom>
+          <a:noFill/>
+        </p:spPr>
+        <p:txBody>
+          <a:bodyPr wrap="square" rtlCol="0">
+            <a:spAutoFit/>
+          </a:bodyPr>
+          <a:lstStyle/>
+          <a:p>
+            <a:pPr algn="l"/>
+            <a:r>
+              <a:rPr kumimoji="1" lang="en-US" altLang="ja-JP" dirty="0">
+                <a:latin typeface="Verdana" panose="020B0604030504040204" pitchFamily="34" charset="0"/>
+              </a:rPr>
+              <a:t>File after </a:t>
+            </a:r>
+            <a:r>
+              <a:rPr lang="en-US" altLang="ja-JP" dirty="0">
+                <a:latin typeface="Verdana" panose="020B0604030504040204" pitchFamily="34" charset="0"/>
+              </a:rPr>
+              <a:t>discarding.</a:t>
+            </a:r>
+            <a:endParaRPr kumimoji="1" lang="ja-JP" altLang="en-US" dirty="0">
+              <a:latin typeface="Verdana" panose="020B0604030504040204" pitchFamily="34" charset="0"/>
+            </a:endParaRPr>
+          </a:p>
+        </p:txBody>
+      </p:sp>
     </p:spTree>
     <p:extLst>
       <p:ext uri="{BB962C8B-B14F-4D97-AF65-F5344CB8AC3E}">
-        <p14:creationId xmlns:p14="http://schemas.microsoft.com/office/powerpoint/2010/main" val="3768931349"/>
+        <p14:creationId xmlns:p14="http://schemas.microsoft.com/office/powerpoint/2010/main" val="2369306151"/>
       </p:ext>
     </p:extLst>
   </p:cSld>
